--- a/docs/documentation.pptx
+++ b/docs/documentation.pptx
@@ -4,8 +4,18 @@
   <p:sldMasterIdLst>
     <p:sldMasterId id="2147483648" r:id="rId1"/>
   </p:sldMasterIdLst>
+  <p:notesMasterIdLst>
+    <p:notesMasterId r:id="rId10"/>
+  </p:notesMasterIdLst>
   <p:sldIdLst>
-    <p:sldId id="256" r:id="rId2"/>
+    <p:sldId id="262" r:id="rId2"/>
+    <p:sldId id="263" r:id="rId3"/>
+    <p:sldId id="264" r:id="rId4"/>
+    <p:sldId id="265" r:id="rId5"/>
+    <p:sldId id="266" r:id="rId6"/>
+    <p:sldId id="267" r:id="rId7"/>
+    <p:sldId id="268" r:id="rId8"/>
+    <p:sldId id="269" r:id="rId9"/>
   </p:sldIdLst>
   <p:sldSz cx="12192000" cy="6858000"/>
   <p:notesSz cx="6858000" cy="9144000"/>
@@ -104,7 +114,461 @@
       </a:defRPr>
     </a:lvl9pPr>
   </p:defaultTextStyle>
+  <p:extLst>
+    <p:ext uri="{521415D9-36F7-43E2-AB2F-B90AF26B5E84}">
+      <p14:sectionLst xmlns:p14="http://schemas.microsoft.com/office/powerpoint/2010/main">
+        <p14:section name="sphere" id="{D9FD14F6-0B16-49AA-96B2-1CB9224E32BD}">
+          <p14:sldIdLst>
+            <p14:sldId id="262"/>
+            <p14:sldId id="263"/>
+            <p14:sldId id="264"/>
+            <p14:sldId id="265"/>
+            <p14:sldId id="266"/>
+            <p14:sldId id="267"/>
+            <p14:sldId id="268"/>
+            <p14:sldId id="269"/>
+          </p14:sldIdLst>
+        </p14:section>
+      </p14:sectionLst>
+    </p:ext>
+    <p:ext uri="{EFAFB233-063F-42B5-8137-9DF3F51BA10A}">
+      <p15:sldGuideLst xmlns:p15="http://schemas.microsoft.com/office/powerpoint/2012/main"/>
+    </p:ext>
+  </p:extLst>
 </p:presentation>
+</file>
+
+<file path=ppt/notesMasters/notesMaster1.xml><?xml version="1.0" encoding="utf-8"?>
+<p:notesMaster xmlns:a="http://schemas.openxmlformats.org/drawingml/2006/main" xmlns:r="http://schemas.openxmlformats.org/officeDocument/2006/relationships" xmlns:p="http://schemas.openxmlformats.org/presentationml/2006/main">
+  <p:cSld>
+    <p:bg>
+      <p:bgRef idx="1001">
+        <a:schemeClr val="bg1"/>
+      </p:bgRef>
+    </p:bg>
+    <p:spTree>
+      <p:nvGrpSpPr>
+        <p:cNvPr id="1" name=""/>
+        <p:cNvGrpSpPr/>
+        <p:nvPr/>
+      </p:nvGrpSpPr>
+      <p:grpSpPr>
+        <a:xfrm>
+          <a:off x="0" y="0"/>
+          <a:ext cx="0" cy="0"/>
+          <a:chOff x="0" y="0"/>
+          <a:chExt cx="0" cy="0"/>
+        </a:xfrm>
+      </p:grpSpPr>
+      <p:sp>
+        <p:nvSpPr>
+          <p:cNvPr id="2" name="Header Placeholder 1"/>
+          <p:cNvSpPr>
+            <a:spLocks noGrp="1"/>
+          </p:cNvSpPr>
+          <p:nvPr>
+            <p:ph type="hdr" sz="quarter"/>
+          </p:nvPr>
+        </p:nvSpPr>
+        <p:spPr>
+          <a:xfrm>
+            <a:off x="0" y="0"/>
+            <a:ext cx="2971800" cy="458788"/>
+          </a:xfrm>
+          <a:prstGeom prst="rect">
+            <a:avLst/>
+          </a:prstGeom>
+        </p:spPr>
+        <p:txBody>
+          <a:bodyPr vert="horz" lIns="91440" tIns="45720" rIns="91440" bIns="45720" rtlCol="0"/>
+          <a:lstStyle>
+            <a:lvl1pPr algn="l">
+              <a:defRPr sz="1200"/>
+            </a:lvl1pPr>
+          </a:lstStyle>
+          <a:p>
+            <a:endParaRPr lang="en-US"/>
+          </a:p>
+        </p:txBody>
+      </p:sp>
+      <p:sp>
+        <p:nvSpPr>
+          <p:cNvPr id="3" name="Date Placeholder 2"/>
+          <p:cNvSpPr>
+            <a:spLocks noGrp="1"/>
+          </p:cNvSpPr>
+          <p:nvPr>
+            <p:ph type="dt" idx="1"/>
+          </p:nvPr>
+        </p:nvSpPr>
+        <p:spPr>
+          <a:xfrm>
+            <a:off x="3884613" y="0"/>
+            <a:ext cx="2971800" cy="458788"/>
+          </a:xfrm>
+          <a:prstGeom prst="rect">
+            <a:avLst/>
+          </a:prstGeom>
+        </p:spPr>
+        <p:txBody>
+          <a:bodyPr vert="horz" lIns="91440" tIns="45720" rIns="91440" bIns="45720" rtlCol="0"/>
+          <a:lstStyle>
+            <a:lvl1pPr algn="r">
+              <a:defRPr sz="1200"/>
+            </a:lvl1pPr>
+          </a:lstStyle>
+          <a:p>
+            <a:fld id="{CCF00BB7-ABBE-422D-B859-7545CEDE1AD1}" type="datetimeFigureOut">
+              <a:rPr lang="en-US" smtClean="0"/>
+              <a:t>7/6/2025</a:t>
+            </a:fld>
+            <a:endParaRPr lang="en-US"/>
+          </a:p>
+        </p:txBody>
+      </p:sp>
+      <p:sp>
+        <p:nvSpPr>
+          <p:cNvPr id="4" name="Slide Image Placeholder 3"/>
+          <p:cNvSpPr>
+            <a:spLocks noGrp="1" noRot="1" noChangeAspect="1"/>
+          </p:cNvSpPr>
+          <p:nvPr>
+            <p:ph type="sldImg" idx="2"/>
+          </p:nvPr>
+        </p:nvSpPr>
+        <p:spPr>
+          <a:xfrm>
+            <a:off x="685800" y="1143000"/>
+            <a:ext cx="5486400" cy="3086100"/>
+          </a:xfrm>
+          <a:prstGeom prst="rect">
+            <a:avLst/>
+          </a:prstGeom>
+          <a:noFill/>
+          <a:ln w="12700">
+            <a:solidFill>
+              <a:prstClr val="black"/>
+            </a:solidFill>
+          </a:ln>
+        </p:spPr>
+        <p:txBody>
+          <a:bodyPr vert="horz" lIns="91440" tIns="45720" rIns="91440" bIns="45720" rtlCol="0" anchor="ctr"/>
+          <a:lstStyle/>
+          <a:p>
+            <a:endParaRPr lang="en-US"/>
+          </a:p>
+        </p:txBody>
+      </p:sp>
+      <p:sp>
+        <p:nvSpPr>
+          <p:cNvPr id="5" name="Notes Placeholder 4"/>
+          <p:cNvSpPr>
+            <a:spLocks noGrp="1"/>
+          </p:cNvSpPr>
+          <p:nvPr>
+            <p:ph type="body" sz="quarter" idx="3"/>
+          </p:nvPr>
+        </p:nvSpPr>
+        <p:spPr>
+          <a:xfrm>
+            <a:off x="685800" y="4400550"/>
+            <a:ext cx="5486400" cy="3600450"/>
+          </a:xfrm>
+          <a:prstGeom prst="rect">
+            <a:avLst/>
+          </a:prstGeom>
+        </p:spPr>
+        <p:txBody>
+          <a:bodyPr vert="horz" lIns="91440" tIns="45720" rIns="91440" bIns="45720" rtlCol="0"/>
+          <a:lstStyle/>
+          <a:p>
+            <a:pPr lvl="0"/>
+            <a:r>
+              <a:rPr lang="en-US"/>
+              <a:t>Click to edit Master text styles</a:t>
+            </a:r>
+          </a:p>
+          <a:p>
+            <a:pPr lvl="1"/>
+            <a:r>
+              <a:rPr lang="en-US"/>
+              <a:t>Second level</a:t>
+            </a:r>
+          </a:p>
+          <a:p>
+            <a:pPr lvl="2"/>
+            <a:r>
+              <a:rPr lang="en-US"/>
+              <a:t>Third level</a:t>
+            </a:r>
+          </a:p>
+          <a:p>
+            <a:pPr lvl="3"/>
+            <a:r>
+              <a:rPr lang="en-US"/>
+              <a:t>Fourth level</a:t>
+            </a:r>
+          </a:p>
+          <a:p>
+            <a:pPr lvl="4"/>
+            <a:r>
+              <a:rPr lang="en-US"/>
+              <a:t>Fifth level</a:t>
+            </a:r>
+          </a:p>
+        </p:txBody>
+      </p:sp>
+      <p:sp>
+        <p:nvSpPr>
+          <p:cNvPr id="6" name="Footer Placeholder 5"/>
+          <p:cNvSpPr>
+            <a:spLocks noGrp="1"/>
+          </p:cNvSpPr>
+          <p:nvPr>
+            <p:ph type="ftr" sz="quarter" idx="4"/>
+          </p:nvPr>
+        </p:nvSpPr>
+        <p:spPr>
+          <a:xfrm>
+            <a:off x="0" y="8685213"/>
+            <a:ext cx="2971800" cy="458787"/>
+          </a:xfrm>
+          <a:prstGeom prst="rect">
+            <a:avLst/>
+          </a:prstGeom>
+        </p:spPr>
+        <p:txBody>
+          <a:bodyPr vert="horz" lIns="91440" tIns="45720" rIns="91440" bIns="45720" rtlCol="0" anchor="b"/>
+          <a:lstStyle>
+            <a:lvl1pPr algn="l">
+              <a:defRPr sz="1200"/>
+            </a:lvl1pPr>
+          </a:lstStyle>
+          <a:p>
+            <a:endParaRPr lang="en-US"/>
+          </a:p>
+        </p:txBody>
+      </p:sp>
+      <p:sp>
+        <p:nvSpPr>
+          <p:cNvPr id="7" name="Slide Number Placeholder 6"/>
+          <p:cNvSpPr>
+            <a:spLocks noGrp="1"/>
+          </p:cNvSpPr>
+          <p:nvPr>
+            <p:ph type="sldNum" sz="quarter" idx="5"/>
+          </p:nvPr>
+        </p:nvSpPr>
+        <p:spPr>
+          <a:xfrm>
+            <a:off x="3884613" y="8685213"/>
+            <a:ext cx="2971800" cy="458787"/>
+          </a:xfrm>
+          <a:prstGeom prst="rect">
+            <a:avLst/>
+          </a:prstGeom>
+        </p:spPr>
+        <p:txBody>
+          <a:bodyPr vert="horz" lIns="91440" tIns="45720" rIns="91440" bIns="45720" rtlCol="0" anchor="b"/>
+          <a:lstStyle>
+            <a:lvl1pPr algn="r">
+              <a:defRPr sz="1200"/>
+            </a:lvl1pPr>
+          </a:lstStyle>
+          <a:p>
+            <a:fld id="{59DFD63C-DF69-4715-BEA9-19972F6DA759}" type="slidenum">
+              <a:rPr lang="en-US" smtClean="0"/>
+              <a:t>‹#›</a:t>
+            </a:fld>
+            <a:endParaRPr lang="en-US"/>
+          </a:p>
+        </p:txBody>
+      </p:sp>
+    </p:spTree>
+    <p:extLst>
+      <p:ext uri="{BB962C8B-B14F-4D97-AF65-F5344CB8AC3E}">
+        <p14:creationId xmlns:p14="http://schemas.microsoft.com/office/powerpoint/2010/main" val="3866278795"/>
+      </p:ext>
+    </p:extLst>
+  </p:cSld>
+  <p:clrMap bg1="lt1" tx1="dk1" bg2="lt2" tx2="dk2" accent1="accent1" accent2="accent2" accent3="accent3" accent4="accent4" accent5="accent5" accent6="accent6" hlink="hlink" folHlink="folHlink"/>
+  <p:notesStyle>
+    <a:lvl1pPr marL="0" algn="l" defTabSz="914400" rtl="0" eaLnBrk="1" latinLnBrk="0" hangingPunct="1">
+      <a:defRPr sz="1200" kern="1200">
+        <a:solidFill>
+          <a:schemeClr val="tx1"/>
+        </a:solidFill>
+        <a:latin typeface="+mn-lt"/>
+        <a:ea typeface="+mn-ea"/>
+        <a:cs typeface="+mn-cs"/>
+      </a:defRPr>
+    </a:lvl1pPr>
+    <a:lvl2pPr marL="457200" algn="l" defTabSz="914400" rtl="0" eaLnBrk="1" latinLnBrk="0" hangingPunct="1">
+      <a:defRPr sz="1200" kern="1200">
+        <a:solidFill>
+          <a:schemeClr val="tx1"/>
+        </a:solidFill>
+        <a:latin typeface="+mn-lt"/>
+        <a:ea typeface="+mn-ea"/>
+        <a:cs typeface="+mn-cs"/>
+      </a:defRPr>
+    </a:lvl2pPr>
+    <a:lvl3pPr marL="914400" algn="l" defTabSz="914400" rtl="0" eaLnBrk="1" latinLnBrk="0" hangingPunct="1">
+      <a:defRPr sz="1200" kern="1200">
+        <a:solidFill>
+          <a:schemeClr val="tx1"/>
+        </a:solidFill>
+        <a:latin typeface="+mn-lt"/>
+        <a:ea typeface="+mn-ea"/>
+        <a:cs typeface="+mn-cs"/>
+      </a:defRPr>
+    </a:lvl3pPr>
+    <a:lvl4pPr marL="1371600" algn="l" defTabSz="914400" rtl="0" eaLnBrk="1" latinLnBrk="0" hangingPunct="1">
+      <a:defRPr sz="1200" kern="1200">
+        <a:solidFill>
+          <a:schemeClr val="tx1"/>
+        </a:solidFill>
+        <a:latin typeface="+mn-lt"/>
+        <a:ea typeface="+mn-ea"/>
+        <a:cs typeface="+mn-cs"/>
+      </a:defRPr>
+    </a:lvl4pPr>
+    <a:lvl5pPr marL="1828800" algn="l" defTabSz="914400" rtl="0" eaLnBrk="1" latinLnBrk="0" hangingPunct="1">
+      <a:defRPr sz="1200" kern="1200">
+        <a:solidFill>
+          <a:schemeClr val="tx1"/>
+        </a:solidFill>
+        <a:latin typeface="+mn-lt"/>
+        <a:ea typeface="+mn-ea"/>
+        <a:cs typeface="+mn-cs"/>
+      </a:defRPr>
+    </a:lvl5pPr>
+    <a:lvl6pPr marL="2286000" algn="l" defTabSz="914400" rtl="0" eaLnBrk="1" latinLnBrk="0" hangingPunct="1">
+      <a:defRPr sz="1200" kern="1200">
+        <a:solidFill>
+          <a:schemeClr val="tx1"/>
+        </a:solidFill>
+        <a:latin typeface="+mn-lt"/>
+        <a:ea typeface="+mn-ea"/>
+        <a:cs typeface="+mn-cs"/>
+      </a:defRPr>
+    </a:lvl6pPr>
+    <a:lvl7pPr marL="2743200" algn="l" defTabSz="914400" rtl="0" eaLnBrk="1" latinLnBrk="0" hangingPunct="1">
+      <a:defRPr sz="1200" kern="1200">
+        <a:solidFill>
+          <a:schemeClr val="tx1"/>
+        </a:solidFill>
+        <a:latin typeface="+mn-lt"/>
+        <a:ea typeface="+mn-ea"/>
+        <a:cs typeface="+mn-cs"/>
+      </a:defRPr>
+    </a:lvl7pPr>
+    <a:lvl8pPr marL="3200400" algn="l" defTabSz="914400" rtl="0" eaLnBrk="1" latinLnBrk="0" hangingPunct="1">
+      <a:defRPr sz="1200" kern="1200">
+        <a:solidFill>
+          <a:schemeClr val="tx1"/>
+        </a:solidFill>
+        <a:latin typeface="+mn-lt"/>
+        <a:ea typeface="+mn-ea"/>
+        <a:cs typeface="+mn-cs"/>
+      </a:defRPr>
+    </a:lvl8pPr>
+    <a:lvl9pPr marL="3657600" algn="l" defTabSz="914400" rtl="0" eaLnBrk="1" latinLnBrk="0" hangingPunct="1">
+      <a:defRPr sz="1200" kern="1200">
+        <a:solidFill>
+          <a:schemeClr val="tx1"/>
+        </a:solidFill>
+        <a:latin typeface="+mn-lt"/>
+        <a:ea typeface="+mn-ea"/>
+        <a:cs typeface="+mn-cs"/>
+      </a:defRPr>
+    </a:lvl9pPr>
+  </p:notesStyle>
+</p:notesMaster>
+</file>
+
+<file path=ppt/notesSlides/notesSlide1.xml><?xml version="1.0" encoding="utf-8"?>
+<p:notes xmlns:a="http://schemas.openxmlformats.org/drawingml/2006/main" xmlns:r="http://schemas.openxmlformats.org/officeDocument/2006/relationships" xmlns:p="http://schemas.openxmlformats.org/presentationml/2006/main">
+  <p:cSld>
+    <p:spTree>
+      <p:nvGrpSpPr>
+        <p:cNvPr id="1" name=""/>
+        <p:cNvGrpSpPr/>
+        <p:nvPr/>
+      </p:nvGrpSpPr>
+      <p:grpSpPr>
+        <a:xfrm>
+          <a:off x="0" y="0"/>
+          <a:ext cx="0" cy="0"/>
+          <a:chOff x="0" y="0"/>
+          <a:chExt cx="0" cy="0"/>
+        </a:xfrm>
+      </p:grpSpPr>
+      <p:sp>
+        <p:nvSpPr>
+          <p:cNvPr id="2" name="Slide Image Placeholder 1"/>
+          <p:cNvSpPr>
+            <a:spLocks noGrp="1" noRot="1" noChangeAspect="1"/>
+          </p:cNvSpPr>
+          <p:nvPr>
+            <p:ph type="sldImg"/>
+          </p:nvPr>
+        </p:nvSpPr>
+        <p:spPr/>
+      </p:sp>
+      <p:sp>
+        <p:nvSpPr>
+          <p:cNvPr id="3" name="Notes Placeholder 2"/>
+          <p:cNvSpPr>
+            <a:spLocks noGrp="1"/>
+          </p:cNvSpPr>
+          <p:nvPr>
+            <p:ph type="body" idx="1"/>
+          </p:nvPr>
+        </p:nvSpPr>
+        <p:spPr/>
+        <p:txBody>
+          <a:bodyPr/>
+          <a:lstStyle/>
+          <a:p>
+            <a:endParaRPr lang="en-US" dirty="0"/>
+          </a:p>
+        </p:txBody>
+      </p:sp>
+      <p:sp>
+        <p:nvSpPr>
+          <p:cNvPr id="4" name="Slide Number Placeholder 3"/>
+          <p:cNvSpPr>
+            <a:spLocks noGrp="1"/>
+          </p:cNvSpPr>
+          <p:nvPr>
+            <p:ph type="sldNum" sz="quarter" idx="5"/>
+          </p:nvPr>
+        </p:nvSpPr>
+        <p:spPr/>
+        <p:txBody>
+          <a:bodyPr/>
+          <a:lstStyle/>
+          <a:p>
+            <a:fld id="{59DFD63C-DF69-4715-BEA9-19972F6DA759}" type="slidenum">
+              <a:rPr lang="en-US" smtClean="0"/>
+              <a:t>1</a:t>
+            </a:fld>
+            <a:endParaRPr lang="en-US"/>
+          </a:p>
+        </p:txBody>
+      </p:sp>
+    </p:spTree>
+    <p:extLst>
+      <p:ext uri="{BB962C8B-B14F-4D97-AF65-F5344CB8AC3E}">
+        <p14:creationId xmlns:p14="http://schemas.microsoft.com/office/powerpoint/2010/main" val="303775876"/>
+      </p:ext>
+    </p:extLst>
+  </p:cSld>
+  <p:clrMapOvr>
+    <a:masterClrMapping/>
+  </p:clrMapOvr>
+</p:notes>
 </file>
 
 <file path=ppt/slideLayouts/slideLayout1.xml><?xml version="1.0" encoding="utf-8"?>
@@ -129,7 +593,7 @@
           <p:cNvPr id="2" name="Title 1">
             <a:extLst>
               <a:ext uri="{FF2B5EF4-FFF2-40B4-BE49-F238E27FC236}">
-                <a16:creationId xmlns:a16="http://schemas.microsoft.com/office/drawing/2014/main" id="{3CCB8985-36A3-7D74-53C5-3A196516DBF9}"/>
+                <a16:creationId xmlns:a16="http://schemas.microsoft.com/office/drawing/2014/main" id="{F3A0FE01-A204-05FF-8D71-01C74B7ED9BF}"/>
               </a:ext>
             </a:extLst>
           </p:cNvPr>
@@ -166,7 +630,7 @@
           <p:cNvPr id="3" name="Subtitle 2">
             <a:extLst>
               <a:ext uri="{FF2B5EF4-FFF2-40B4-BE49-F238E27FC236}">
-                <a16:creationId xmlns:a16="http://schemas.microsoft.com/office/drawing/2014/main" id="{7327C8B9-527D-E633-BF40-8ACD894018F3}"/>
+                <a16:creationId xmlns:a16="http://schemas.microsoft.com/office/drawing/2014/main" id="{37608E7E-0A1F-BAFA-9D41-39D01D9CEDE9}"/>
               </a:ext>
             </a:extLst>
           </p:cNvPr>
@@ -236,7 +700,7 @@
           <p:cNvPr id="4" name="Date Placeholder 3">
             <a:extLst>
               <a:ext uri="{FF2B5EF4-FFF2-40B4-BE49-F238E27FC236}">
-                <a16:creationId xmlns:a16="http://schemas.microsoft.com/office/drawing/2014/main" id="{4D5C9A20-803A-DEC2-1AB7-FB609A326C69}"/>
+                <a16:creationId xmlns:a16="http://schemas.microsoft.com/office/drawing/2014/main" id="{B59691AD-3886-A4E4-88C1-8A8CA0B6C0F9}"/>
               </a:ext>
             </a:extLst>
           </p:cNvPr>
@@ -252,9 +716,9 @@
           <a:bodyPr/>
           <a:lstStyle/>
           <a:p>
-            <a:fld id="{90E1623E-127B-4E24-AC1F-4513DEDAAEEB}" type="datetimeFigureOut">
+            <a:fld id="{C3B77EC8-255C-4E73-BE92-D907A410F579}" type="datetimeFigureOut">
               <a:rPr lang="en-US" smtClean="0"/>
-              <a:t>6/21/2025</a:t>
+              <a:t>7/6/2025</a:t>
             </a:fld>
             <a:endParaRPr lang="en-US"/>
           </a:p>
@@ -265,7 +729,7 @@
           <p:cNvPr id="5" name="Footer Placeholder 4">
             <a:extLst>
               <a:ext uri="{FF2B5EF4-FFF2-40B4-BE49-F238E27FC236}">
-                <a16:creationId xmlns:a16="http://schemas.microsoft.com/office/drawing/2014/main" id="{CFC09112-3517-9296-BE66-FAA9F5E439B8}"/>
+                <a16:creationId xmlns:a16="http://schemas.microsoft.com/office/drawing/2014/main" id="{EB819456-1FB0-C4F3-E570-AACFC9ACEF73}"/>
               </a:ext>
             </a:extLst>
           </p:cNvPr>
@@ -290,7 +754,7 @@
           <p:cNvPr id="6" name="Slide Number Placeholder 5">
             <a:extLst>
               <a:ext uri="{FF2B5EF4-FFF2-40B4-BE49-F238E27FC236}">
-                <a16:creationId xmlns:a16="http://schemas.microsoft.com/office/drawing/2014/main" id="{807261C1-721F-DC8D-0CB1-4D952DC08695}"/>
+                <a16:creationId xmlns:a16="http://schemas.microsoft.com/office/drawing/2014/main" id="{11AD7B6F-600B-DE84-D7EF-4445857B6084}"/>
               </a:ext>
             </a:extLst>
           </p:cNvPr>
@@ -306,7 +770,7 @@
           <a:bodyPr/>
           <a:lstStyle/>
           <a:p>
-            <a:fld id="{FDA6046E-B00F-452A-9597-152B0CE0F0DC}" type="slidenum">
+            <a:fld id="{A1F4E9C7-FEB5-405E-9F55-D113167BDC43}" type="slidenum">
               <a:rPr lang="en-US" smtClean="0"/>
               <a:t>‹#›</a:t>
             </a:fld>
@@ -317,7 +781,7 @@
     </p:spTree>
     <p:extLst>
       <p:ext uri="{BB962C8B-B14F-4D97-AF65-F5344CB8AC3E}">
-        <p14:creationId xmlns:p14="http://schemas.microsoft.com/office/powerpoint/2010/main" val="997115641"/>
+        <p14:creationId xmlns:p14="http://schemas.microsoft.com/office/powerpoint/2010/main" val="3631842674"/>
       </p:ext>
     </p:extLst>
   </p:cSld>
@@ -349,7 +813,7 @@
           <p:cNvPr id="2" name="Title 1">
             <a:extLst>
               <a:ext uri="{FF2B5EF4-FFF2-40B4-BE49-F238E27FC236}">
-                <a16:creationId xmlns:a16="http://schemas.microsoft.com/office/drawing/2014/main" id="{646D9B3C-C955-9F0E-17A5-0EE537C37023}"/>
+                <a16:creationId xmlns:a16="http://schemas.microsoft.com/office/drawing/2014/main" id="{1A93D2B3-FF02-49F0-B42D-C9D9D3B494F7}"/>
               </a:ext>
             </a:extLst>
           </p:cNvPr>
@@ -377,7 +841,7 @@
           <p:cNvPr id="3" name="Vertical Text Placeholder 2">
             <a:extLst>
               <a:ext uri="{FF2B5EF4-FFF2-40B4-BE49-F238E27FC236}">
-                <a16:creationId xmlns:a16="http://schemas.microsoft.com/office/drawing/2014/main" id="{64E455CA-C5E1-9E8B-1957-C88D33CAE4BA}"/>
+                <a16:creationId xmlns:a16="http://schemas.microsoft.com/office/drawing/2014/main" id="{CEC1A265-6B1F-ACC6-DA56-F79F9630B283}"/>
               </a:ext>
             </a:extLst>
           </p:cNvPr>
@@ -434,7 +898,7 @@
           <p:cNvPr id="4" name="Date Placeholder 3">
             <a:extLst>
               <a:ext uri="{FF2B5EF4-FFF2-40B4-BE49-F238E27FC236}">
-                <a16:creationId xmlns:a16="http://schemas.microsoft.com/office/drawing/2014/main" id="{C4C770FE-00BC-B2DB-665A-6D2B491559E7}"/>
+                <a16:creationId xmlns:a16="http://schemas.microsoft.com/office/drawing/2014/main" id="{61B763B7-3783-C8D3-58BE-CD9BE505C4F9}"/>
               </a:ext>
             </a:extLst>
           </p:cNvPr>
@@ -450,9 +914,9 @@
           <a:bodyPr/>
           <a:lstStyle/>
           <a:p>
-            <a:fld id="{90E1623E-127B-4E24-AC1F-4513DEDAAEEB}" type="datetimeFigureOut">
+            <a:fld id="{C3B77EC8-255C-4E73-BE92-D907A410F579}" type="datetimeFigureOut">
               <a:rPr lang="en-US" smtClean="0"/>
-              <a:t>6/21/2025</a:t>
+              <a:t>7/6/2025</a:t>
             </a:fld>
             <a:endParaRPr lang="en-US"/>
           </a:p>
@@ -463,7 +927,7 @@
           <p:cNvPr id="5" name="Footer Placeholder 4">
             <a:extLst>
               <a:ext uri="{FF2B5EF4-FFF2-40B4-BE49-F238E27FC236}">
-                <a16:creationId xmlns:a16="http://schemas.microsoft.com/office/drawing/2014/main" id="{8166D49C-9312-3749-92B5-7ED2E5D32C88}"/>
+                <a16:creationId xmlns:a16="http://schemas.microsoft.com/office/drawing/2014/main" id="{58D66AB2-2045-87AB-DF15-5B85A9E2C8C9}"/>
               </a:ext>
             </a:extLst>
           </p:cNvPr>
@@ -488,7 +952,7 @@
           <p:cNvPr id="6" name="Slide Number Placeholder 5">
             <a:extLst>
               <a:ext uri="{FF2B5EF4-FFF2-40B4-BE49-F238E27FC236}">
-                <a16:creationId xmlns:a16="http://schemas.microsoft.com/office/drawing/2014/main" id="{1CBFE2FD-1A42-6A9E-9B20-078C1174930A}"/>
+                <a16:creationId xmlns:a16="http://schemas.microsoft.com/office/drawing/2014/main" id="{C79C426D-C379-48C7-A30C-69DFF738021C}"/>
               </a:ext>
             </a:extLst>
           </p:cNvPr>
@@ -504,7 +968,7 @@
           <a:bodyPr/>
           <a:lstStyle/>
           <a:p>
-            <a:fld id="{FDA6046E-B00F-452A-9597-152B0CE0F0DC}" type="slidenum">
+            <a:fld id="{A1F4E9C7-FEB5-405E-9F55-D113167BDC43}" type="slidenum">
               <a:rPr lang="en-US" smtClean="0"/>
               <a:t>‹#›</a:t>
             </a:fld>
@@ -515,7 +979,7 @@
     </p:spTree>
     <p:extLst>
       <p:ext uri="{BB962C8B-B14F-4D97-AF65-F5344CB8AC3E}">
-        <p14:creationId xmlns:p14="http://schemas.microsoft.com/office/powerpoint/2010/main" val="1943307907"/>
+        <p14:creationId xmlns:p14="http://schemas.microsoft.com/office/powerpoint/2010/main" val="293441437"/>
       </p:ext>
     </p:extLst>
   </p:cSld>
@@ -547,7 +1011,7 @@
           <p:cNvPr id="2" name="Vertical Title 1">
             <a:extLst>
               <a:ext uri="{FF2B5EF4-FFF2-40B4-BE49-F238E27FC236}">
-                <a16:creationId xmlns:a16="http://schemas.microsoft.com/office/drawing/2014/main" id="{D9808D42-6755-5227-BF4B-2E8CA4BB1905}"/>
+                <a16:creationId xmlns:a16="http://schemas.microsoft.com/office/drawing/2014/main" id="{C927AC8B-20DF-8359-79B0-73CFD52D4257}"/>
               </a:ext>
             </a:extLst>
           </p:cNvPr>
@@ -580,7 +1044,7 @@
           <p:cNvPr id="3" name="Vertical Text Placeholder 2">
             <a:extLst>
               <a:ext uri="{FF2B5EF4-FFF2-40B4-BE49-F238E27FC236}">
-                <a16:creationId xmlns:a16="http://schemas.microsoft.com/office/drawing/2014/main" id="{56717985-5A0E-76B6-F01B-018D66639D91}"/>
+                <a16:creationId xmlns:a16="http://schemas.microsoft.com/office/drawing/2014/main" id="{8B6D2C1F-47B9-8748-73FC-7036F41A1732}"/>
               </a:ext>
             </a:extLst>
           </p:cNvPr>
@@ -642,7 +1106,7 @@
           <p:cNvPr id="4" name="Date Placeholder 3">
             <a:extLst>
               <a:ext uri="{FF2B5EF4-FFF2-40B4-BE49-F238E27FC236}">
-                <a16:creationId xmlns:a16="http://schemas.microsoft.com/office/drawing/2014/main" id="{E556CAAE-E3CC-5BEF-899E-8E38C64E6EDF}"/>
+                <a16:creationId xmlns:a16="http://schemas.microsoft.com/office/drawing/2014/main" id="{BE6469CD-EA1B-D702-B2A0-378914B5E394}"/>
               </a:ext>
             </a:extLst>
           </p:cNvPr>
@@ -658,9 +1122,9 @@
           <a:bodyPr/>
           <a:lstStyle/>
           <a:p>
-            <a:fld id="{90E1623E-127B-4E24-AC1F-4513DEDAAEEB}" type="datetimeFigureOut">
+            <a:fld id="{C3B77EC8-255C-4E73-BE92-D907A410F579}" type="datetimeFigureOut">
               <a:rPr lang="en-US" smtClean="0"/>
-              <a:t>6/21/2025</a:t>
+              <a:t>7/6/2025</a:t>
             </a:fld>
             <a:endParaRPr lang="en-US"/>
           </a:p>
@@ -671,7 +1135,7 @@
           <p:cNvPr id="5" name="Footer Placeholder 4">
             <a:extLst>
               <a:ext uri="{FF2B5EF4-FFF2-40B4-BE49-F238E27FC236}">
-                <a16:creationId xmlns:a16="http://schemas.microsoft.com/office/drawing/2014/main" id="{143B4C7B-8718-4185-22D7-8EDEFE2F38C2}"/>
+                <a16:creationId xmlns:a16="http://schemas.microsoft.com/office/drawing/2014/main" id="{EDBB23AA-FFF6-AF96-0414-6678DC90F8EF}"/>
               </a:ext>
             </a:extLst>
           </p:cNvPr>
@@ -696,7 +1160,7 @@
           <p:cNvPr id="6" name="Slide Number Placeholder 5">
             <a:extLst>
               <a:ext uri="{FF2B5EF4-FFF2-40B4-BE49-F238E27FC236}">
-                <a16:creationId xmlns:a16="http://schemas.microsoft.com/office/drawing/2014/main" id="{162FECC5-46FD-8A7C-4126-76745BBC0741}"/>
+                <a16:creationId xmlns:a16="http://schemas.microsoft.com/office/drawing/2014/main" id="{D66BF856-B77A-FD2C-71F9-DA2B3260AEAE}"/>
               </a:ext>
             </a:extLst>
           </p:cNvPr>
@@ -712,7 +1176,7 @@
           <a:bodyPr/>
           <a:lstStyle/>
           <a:p>
-            <a:fld id="{FDA6046E-B00F-452A-9597-152B0CE0F0DC}" type="slidenum">
+            <a:fld id="{A1F4E9C7-FEB5-405E-9F55-D113167BDC43}" type="slidenum">
               <a:rPr lang="en-US" smtClean="0"/>
               <a:t>‹#›</a:t>
             </a:fld>
@@ -723,7 +1187,7 @@
     </p:spTree>
     <p:extLst>
       <p:ext uri="{BB962C8B-B14F-4D97-AF65-F5344CB8AC3E}">
-        <p14:creationId xmlns:p14="http://schemas.microsoft.com/office/powerpoint/2010/main" val="3308854771"/>
+        <p14:creationId xmlns:p14="http://schemas.microsoft.com/office/powerpoint/2010/main" val="3064253278"/>
       </p:ext>
     </p:extLst>
   </p:cSld>
@@ -755,7 +1219,7 @@
           <p:cNvPr id="2" name="Title 1">
             <a:extLst>
               <a:ext uri="{FF2B5EF4-FFF2-40B4-BE49-F238E27FC236}">
-                <a16:creationId xmlns:a16="http://schemas.microsoft.com/office/drawing/2014/main" id="{C63FA967-D386-2BDB-87F3-560E38F3F107}"/>
+                <a16:creationId xmlns:a16="http://schemas.microsoft.com/office/drawing/2014/main" id="{819E3A3A-9DB4-DB9C-9E5F-286059DFBF04}"/>
               </a:ext>
             </a:extLst>
           </p:cNvPr>
@@ -783,7 +1247,7 @@
           <p:cNvPr id="3" name="Content Placeholder 2">
             <a:extLst>
               <a:ext uri="{FF2B5EF4-FFF2-40B4-BE49-F238E27FC236}">
-                <a16:creationId xmlns:a16="http://schemas.microsoft.com/office/drawing/2014/main" id="{D2CCD56E-0488-D3EF-5929-DD28167CCFF4}"/>
+                <a16:creationId xmlns:a16="http://schemas.microsoft.com/office/drawing/2014/main" id="{ED081F58-E221-306C-3439-05821AF284FB}"/>
               </a:ext>
             </a:extLst>
           </p:cNvPr>
@@ -840,7 +1304,7 @@
           <p:cNvPr id="4" name="Date Placeholder 3">
             <a:extLst>
               <a:ext uri="{FF2B5EF4-FFF2-40B4-BE49-F238E27FC236}">
-                <a16:creationId xmlns:a16="http://schemas.microsoft.com/office/drawing/2014/main" id="{F837A2E6-0A9D-E235-9186-DD652E9284DA}"/>
+                <a16:creationId xmlns:a16="http://schemas.microsoft.com/office/drawing/2014/main" id="{8E0D99C2-262C-9125-B98A-CDAC28A9545A}"/>
               </a:ext>
             </a:extLst>
           </p:cNvPr>
@@ -856,9 +1320,9 @@
           <a:bodyPr/>
           <a:lstStyle/>
           <a:p>
-            <a:fld id="{90E1623E-127B-4E24-AC1F-4513DEDAAEEB}" type="datetimeFigureOut">
+            <a:fld id="{C3B77EC8-255C-4E73-BE92-D907A410F579}" type="datetimeFigureOut">
               <a:rPr lang="en-US" smtClean="0"/>
-              <a:t>6/21/2025</a:t>
+              <a:t>7/6/2025</a:t>
             </a:fld>
             <a:endParaRPr lang="en-US"/>
           </a:p>
@@ -869,7 +1333,7 @@
           <p:cNvPr id="5" name="Footer Placeholder 4">
             <a:extLst>
               <a:ext uri="{FF2B5EF4-FFF2-40B4-BE49-F238E27FC236}">
-                <a16:creationId xmlns:a16="http://schemas.microsoft.com/office/drawing/2014/main" id="{A4595AC2-BEAA-1504-CD55-267D04C26DEC}"/>
+                <a16:creationId xmlns:a16="http://schemas.microsoft.com/office/drawing/2014/main" id="{2633A507-6AE7-D5FF-E099-C522D314F3EF}"/>
               </a:ext>
             </a:extLst>
           </p:cNvPr>
@@ -894,7 +1358,7 @@
           <p:cNvPr id="6" name="Slide Number Placeholder 5">
             <a:extLst>
               <a:ext uri="{FF2B5EF4-FFF2-40B4-BE49-F238E27FC236}">
-                <a16:creationId xmlns:a16="http://schemas.microsoft.com/office/drawing/2014/main" id="{A17725AA-DCE6-3A5B-3918-3E03555DBC83}"/>
+                <a16:creationId xmlns:a16="http://schemas.microsoft.com/office/drawing/2014/main" id="{4B6FDFAD-A94E-38C1-EF96-5E7116765222}"/>
               </a:ext>
             </a:extLst>
           </p:cNvPr>
@@ -910,7 +1374,7 @@
           <a:bodyPr/>
           <a:lstStyle/>
           <a:p>
-            <a:fld id="{FDA6046E-B00F-452A-9597-152B0CE0F0DC}" type="slidenum">
+            <a:fld id="{A1F4E9C7-FEB5-405E-9F55-D113167BDC43}" type="slidenum">
               <a:rPr lang="en-US" smtClean="0"/>
               <a:t>‹#›</a:t>
             </a:fld>
@@ -921,7 +1385,7 @@
     </p:spTree>
     <p:extLst>
       <p:ext uri="{BB962C8B-B14F-4D97-AF65-F5344CB8AC3E}">
-        <p14:creationId xmlns:p14="http://schemas.microsoft.com/office/powerpoint/2010/main" val="1288600557"/>
+        <p14:creationId xmlns:p14="http://schemas.microsoft.com/office/powerpoint/2010/main" val="1721282037"/>
       </p:ext>
     </p:extLst>
   </p:cSld>
@@ -953,7 +1417,7 @@
           <p:cNvPr id="2" name="Title 1">
             <a:extLst>
               <a:ext uri="{FF2B5EF4-FFF2-40B4-BE49-F238E27FC236}">
-                <a16:creationId xmlns:a16="http://schemas.microsoft.com/office/drawing/2014/main" id="{AD768CBA-9C8A-B5F8-EE24-4667CC91E0CD}"/>
+                <a16:creationId xmlns:a16="http://schemas.microsoft.com/office/drawing/2014/main" id="{8DB0497E-58CD-DD6A-3106-A58253066FAC}"/>
               </a:ext>
             </a:extLst>
           </p:cNvPr>
@@ -990,7 +1454,7 @@
           <p:cNvPr id="3" name="Text Placeholder 2">
             <a:extLst>
               <a:ext uri="{FF2B5EF4-FFF2-40B4-BE49-F238E27FC236}">
-                <a16:creationId xmlns:a16="http://schemas.microsoft.com/office/drawing/2014/main" id="{44371E28-78F5-22DC-7055-F1AA3602A70B}"/>
+                <a16:creationId xmlns:a16="http://schemas.microsoft.com/office/drawing/2014/main" id="{EB7014BD-9AFF-CA4C-2638-7E2D8E7FE0D8}"/>
               </a:ext>
             </a:extLst>
           </p:cNvPr>
@@ -1115,7 +1579,7 @@
           <p:cNvPr id="4" name="Date Placeholder 3">
             <a:extLst>
               <a:ext uri="{FF2B5EF4-FFF2-40B4-BE49-F238E27FC236}">
-                <a16:creationId xmlns:a16="http://schemas.microsoft.com/office/drawing/2014/main" id="{9254C96B-1A02-1F51-5073-1540F2278425}"/>
+                <a16:creationId xmlns:a16="http://schemas.microsoft.com/office/drawing/2014/main" id="{6F876CFE-4C11-89C2-4A1C-CE97193410DB}"/>
               </a:ext>
             </a:extLst>
           </p:cNvPr>
@@ -1131,9 +1595,9 @@
           <a:bodyPr/>
           <a:lstStyle/>
           <a:p>
-            <a:fld id="{90E1623E-127B-4E24-AC1F-4513DEDAAEEB}" type="datetimeFigureOut">
+            <a:fld id="{C3B77EC8-255C-4E73-BE92-D907A410F579}" type="datetimeFigureOut">
               <a:rPr lang="en-US" smtClean="0"/>
-              <a:t>6/21/2025</a:t>
+              <a:t>7/6/2025</a:t>
             </a:fld>
             <a:endParaRPr lang="en-US"/>
           </a:p>
@@ -1144,7 +1608,7 @@
           <p:cNvPr id="5" name="Footer Placeholder 4">
             <a:extLst>
               <a:ext uri="{FF2B5EF4-FFF2-40B4-BE49-F238E27FC236}">
-                <a16:creationId xmlns:a16="http://schemas.microsoft.com/office/drawing/2014/main" id="{A06DFFEB-B123-7166-19D5-B9241D061A5B}"/>
+                <a16:creationId xmlns:a16="http://schemas.microsoft.com/office/drawing/2014/main" id="{C906254A-6A83-DCC1-FE94-E75658CD7BAF}"/>
               </a:ext>
             </a:extLst>
           </p:cNvPr>
@@ -1169,7 +1633,7 @@
           <p:cNvPr id="6" name="Slide Number Placeholder 5">
             <a:extLst>
               <a:ext uri="{FF2B5EF4-FFF2-40B4-BE49-F238E27FC236}">
-                <a16:creationId xmlns:a16="http://schemas.microsoft.com/office/drawing/2014/main" id="{B6DE2BFF-353A-091C-9B49-E1E0A1A09B05}"/>
+                <a16:creationId xmlns:a16="http://schemas.microsoft.com/office/drawing/2014/main" id="{0F312CC9-CF3A-60BD-12A2-42D7A526436C}"/>
               </a:ext>
             </a:extLst>
           </p:cNvPr>
@@ -1185,7 +1649,7 @@
           <a:bodyPr/>
           <a:lstStyle/>
           <a:p>
-            <a:fld id="{FDA6046E-B00F-452A-9597-152B0CE0F0DC}" type="slidenum">
+            <a:fld id="{A1F4E9C7-FEB5-405E-9F55-D113167BDC43}" type="slidenum">
               <a:rPr lang="en-US" smtClean="0"/>
               <a:t>‹#›</a:t>
             </a:fld>
@@ -1196,7 +1660,7 @@
     </p:spTree>
     <p:extLst>
       <p:ext uri="{BB962C8B-B14F-4D97-AF65-F5344CB8AC3E}">
-        <p14:creationId xmlns:p14="http://schemas.microsoft.com/office/powerpoint/2010/main" val="329932567"/>
+        <p14:creationId xmlns:p14="http://schemas.microsoft.com/office/powerpoint/2010/main" val="16408593"/>
       </p:ext>
     </p:extLst>
   </p:cSld>
@@ -1228,7 +1692,7 @@
           <p:cNvPr id="2" name="Title 1">
             <a:extLst>
               <a:ext uri="{FF2B5EF4-FFF2-40B4-BE49-F238E27FC236}">
-                <a16:creationId xmlns:a16="http://schemas.microsoft.com/office/drawing/2014/main" id="{124D8C94-F180-A9E6-787F-96249482108A}"/>
+                <a16:creationId xmlns:a16="http://schemas.microsoft.com/office/drawing/2014/main" id="{930C1BA4-89DA-1F96-B56A-80A78D4FF3F1}"/>
               </a:ext>
             </a:extLst>
           </p:cNvPr>
@@ -1256,7 +1720,7 @@
           <p:cNvPr id="3" name="Content Placeholder 2">
             <a:extLst>
               <a:ext uri="{FF2B5EF4-FFF2-40B4-BE49-F238E27FC236}">
-                <a16:creationId xmlns:a16="http://schemas.microsoft.com/office/drawing/2014/main" id="{F870E9E2-96BC-BC54-586E-06754A2A09F5}"/>
+                <a16:creationId xmlns:a16="http://schemas.microsoft.com/office/drawing/2014/main" id="{BC4BB2E3-3AD4-40AE-3AEE-AE582FC41AF9}"/>
               </a:ext>
             </a:extLst>
           </p:cNvPr>
@@ -1318,7 +1782,7 @@
           <p:cNvPr id="4" name="Content Placeholder 3">
             <a:extLst>
               <a:ext uri="{FF2B5EF4-FFF2-40B4-BE49-F238E27FC236}">
-                <a16:creationId xmlns:a16="http://schemas.microsoft.com/office/drawing/2014/main" id="{6C396DF4-FC8E-37E5-A3A7-77B04AA6134B}"/>
+                <a16:creationId xmlns:a16="http://schemas.microsoft.com/office/drawing/2014/main" id="{9E01344D-B361-7CBC-EBE3-FF937E68267A}"/>
               </a:ext>
             </a:extLst>
           </p:cNvPr>
@@ -1380,7 +1844,7 @@
           <p:cNvPr id="5" name="Date Placeholder 4">
             <a:extLst>
               <a:ext uri="{FF2B5EF4-FFF2-40B4-BE49-F238E27FC236}">
-                <a16:creationId xmlns:a16="http://schemas.microsoft.com/office/drawing/2014/main" id="{26BF1B00-0043-5FD9-E50B-1F4F553C6454}"/>
+                <a16:creationId xmlns:a16="http://schemas.microsoft.com/office/drawing/2014/main" id="{B16AB1D7-B7E2-E8BA-A0E8-01E11F41AEB6}"/>
               </a:ext>
             </a:extLst>
           </p:cNvPr>
@@ -1396,9 +1860,9 @@
           <a:bodyPr/>
           <a:lstStyle/>
           <a:p>
-            <a:fld id="{90E1623E-127B-4E24-AC1F-4513DEDAAEEB}" type="datetimeFigureOut">
+            <a:fld id="{C3B77EC8-255C-4E73-BE92-D907A410F579}" type="datetimeFigureOut">
               <a:rPr lang="en-US" smtClean="0"/>
-              <a:t>6/21/2025</a:t>
+              <a:t>7/6/2025</a:t>
             </a:fld>
             <a:endParaRPr lang="en-US"/>
           </a:p>
@@ -1409,7 +1873,7 @@
           <p:cNvPr id="6" name="Footer Placeholder 5">
             <a:extLst>
               <a:ext uri="{FF2B5EF4-FFF2-40B4-BE49-F238E27FC236}">
-                <a16:creationId xmlns:a16="http://schemas.microsoft.com/office/drawing/2014/main" id="{EF364992-7AAA-E2B0-046B-297D942E5311}"/>
+                <a16:creationId xmlns:a16="http://schemas.microsoft.com/office/drawing/2014/main" id="{3A42C6B1-6416-BDBB-E066-EC459B997600}"/>
               </a:ext>
             </a:extLst>
           </p:cNvPr>
@@ -1434,7 +1898,7 @@
           <p:cNvPr id="7" name="Slide Number Placeholder 6">
             <a:extLst>
               <a:ext uri="{FF2B5EF4-FFF2-40B4-BE49-F238E27FC236}">
-                <a16:creationId xmlns:a16="http://schemas.microsoft.com/office/drawing/2014/main" id="{C0993AB8-6FFC-C24B-1259-491FCEFDB480}"/>
+                <a16:creationId xmlns:a16="http://schemas.microsoft.com/office/drawing/2014/main" id="{0EA43D22-CF84-BDF8-6A90-2494F0D59730}"/>
               </a:ext>
             </a:extLst>
           </p:cNvPr>
@@ -1450,7 +1914,7 @@
           <a:bodyPr/>
           <a:lstStyle/>
           <a:p>
-            <a:fld id="{FDA6046E-B00F-452A-9597-152B0CE0F0DC}" type="slidenum">
+            <a:fld id="{A1F4E9C7-FEB5-405E-9F55-D113167BDC43}" type="slidenum">
               <a:rPr lang="en-US" smtClean="0"/>
               <a:t>‹#›</a:t>
             </a:fld>
@@ -1461,7 +1925,7 @@
     </p:spTree>
     <p:extLst>
       <p:ext uri="{BB962C8B-B14F-4D97-AF65-F5344CB8AC3E}">
-        <p14:creationId xmlns:p14="http://schemas.microsoft.com/office/powerpoint/2010/main" val="2140699909"/>
+        <p14:creationId xmlns:p14="http://schemas.microsoft.com/office/powerpoint/2010/main" val="2344792866"/>
       </p:ext>
     </p:extLst>
   </p:cSld>
@@ -1493,7 +1957,7 @@
           <p:cNvPr id="2" name="Title 1">
             <a:extLst>
               <a:ext uri="{FF2B5EF4-FFF2-40B4-BE49-F238E27FC236}">
-                <a16:creationId xmlns:a16="http://schemas.microsoft.com/office/drawing/2014/main" id="{F42F664F-0E23-4109-A97B-6B0B9CC3EFE8}"/>
+                <a16:creationId xmlns:a16="http://schemas.microsoft.com/office/drawing/2014/main" id="{4AB5CEAA-FEC0-4A35-828D-DE12A314A6E1}"/>
               </a:ext>
             </a:extLst>
           </p:cNvPr>
@@ -1526,7 +1990,7 @@
           <p:cNvPr id="3" name="Text Placeholder 2">
             <a:extLst>
               <a:ext uri="{FF2B5EF4-FFF2-40B4-BE49-F238E27FC236}">
-                <a16:creationId xmlns:a16="http://schemas.microsoft.com/office/drawing/2014/main" id="{9A4ED03B-4A82-FF8A-BFB2-805C6E83C7D8}"/>
+                <a16:creationId xmlns:a16="http://schemas.microsoft.com/office/drawing/2014/main" id="{D008A2A6-AA6E-0263-6E4B-721DB708321E}"/>
               </a:ext>
             </a:extLst>
           </p:cNvPr>
@@ -1597,7 +2061,7 @@
           <p:cNvPr id="4" name="Content Placeholder 3">
             <a:extLst>
               <a:ext uri="{FF2B5EF4-FFF2-40B4-BE49-F238E27FC236}">
-                <a16:creationId xmlns:a16="http://schemas.microsoft.com/office/drawing/2014/main" id="{DDB24B12-6F25-5265-39F3-10604984F98D}"/>
+                <a16:creationId xmlns:a16="http://schemas.microsoft.com/office/drawing/2014/main" id="{D8D7F0AD-535D-4C89-03A3-F009B7079202}"/>
               </a:ext>
             </a:extLst>
           </p:cNvPr>
@@ -1659,7 +2123,7 @@
           <p:cNvPr id="5" name="Text Placeholder 4">
             <a:extLst>
               <a:ext uri="{FF2B5EF4-FFF2-40B4-BE49-F238E27FC236}">
-                <a16:creationId xmlns:a16="http://schemas.microsoft.com/office/drawing/2014/main" id="{DF6518A7-96DB-CCD9-18E2-596A64350BF4}"/>
+                <a16:creationId xmlns:a16="http://schemas.microsoft.com/office/drawing/2014/main" id="{FAF03CEA-8546-31FD-C9E1-9132F5964005}"/>
               </a:ext>
             </a:extLst>
           </p:cNvPr>
@@ -1730,7 +2194,7 @@
           <p:cNvPr id="6" name="Content Placeholder 5">
             <a:extLst>
               <a:ext uri="{FF2B5EF4-FFF2-40B4-BE49-F238E27FC236}">
-                <a16:creationId xmlns:a16="http://schemas.microsoft.com/office/drawing/2014/main" id="{FE0DCA92-DAF6-9140-7DF0-3A9147CCD161}"/>
+                <a16:creationId xmlns:a16="http://schemas.microsoft.com/office/drawing/2014/main" id="{53F6161D-CEE4-5DCF-4BCE-51E1D1BEEEB1}"/>
               </a:ext>
             </a:extLst>
           </p:cNvPr>
@@ -1792,7 +2256,7 @@
           <p:cNvPr id="7" name="Date Placeholder 6">
             <a:extLst>
               <a:ext uri="{FF2B5EF4-FFF2-40B4-BE49-F238E27FC236}">
-                <a16:creationId xmlns:a16="http://schemas.microsoft.com/office/drawing/2014/main" id="{730B6239-5CC8-9511-33D3-882593E474C2}"/>
+                <a16:creationId xmlns:a16="http://schemas.microsoft.com/office/drawing/2014/main" id="{C243C409-541D-480C-E693-70D58B8D483A}"/>
               </a:ext>
             </a:extLst>
           </p:cNvPr>
@@ -1808,9 +2272,9 @@
           <a:bodyPr/>
           <a:lstStyle/>
           <a:p>
-            <a:fld id="{90E1623E-127B-4E24-AC1F-4513DEDAAEEB}" type="datetimeFigureOut">
+            <a:fld id="{C3B77EC8-255C-4E73-BE92-D907A410F579}" type="datetimeFigureOut">
               <a:rPr lang="en-US" smtClean="0"/>
-              <a:t>6/21/2025</a:t>
+              <a:t>7/6/2025</a:t>
             </a:fld>
             <a:endParaRPr lang="en-US"/>
           </a:p>
@@ -1821,7 +2285,7 @@
           <p:cNvPr id="8" name="Footer Placeholder 7">
             <a:extLst>
               <a:ext uri="{FF2B5EF4-FFF2-40B4-BE49-F238E27FC236}">
-                <a16:creationId xmlns:a16="http://schemas.microsoft.com/office/drawing/2014/main" id="{DFBA2B52-27F1-2250-CC01-E82AF2061CD8}"/>
+                <a16:creationId xmlns:a16="http://schemas.microsoft.com/office/drawing/2014/main" id="{9607C95A-966C-F9F7-78B6-86DA5CD4A82B}"/>
               </a:ext>
             </a:extLst>
           </p:cNvPr>
@@ -1846,7 +2310,7 @@
           <p:cNvPr id="9" name="Slide Number Placeholder 8">
             <a:extLst>
               <a:ext uri="{FF2B5EF4-FFF2-40B4-BE49-F238E27FC236}">
-                <a16:creationId xmlns:a16="http://schemas.microsoft.com/office/drawing/2014/main" id="{CACEB2B2-6C10-6214-1D30-96B1E46BA37A}"/>
+                <a16:creationId xmlns:a16="http://schemas.microsoft.com/office/drawing/2014/main" id="{67BF5A47-0103-6234-0739-44AB7E404EF6}"/>
               </a:ext>
             </a:extLst>
           </p:cNvPr>
@@ -1862,7 +2326,7 @@
           <a:bodyPr/>
           <a:lstStyle/>
           <a:p>
-            <a:fld id="{FDA6046E-B00F-452A-9597-152B0CE0F0DC}" type="slidenum">
+            <a:fld id="{A1F4E9C7-FEB5-405E-9F55-D113167BDC43}" type="slidenum">
               <a:rPr lang="en-US" smtClean="0"/>
               <a:t>‹#›</a:t>
             </a:fld>
@@ -1873,7 +2337,7 @@
     </p:spTree>
     <p:extLst>
       <p:ext uri="{BB962C8B-B14F-4D97-AF65-F5344CB8AC3E}">
-        <p14:creationId xmlns:p14="http://schemas.microsoft.com/office/powerpoint/2010/main" val="3636033740"/>
+        <p14:creationId xmlns:p14="http://schemas.microsoft.com/office/powerpoint/2010/main" val="4236291793"/>
       </p:ext>
     </p:extLst>
   </p:cSld>
@@ -1905,7 +2369,7 @@
           <p:cNvPr id="2" name="Title 1">
             <a:extLst>
               <a:ext uri="{FF2B5EF4-FFF2-40B4-BE49-F238E27FC236}">
-                <a16:creationId xmlns:a16="http://schemas.microsoft.com/office/drawing/2014/main" id="{92E2035F-2443-3DAA-5F95-392809D16DB5}"/>
+                <a16:creationId xmlns:a16="http://schemas.microsoft.com/office/drawing/2014/main" id="{7024B857-9090-2DC0-6EF5-FC8D190E8BC4}"/>
               </a:ext>
             </a:extLst>
           </p:cNvPr>
@@ -1933,7 +2397,7 @@
           <p:cNvPr id="3" name="Date Placeholder 2">
             <a:extLst>
               <a:ext uri="{FF2B5EF4-FFF2-40B4-BE49-F238E27FC236}">
-                <a16:creationId xmlns:a16="http://schemas.microsoft.com/office/drawing/2014/main" id="{770362FB-0F6A-6597-8845-B110F73B2B71}"/>
+                <a16:creationId xmlns:a16="http://schemas.microsoft.com/office/drawing/2014/main" id="{E36BE723-CAF0-4D20-98C5-758E087A49E8}"/>
               </a:ext>
             </a:extLst>
           </p:cNvPr>
@@ -1949,9 +2413,9 @@
           <a:bodyPr/>
           <a:lstStyle/>
           <a:p>
-            <a:fld id="{90E1623E-127B-4E24-AC1F-4513DEDAAEEB}" type="datetimeFigureOut">
+            <a:fld id="{C3B77EC8-255C-4E73-BE92-D907A410F579}" type="datetimeFigureOut">
               <a:rPr lang="en-US" smtClean="0"/>
-              <a:t>6/21/2025</a:t>
+              <a:t>7/6/2025</a:t>
             </a:fld>
             <a:endParaRPr lang="en-US"/>
           </a:p>
@@ -1962,7 +2426,7 @@
           <p:cNvPr id="4" name="Footer Placeholder 3">
             <a:extLst>
               <a:ext uri="{FF2B5EF4-FFF2-40B4-BE49-F238E27FC236}">
-                <a16:creationId xmlns:a16="http://schemas.microsoft.com/office/drawing/2014/main" id="{FB6BBA83-8A9F-EB2B-F056-D2C878BA1AFC}"/>
+                <a16:creationId xmlns:a16="http://schemas.microsoft.com/office/drawing/2014/main" id="{B4C0165E-0EDE-EF5D-E1FD-D71F971E3620}"/>
               </a:ext>
             </a:extLst>
           </p:cNvPr>
@@ -1987,7 +2451,7 @@
           <p:cNvPr id="5" name="Slide Number Placeholder 4">
             <a:extLst>
               <a:ext uri="{FF2B5EF4-FFF2-40B4-BE49-F238E27FC236}">
-                <a16:creationId xmlns:a16="http://schemas.microsoft.com/office/drawing/2014/main" id="{A705E0EC-01DC-C3EB-C846-C8BC84AFB089}"/>
+                <a16:creationId xmlns:a16="http://schemas.microsoft.com/office/drawing/2014/main" id="{9F1AC669-5198-C08D-A3B2-A03ADBF9ADB7}"/>
               </a:ext>
             </a:extLst>
           </p:cNvPr>
@@ -2003,7 +2467,7 @@
           <a:bodyPr/>
           <a:lstStyle/>
           <a:p>
-            <a:fld id="{FDA6046E-B00F-452A-9597-152B0CE0F0DC}" type="slidenum">
+            <a:fld id="{A1F4E9C7-FEB5-405E-9F55-D113167BDC43}" type="slidenum">
               <a:rPr lang="en-US" smtClean="0"/>
               <a:t>‹#›</a:t>
             </a:fld>
@@ -2014,7 +2478,7 @@
     </p:spTree>
     <p:extLst>
       <p:ext uri="{BB962C8B-B14F-4D97-AF65-F5344CB8AC3E}">
-        <p14:creationId xmlns:p14="http://schemas.microsoft.com/office/powerpoint/2010/main" val="917710822"/>
+        <p14:creationId xmlns:p14="http://schemas.microsoft.com/office/powerpoint/2010/main" val="2850024590"/>
       </p:ext>
     </p:extLst>
   </p:cSld>
@@ -2046,7 +2510,7 @@
           <p:cNvPr id="2" name="Date Placeholder 1">
             <a:extLst>
               <a:ext uri="{FF2B5EF4-FFF2-40B4-BE49-F238E27FC236}">
-                <a16:creationId xmlns:a16="http://schemas.microsoft.com/office/drawing/2014/main" id="{9738B0BF-64C7-AF64-A70C-B2990FF5DED3}"/>
+                <a16:creationId xmlns:a16="http://schemas.microsoft.com/office/drawing/2014/main" id="{5A0C304E-E4E6-7A3C-A121-A06DAB4C0F29}"/>
               </a:ext>
             </a:extLst>
           </p:cNvPr>
@@ -2062,9 +2526,9 @@
           <a:bodyPr/>
           <a:lstStyle/>
           <a:p>
-            <a:fld id="{90E1623E-127B-4E24-AC1F-4513DEDAAEEB}" type="datetimeFigureOut">
+            <a:fld id="{C3B77EC8-255C-4E73-BE92-D907A410F579}" type="datetimeFigureOut">
               <a:rPr lang="en-US" smtClean="0"/>
-              <a:t>6/21/2025</a:t>
+              <a:t>7/6/2025</a:t>
             </a:fld>
             <a:endParaRPr lang="en-US"/>
           </a:p>
@@ -2075,7 +2539,7 @@
           <p:cNvPr id="3" name="Footer Placeholder 2">
             <a:extLst>
               <a:ext uri="{FF2B5EF4-FFF2-40B4-BE49-F238E27FC236}">
-                <a16:creationId xmlns:a16="http://schemas.microsoft.com/office/drawing/2014/main" id="{1C282FDF-48CF-D889-F68E-070A1370B575}"/>
+                <a16:creationId xmlns:a16="http://schemas.microsoft.com/office/drawing/2014/main" id="{A08CB3D2-FF87-8964-70B5-4BE0D2CAAF4C}"/>
               </a:ext>
             </a:extLst>
           </p:cNvPr>
@@ -2100,7 +2564,7 @@
           <p:cNvPr id="4" name="Slide Number Placeholder 3">
             <a:extLst>
               <a:ext uri="{FF2B5EF4-FFF2-40B4-BE49-F238E27FC236}">
-                <a16:creationId xmlns:a16="http://schemas.microsoft.com/office/drawing/2014/main" id="{A1BEFCE9-D2BA-2161-B5BB-257AC3014A55}"/>
+                <a16:creationId xmlns:a16="http://schemas.microsoft.com/office/drawing/2014/main" id="{FDCBA421-B1A9-F9B9-ABE6-C0082CDD7E0A}"/>
               </a:ext>
             </a:extLst>
           </p:cNvPr>
@@ -2116,7 +2580,7 @@
           <a:bodyPr/>
           <a:lstStyle/>
           <a:p>
-            <a:fld id="{FDA6046E-B00F-452A-9597-152B0CE0F0DC}" type="slidenum">
+            <a:fld id="{A1F4E9C7-FEB5-405E-9F55-D113167BDC43}" type="slidenum">
               <a:rPr lang="en-US" smtClean="0"/>
               <a:t>‹#›</a:t>
             </a:fld>
@@ -2127,7 +2591,7 @@
     </p:spTree>
     <p:extLst>
       <p:ext uri="{BB962C8B-B14F-4D97-AF65-F5344CB8AC3E}">
-        <p14:creationId xmlns:p14="http://schemas.microsoft.com/office/powerpoint/2010/main" val="963413788"/>
+        <p14:creationId xmlns:p14="http://schemas.microsoft.com/office/powerpoint/2010/main" val="2243607872"/>
       </p:ext>
     </p:extLst>
   </p:cSld>
@@ -2159,7 +2623,7 @@
           <p:cNvPr id="2" name="Title 1">
             <a:extLst>
               <a:ext uri="{FF2B5EF4-FFF2-40B4-BE49-F238E27FC236}">
-                <a16:creationId xmlns:a16="http://schemas.microsoft.com/office/drawing/2014/main" id="{9E11C7A0-D6CD-1ADB-6B9A-3656D50911F8}"/>
+                <a16:creationId xmlns:a16="http://schemas.microsoft.com/office/drawing/2014/main" id="{F3890E38-9198-7BBD-F8BE-5FF28C6B2089}"/>
               </a:ext>
             </a:extLst>
           </p:cNvPr>
@@ -2196,7 +2660,7 @@
           <p:cNvPr id="3" name="Content Placeholder 2">
             <a:extLst>
               <a:ext uri="{FF2B5EF4-FFF2-40B4-BE49-F238E27FC236}">
-                <a16:creationId xmlns:a16="http://schemas.microsoft.com/office/drawing/2014/main" id="{69D1DD80-61C7-0F4E-12A4-0DBBDFFFA023}"/>
+                <a16:creationId xmlns:a16="http://schemas.microsoft.com/office/drawing/2014/main" id="{AC090C75-6232-755A-4756-F937D7A0CBC6}"/>
               </a:ext>
             </a:extLst>
           </p:cNvPr>
@@ -2286,7 +2750,7 @@
           <p:cNvPr id="4" name="Text Placeholder 3">
             <a:extLst>
               <a:ext uri="{FF2B5EF4-FFF2-40B4-BE49-F238E27FC236}">
-                <a16:creationId xmlns:a16="http://schemas.microsoft.com/office/drawing/2014/main" id="{CD836CD4-42DC-E9C5-972E-2778C4576438}"/>
+                <a16:creationId xmlns:a16="http://schemas.microsoft.com/office/drawing/2014/main" id="{1DA70C3C-A7E9-787F-E7EF-F1A4D450C684}"/>
               </a:ext>
             </a:extLst>
           </p:cNvPr>
@@ -2357,7 +2821,7 @@
           <p:cNvPr id="5" name="Date Placeholder 4">
             <a:extLst>
               <a:ext uri="{FF2B5EF4-FFF2-40B4-BE49-F238E27FC236}">
-                <a16:creationId xmlns:a16="http://schemas.microsoft.com/office/drawing/2014/main" id="{DCE4FDFE-4099-153B-F087-81AF9A3E98E0}"/>
+                <a16:creationId xmlns:a16="http://schemas.microsoft.com/office/drawing/2014/main" id="{745E8D54-E66F-762E-06A0-15C14734D1B4}"/>
               </a:ext>
             </a:extLst>
           </p:cNvPr>
@@ -2373,9 +2837,9 @@
           <a:bodyPr/>
           <a:lstStyle/>
           <a:p>
-            <a:fld id="{90E1623E-127B-4E24-AC1F-4513DEDAAEEB}" type="datetimeFigureOut">
+            <a:fld id="{C3B77EC8-255C-4E73-BE92-D907A410F579}" type="datetimeFigureOut">
               <a:rPr lang="en-US" smtClean="0"/>
-              <a:t>6/21/2025</a:t>
+              <a:t>7/6/2025</a:t>
             </a:fld>
             <a:endParaRPr lang="en-US"/>
           </a:p>
@@ -2386,7 +2850,7 @@
           <p:cNvPr id="6" name="Footer Placeholder 5">
             <a:extLst>
               <a:ext uri="{FF2B5EF4-FFF2-40B4-BE49-F238E27FC236}">
-                <a16:creationId xmlns:a16="http://schemas.microsoft.com/office/drawing/2014/main" id="{34184A25-0E0D-4B93-D1C7-A6CF34E7719A}"/>
+                <a16:creationId xmlns:a16="http://schemas.microsoft.com/office/drawing/2014/main" id="{0382C458-7E84-28B5-B059-1AB408325DA8}"/>
               </a:ext>
             </a:extLst>
           </p:cNvPr>
@@ -2411,7 +2875,7 @@
           <p:cNvPr id="7" name="Slide Number Placeholder 6">
             <a:extLst>
               <a:ext uri="{FF2B5EF4-FFF2-40B4-BE49-F238E27FC236}">
-                <a16:creationId xmlns:a16="http://schemas.microsoft.com/office/drawing/2014/main" id="{26E7D075-18BE-CD15-9BC9-2E52E9A94DD8}"/>
+                <a16:creationId xmlns:a16="http://schemas.microsoft.com/office/drawing/2014/main" id="{FB33382A-6229-C086-B47F-10F63FC66EC7}"/>
               </a:ext>
             </a:extLst>
           </p:cNvPr>
@@ -2427,7 +2891,7 @@
           <a:bodyPr/>
           <a:lstStyle/>
           <a:p>
-            <a:fld id="{FDA6046E-B00F-452A-9597-152B0CE0F0DC}" type="slidenum">
+            <a:fld id="{A1F4E9C7-FEB5-405E-9F55-D113167BDC43}" type="slidenum">
               <a:rPr lang="en-US" smtClean="0"/>
               <a:t>‹#›</a:t>
             </a:fld>
@@ -2438,7 +2902,7 @@
     </p:spTree>
     <p:extLst>
       <p:ext uri="{BB962C8B-B14F-4D97-AF65-F5344CB8AC3E}">
-        <p14:creationId xmlns:p14="http://schemas.microsoft.com/office/powerpoint/2010/main" val="2831785502"/>
+        <p14:creationId xmlns:p14="http://schemas.microsoft.com/office/powerpoint/2010/main" val="2940517274"/>
       </p:ext>
     </p:extLst>
   </p:cSld>
@@ -2470,7 +2934,7 @@
           <p:cNvPr id="2" name="Title 1">
             <a:extLst>
               <a:ext uri="{FF2B5EF4-FFF2-40B4-BE49-F238E27FC236}">
-                <a16:creationId xmlns:a16="http://schemas.microsoft.com/office/drawing/2014/main" id="{F4D4EADC-40AC-7FE6-FADE-6C3395D62973}"/>
+                <a16:creationId xmlns:a16="http://schemas.microsoft.com/office/drawing/2014/main" id="{CB7B2EE3-174B-DBA6-F57A-CF5BC8A5F785}"/>
               </a:ext>
             </a:extLst>
           </p:cNvPr>
@@ -2507,7 +2971,7 @@
           <p:cNvPr id="3" name="Picture Placeholder 2">
             <a:extLst>
               <a:ext uri="{FF2B5EF4-FFF2-40B4-BE49-F238E27FC236}">
-                <a16:creationId xmlns:a16="http://schemas.microsoft.com/office/drawing/2014/main" id="{EA231CDF-B43C-0760-5BFA-8833E16ED036}"/>
+                <a16:creationId xmlns:a16="http://schemas.microsoft.com/office/drawing/2014/main" id="{AA8DBDB3-4774-AAEE-B4A4-C8D76964AA9B}"/>
               </a:ext>
             </a:extLst>
           </p:cNvPr>
@@ -2574,7 +3038,7 @@
           <p:cNvPr id="4" name="Text Placeholder 3">
             <a:extLst>
               <a:ext uri="{FF2B5EF4-FFF2-40B4-BE49-F238E27FC236}">
-                <a16:creationId xmlns:a16="http://schemas.microsoft.com/office/drawing/2014/main" id="{F99DACBF-9B28-271E-D16C-6D362F209C84}"/>
+                <a16:creationId xmlns:a16="http://schemas.microsoft.com/office/drawing/2014/main" id="{1AA31EA2-3335-720B-3223-6E5622A4B76B}"/>
               </a:ext>
             </a:extLst>
           </p:cNvPr>
@@ -2645,7 +3109,7 @@
           <p:cNvPr id="5" name="Date Placeholder 4">
             <a:extLst>
               <a:ext uri="{FF2B5EF4-FFF2-40B4-BE49-F238E27FC236}">
-                <a16:creationId xmlns:a16="http://schemas.microsoft.com/office/drawing/2014/main" id="{BBB41C66-BE61-CE50-DACE-3A7C80EA0B92}"/>
+                <a16:creationId xmlns:a16="http://schemas.microsoft.com/office/drawing/2014/main" id="{DB90199E-4AD2-0E84-8411-CCCED736C75A}"/>
               </a:ext>
             </a:extLst>
           </p:cNvPr>
@@ -2661,9 +3125,9 @@
           <a:bodyPr/>
           <a:lstStyle/>
           <a:p>
-            <a:fld id="{90E1623E-127B-4E24-AC1F-4513DEDAAEEB}" type="datetimeFigureOut">
+            <a:fld id="{C3B77EC8-255C-4E73-BE92-D907A410F579}" type="datetimeFigureOut">
               <a:rPr lang="en-US" smtClean="0"/>
-              <a:t>6/21/2025</a:t>
+              <a:t>7/6/2025</a:t>
             </a:fld>
             <a:endParaRPr lang="en-US"/>
           </a:p>
@@ -2674,7 +3138,7 @@
           <p:cNvPr id="6" name="Footer Placeholder 5">
             <a:extLst>
               <a:ext uri="{FF2B5EF4-FFF2-40B4-BE49-F238E27FC236}">
-                <a16:creationId xmlns:a16="http://schemas.microsoft.com/office/drawing/2014/main" id="{C342726B-1235-8796-DA73-A59A1230B02C}"/>
+                <a16:creationId xmlns:a16="http://schemas.microsoft.com/office/drawing/2014/main" id="{45EB6E04-3872-E42C-7A5E-1E2D3BDAF39B}"/>
               </a:ext>
             </a:extLst>
           </p:cNvPr>
@@ -2699,7 +3163,7 @@
           <p:cNvPr id="7" name="Slide Number Placeholder 6">
             <a:extLst>
               <a:ext uri="{FF2B5EF4-FFF2-40B4-BE49-F238E27FC236}">
-                <a16:creationId xmlns:a16="http://schemas.microsoft.com/office/drawing/2014/main" id="{3E7AD30E-C262-42E5-8E7C-2D8BF635AA0B}"/>
+                <a16:creationId xmlns:a16="http://schemas.microsoft.com/office/drawing/2014/main" id="{A9E11880-DFB4-AD1C-7A05-E09600F3FB31}"/>
               </a:ext>
             </a:extLst>
           </p:cNvPr>
@@ -2715,7 +3179,7 @@
           <a:bodyPr/>
           <a:lstStyle/>
           <a:p>
-            <a:fld id="{FDA6046E-B00F-452A-9597-152B0CE0F0DC}" type="slidenum">
+            <a:fld id="{A1F4E9C7-FEB5-405E-9F55-D113167BDC43}" type="slidenum">
               <a:rPr lang="en-US" smtClean="0"/>
               <a:t>‹#›</a:t>
             </a:fld>
@@ -2726,7 +3190,7 @@
     </p:spTree>
     <p:extLst>
       <p:ext uri="{BB962C8B-B14F-4D97-AF65-F5344CB8AC3E}">
-        <p14:creationId xmlns:p14="http://schemas.microsoft.com/office/powerpoint/2010/main" val="4266475100"/>
+        <p14:creationId xmlns:p14="http://schemas.microsoft.com/office/powerpoint/2010/main" val="2525198102"/>
       </p:ext>
     </p:extLst>
   </p:cSld>
@@ -2763,7 +3227,7 @@
           <p:cNvPr id="2" name="Title Placeholder 1">
             <a:extLst>
               <a:ext uri="{FF2B5EF4-FFF2-40B4-BE49-F238E27FC236}">
-                <a16:creationId xmlns:a16="http://schemas.microsoft.com/office/drawing/2014/main" id="{649EE33E-D417-478F-AEFD-A33146F10555}"/>
+                <a16:creationId xmlns:a16="http://schemas.microsoft.com/office/drawing/2014/main" id="{78806C50-8015-02AB-476B-A4037150541A}"/>
               </a:ext>
             </a:extLst>
           </p:cNvPr>
@@ -2801,7 +3265,7 @@
           <p:cNvPr id="3" name="Text Placeholder 2">
             <a:extLst>
               <a:ext uri="{FF2B5EF4-FFF2-40B4-BE49-F238E27FC236}">
-                <a16:creationId xmlns:a16="http://schemas.microsoft.com/office/drawing/2014/main" id="{4E0EEC0F-2B97-76B5-317D-AC0818A56793}"/>
+                <a16:creationId xmlns:a16="http://schemas.microsoft.com/office/drawing/2014/main" id="{5D1BC1CA-D3C9-242C-3AE2-F39CD9887D8E}"/>
               </a:ext>
             </a:extLst>
           </p:cNvPr>
@@ -2868,7 +3332,7 @@
           <p:cNvPr id="4" name="Date Placeholder 3">
             <a:extLst>
               <a:ext uri="{FF2B5EF4-FFF2-40B4-BE49-F238E27FC236}">
-                <a16:creationId xmlns:a16="http://schemas.microsoft.com/office/drawing/2014/main" id="{979275AE-C1D8-DEC7-A9A4-76E580AA1EC4}"/>
+                <a16:creationId xmlns:a16="http://schemas.microsoft.com/office/drawing/2014/main" id="{48CF1C9D-DDB2-8FC0-8D4F-52907C356FE5}"/>
               </a:ext>
             </a:extLst>
           </p:cNvPr>
@@ -2902,9 +3366,9 @@
             </a:lvl1pPr>
           </a:lstStyle>
           <a:p>
-            <a:fld id="{90E1623E-127B-4E24-AC1F-4513DEDAAEEB}" type="datetimeFigureOut">
+            <a:fld id="{C3B77EC8-255C-4E73-BE92-D907A410F579}" type="datetimeFigureOut">
               <a:rPr lang="en-US" smtClean="0"/>
-              <a:t>6/21/2025</a:t>
+              <a:t>7/6/2025</a:t>
             </a:fld>
             <a:endParaRPr lang="en-US"/>
           </a:p>
@@ -2915,7 +3379,7 @@
           <p:cNvPr id="5" name="Footer Placeholder 4">
             <a:extLst>
               <a:ext uri="{FF2B5EF4-FFF2-40B4-BE49-F238E27FC236}">
-                <a16:creationId xmlns:a16="http://schemas.microsoft.com/office/drawing/2014/main" id="{6184B7E2-C2D4-F4EE-F294-5054F826F850}"/>
+                <a16:creationId xmlns:a16="http://schemas.microsoft.com/office/drawing/2014/main" id="{ECEB2EBF-123D-21E0-77B0-298F9CE6B785}"/>
               </a:ext>
             </a:extLst>
           </p:cNvPr>
@@ -2958,7 +3422,7 @@
           <p:cNvPr id="6" name="Slide Number Placeholder 5">
             <a:extLst>
               <a:ext uri="{FF2B5EF4-FFF2-40B4-BE49-F238E27FC236}">
-                <a16:creationId xmlns:a16="http://schemas.microsoft.com/office/drawing/2014/main" id="{AFC13A70-E28E-41DB-74EF-CD4BE548145A}"/>
+                <a16:creationId xmlns:a16="http://schemas.microsoft.com/office/drawing/2014/main" id="{10603AE6-A3F1-59AB-6102-80D5166F4B6C}"/>
               </a:ext>
             </a:extLst>
           </p:cNvPr>
@@ -2992,7 +3456,7 @@
             </a:lvl1pPr>
           </a:lstStyle>
           <a:p>
-            <a:fld id="{FDA6046E-B00F-452A-9597-152B0CE0F0DC}" type="slidenum">
+            <a:fld id="{A1F4E9C7-FEB5-405E-9F55-D113167BDC43}" type="slidenum">
               <a:rPr lang="en-US" smtClean="0"/>
               <a:t>‹#›</a:t>
             </a:fld>
@@ -3003,7 +3467,7 @@
     </p:spTree>
     <p:extLst>
       <p:ext uri="{BB962C8B-B14F-4D97-AF65-F5344CB8AC3E}">
-        <p14:creationId xmlns:p14="http://schemas.microsoft.com/office/powerpoint/2010/main" val="358911796"/>
+        <p14:creationId xmlns:p14="http://schemas.microsoft.com/office/powerpoint/2010/main" val="1983185921"/>
       </p:ext>
     </p:extLst>
   </p:cSld>
@@ -3326,7 +3790,7 @@
           <p:cNvPr id="4" name="TextBox 3">
             <a:extLst>
               <a:ext uri="{FF2B5EF4-FFF2-40B4-BE49-F238E27FC236}">
-                <a16:creationId xmlns:a16="http://schemas.microsoft.com/office/drawing/2014/main" id="{4E70EA08-D5D1-5B14-79BD-A8B7A91C2EB9}"/>
+                <a16:creationId xmlns:a16="http://schemas.microsoft.com/office/drawing/2014/main" id="{48443224-39BC-6D28-8A38-1E6B1CB9C913}"/>
               </a:ext>
             </a:extLst>
           </p:cNvPr>
@@ -3335,8 +3799,8 @@
         </p:nvSpPr>
         <p:spPr>
           <a:xfrm>
-            <a:off x="4526280" y="786384"/>
-            <a:ext cx="2267712" cy="369332"/>
+            <a:off x="2075688" y="1207008"/>
+            <a:ext cx="2171107" cy="646331"/>
           </a:xfrm>
           <a:prstGeom prst="rect">
             <a:avLst/>
@@ -3344,42 +3808,6 @@
           <a:noFill/>
         </p:spPr>
         <p:txBody>
-          <a:bodyPr wrap="square" rtlCol="0">
-            <a:spAutoFit/>
-          </a:bodyPr>
-          <a:lstStyle/>
-          <a:p>
-            <a:r>
-              <a:rPr lang="en-US" dirty="0" err="1"/>
-              <a:t>pixelplanet</a:t>
-            </a:r>
-            <a:endParaRPr lang="en-US" dirty="0"/>
-          </a:p>
-        </p:txBody>
-      </p:sp>
-      <p:sp>
-        <p:nvSpPr>
-          <p:cNvPr id="5" name="TextBox 4">
-            <a:extLst>
-              <a:ext uri="{FF2B5EF4-FFF2-40B4-BE49-F238E27FC236}">
-                <a16:creationId xmlns:a16="http://schemas.microsoft.com/office/drawing/2014/main" id="{04C05F06-795E-1156-B71A-1964CF758C2F}"/>
-              </a:ext>
-            </a:extLst>
-          </p:cNvPr>
-          <p:cNvSpPr txBox="1"/>
-          <p:nvPr/>
-        </p:nvSpPr>
-        <p:spPr>
-          <a:xfrm>
-            <a:off x="1527048" y="1353312"/>
-            <a:ext cx="2295821" cy="369332"/>
-          </a:xfrm>
-          <a:prstGeom prst="rect">
-            <a:avLst/>
-          </a:prstGeom>
-          <a:noFill/>
-        </p:spPr>
-        <p:txBody>
           <a:bodyPr wrap="none" rtlCol="0">
             <a:spAutoFit/>
           </a:bodyPr>
@@ -3387,17 +3815,23 @@
           <a:p>
             <a:r>
               <a:rPr lang="en-US" dirty="0"/>
-              <a:t>Molecule placement:</a:t>
-            </a:r>
-          </a:p>
-        </p:txBody>
-      </p:sp>
-      <p:sp>
-        <p:nvSpPr>
-          <p:cNvPr id="6" name="Oval 5">
-            <a:extLst>
-              <a:ext uri="{FF2B5EF4-FFF2-40B4-BE49-F238E27FC236}">
-                <a16:creationId xmlns:a16="http://schemas.microsoft.com/office/drawing/2014/main" id="{AF2A8AEC-C15F-451C-3909-76FBE47DCCE3}"/>
+              <a:t>Sphere rasterization</a:t>
+            </a:r>
+          </a:p>
+          <a:p>
+            <a:r>
+              <a:rPr lang="en-US" dirty="0"/>
+              <a:t>Find min and max X</a:t>
+            </a:r>
+          </a:p>
+        </p:txBody>
+      </p:sp>
+      <p:sp>
+        <p:nvSpPr>
+          <p:cNvPr id="5" name="Oval 4">
+            <a:extLst>
+              <a:ext uri="{FF2B5EF4-FFF2-40B4-BE49-F238E27FC236}">
+                <a16:creationId xmlns:a16="http://schemas.microsoft.com/office/drawing/2014/main" id="{7E801081-F0E1-C18C-741E-136EC4E0CE4E}"/>
               </a:ext>
             </a:extLst>
           </p:cNvPr>
@@ -3406,8 +3840,8 @@
         </p:nvSpPr>
         <p:spPr>
           <a:xfrm>
-            <a:off x="1783080" y="3054096"/>
-            <a:ext cx="841248" cy="758952"/>
+            <a:off x="6096000" y="246888"/>
+            <a:ext cx="3560064" cy="3483864"/>
           </a:xfrm>
           <a:prstGeom prst="ellipse">
             <a:avLst/>
@@ -3438,10 +3872,3666 @@
           </a:p>
         </p:txBody>
       </p:sp>
+      <p:cxnSp>
+        <p:nvCxnSpPr>
+          <p:cNvPr id="7" name="Straight Arrow Connector 6">
+            <a:extLst>
+              <a:ext uri="{FF2B5EF4-FFF2-40B4-BE49-F238E27FC236}">
+                <a16:creationId xmlns:a16="http://schemas.microsoft.com/office/drawing/2014/main" id="{1D17DBF3-F52E-5F6F-E703-F0F97BB0171D}"/>
+              </a:ext>
+            </a:extLst>
+          </p:cNvPr>
+          <p:cNvCxnSpPr>
+            <a:cxnSpLocks/>
+          </p:cNvCxnSpPr>
+          <p:nvPr/>
+        </p:nvCxnSpPr>
+        <p:spPr>
+          <a:xfrm flipH="1" flipV="1">
+            <a:off x="6272784" y="2752344"/>
+            <a:ext cx="1673352" cy="2807208"/>
+          </a:xfrm>
+          <a:prstGeom prst="straightConnector1">
+            <a:avLst/>
+          </a:prstGeom>
+          <a:ln>
+            <a:solidFill>
+              <a:srgbClr val="92D050"/>
+            </a:solidFill>
+            <a:tailEnd type="triangle"/>
+          </a:ln>
+        </p:spPr>
+        <p:style>
+          <a:lnRef idx="1">
+            <a:schemeClr val="accent6"/>
+          </a:lnRef>
+          <a:fillRef idx="0">
+            <a:schemeClr val="accent6"/>
+          </a:fillRef>
+          <a:effectRef idx="0">
+            <a:schemeClr val="accent6"/>
+          </a:effectRef>
+          <a:fontRef idx="minor">
+            <a:schemeClr val="tx1"/>
+          </a:fontRef>
+        </p:style>
+      </p:cxnSp>
+      <p:cxnSp>
+        <p:nvCxnSpPr>
+          <p:cNvPr id="8" name="Straight Arrow Connector 7">
+            <a:extLst>
+              <a:ext uri="{FF2B5EF4-FFF2-40B4-BE49-F238E27FC236}">
+                <a16:creationId xmlns:a16="http://schemas.microsoft.com/office/drawing/2014/main" id="{D41314CB-F4C0-687A-6780-D7A53FE46D90}"/>
+              </a:ext>
+            </a:extLst>
+          </p:cNvPr>
+          <p:cNvCxnSpPr>
+            <a:cxnSpLocks/>
+          </p:cNvCxnSpPr>
+          <p:nvPr/>
+        </p:nvCxnSpPr>
+        <p:spPr>
+          <a:xfrm flipV="1">
+            <a:off x="7946136" y="2937164"/>
+            <a:ext cx="1452232" cy="2622388"/>
+          </a:xfrm>
+          <a:prstGeom prst="straightConnector1">
+            <a:avLst/>
+          </a:prstGeom>
+          <a:ln>
+            <a:solidFill>
+              <a:srgbClr val="92D050"/>
+            </a:solidFill>
+            <a:tailEnd type="triangle"/>
+          </a:ln>
+        </p:spPr>
+        <p:style>
+          <a:lnRef idx="1">
+            <a:schemeClr val="accent6"/>
+          </a:lnRef>
+          <a:fillRef idx="0">
+            <a:schemeClr val="accent6"/>
+          </a:fillRef>
+          <a:effectRef idx="0">
+            <a:schemeClr val="accent6"/>
+          </a:effectRef>
+          <a:fontRef idx="minor">
+            <a:schemeClr val="tx1"/>
+          </a:fontRef>
+        </p:style>
+      </p:cxnSp>
+      <p:cxnSp>
+        <p:nvCxnSpPr>
+          <p:cNvPr id="12" name="Straight Arrow Connector 11">
+            <a:extLst>
+              <a:ext uri="{FF2B5EF4-FFF2-40B4-BE49-F238E27FC236}">
+                <a16:creationId xmlns:a16="http://schemas.microsoft.com/office/drawing/2014/main" id="{3289FFFA-0DAF-67CF-03AA-0878951ADA92}"/>
+              </a:ext>
+            </a:extLst>
+          </p:cNvPr>
+          <p:cNvCxnSpPr>
+            <a:cxnSpLocks/>
+            <a:endCxn id="5" idx="2"/>
+          </p:cNvCxnSpPr>
+          <p:nvPr/>
+        </p:nvCxnSpPr>
+        <p:spPr>
+          <a:xfrm flipH="1" flipV="1">
+            <a:off x="6096000" y="1988820"/>
+            <a:ext cx="1850136" cy="3570732"/>
+          </a:xfrm>
+          <a:prstGeom prst="straightConnector1">
+            <a:avLst/>
+          </a:prstGeom>
+          <a:ln>
+            <a:solidFill>
+              <a:srgbClr val="FF0000"/>
+            </a:solidFill>
+            <a:tailEnd type="triangle"/>
+          </a:ln>
+        </p:spPr>
+        <p:style>
+          <a:lnRef idx="1">
+            <a:schemeClr val="accent6"/>
+          </a:lnRef>
+          <a:fillRef idx="0">
+            <a:schemeClr val="accent6"/>
+          </a:fillRef>
+          <a:effectRef idx="0">
+            <a:schemeClr val="accent6"/>
+          </a:effectRef>
+          <a:fontRef idx="minor">
+            <a:schemeClr val="tx1"/>
+          </a:fontRef>
+        </p:style>
+      </p:cxnSp>
+      <p:cxnSp>
+        <p:nvCxnSpPr>
+          <p:cNvPr id="15" name="Straight Arrow Connector 14">
+            <a:extLst>
+              <a:ext uri="{FF2B5EF4-FFF2-40B4-BE49-F238E27FC236}">
+                <a16:creationId xmlns:a16="http://schemas.microsoft.com/office/drawing/2014/main" id="{13B12D0F-A825-774A-1BE9-BA35A40AFC06}"/>
+              </a:ext>
+            </a:extLst>
+          </p:cNvPr>
+          <p:cNvCxnSpPr>
+            <a:cxnSpLocks/>
+            <a:endCxn id="5" idx="6"/>
+          </p:cNvCxnSpPr>
+          <p:nvPr/>
+        </p:nvCxnSpPr>
+        <p:spPr>
+          <a:xfrm flipV="1">
+            <a:off x="7946136" y="1988820"/>
+            <a:ext cx="1709928" cy="3570732"/>
+          </a:xfrm>
+          <a:prstGeom prst="straightConnector1">
+            <a:avLst/>
+          </a:prstGeom>
+          <a:ln>
+            <a:solidFill>
+              <a:srgbClr val="FF0000"/>
+            </a:solidFill>
+            <a:tailEnd type="triangle"/>
+          </a:ln>
+        </p:spPr>
+        <p:style>
+          <a:lnRef idx="1">
+            <a:schemeClr val="accent6"/>
+          </a:lnRef>
+          <a:fillRef idx="0">
+            <a:schemeClr val="accent6"/>
+          </a:fillRef>
+          <a:effectRef idx="0">
+            <a:schemeClr val="accent6"/>
+          </a:effectRef>
+          <a:fontRef idx="minor">
+            <a:schemeClr val="tx1"/>
+          </a:fontRef>
+        </p:style>
+      </p:cxnSp>
+      <p:sp>
+        <p:nvSpPr>
+          <p:cNvPr id="18" name="TextBox 17">
+            <a:extLst>
+              <a:ext uri="{FF2B5EF4-FFF2-40B4-BE49-F238E27FC236}">
+                <a16:creationId xmlns:a16="http://schemas.microsoft.com/office/drawing/2014/main" id="{D5080B4A-7804-330F-0D97-E1ECD2A485C3}"/>
+              </a:ext>
+            </a:extLst>
+          </p:cNvPr>
+          <p:cNvSpPr txBox="1"/>
+          <p:nvPr/>
+        </p:nvSpPr>
+        <p:spPr>
+          <a:xfrm>
+            <a:off x="435468" y="3827319"/>
+            <a:ext cx="11460830" cy="923330"/>
+          </a:xfrm>
+          <a:prstGeom prst="rect">
+            <a:avLst/>
+          </a:prstGeom>
+          <a:noFill/>
+        </p:spPr>
+        <p:txBody>
+          <a:bodyPr wrap="none" rtlCol="0">
+            <a:spAutoFit/>
+          </a:bodyPr>
+          <a:lstStyle/>
+          <a:p>
+            <a:r>
+              <a:rPr lang="en-US" dirty="0"/>
+              <a:t>2d solution:</a:t>
+            </a:r>
+            <a:br>
+              <a:rPr lang="en-US" dirty="0"/>
+            </a:br>
+            <a:r>
+              <a:rPr lang="en-US" dirty="0">
+                <a:hlinkClick r:id="rId3"/>
+              </a:rPr>
+              <a:t>https://www.youtube.com/watch?v=w-hjBXzDD2c</a:t>
+            </a:r>
+            <a:br>
+              <a:rPr lang="en-US" dirty="0"/>
+            </a:br>
+            <a:r>
+              <a:rPr lang="en-US" dirty="0"/>
+              <a:t>we know that the angle is 90 degrees, so we can just use </a:t>
+            </a:r>
+            <a:r>
+              <a:rPr lang="en-US" dirty="0" err="1"/>
+              <a:t>asin</a:t>
+            </a:r>
+            <a:r>
+              <a:rPr lang="en-US" dirty="0"/>
+              <a:t>(R (opposite) / S (diagonal)) to get the maximum angle.</a:t>
+            </a:r>
+          </a:p>
+        </p:txBody>
+      </p:sp>
+      <p:cxnSp>
+        <p:nvCxnSpPr>
+          <p:cNvPr id="20" name="Straight Connector 19">
+            <a:extLst>
+              <a:ext uri="{FF2B5EF4-FFF2-40B4-BE49-F238E27FC236}">
+                <a16:creationId xmlns:a16="http://schemas.microsoft.com/office/drawing/2014/main" id="{E3B25ECA-E399-9135-D2FF-83121C065C4C}"/>
+              </a:ext>
+            </a:extLst>
+          </p:cNvPr>
+          <p:cNvCxnSpPr>
+            <a:cxnSpLocks/>
+          </p:cNvCxnSpPr>
+          <p:nvPr/>
+        </p:nvCxnSpPr>
+        <p:spPr>
+          <a:xfrm flipH="1" flipV="1">
+            <a:off x="7946136" y="1988820"/>
+            <a:ext cx="1373355" cy="851777"/>
+          </a:xfrm>
+          <a:prstGeom prst="line">
+            <a:avLst/>
+          </a:prstGeom>
+          <a:ln>
+            <a:solidFill>
+              <a:srgbClr val="92D050"/>
+            </a:solidFill>
+          </a:ln>
+        </p:spPr>
+        <p:style>
+          <a:lnRef idx="2">
+            <a:schemeClr val="accent1"/>
+          </a:lnRef>
+          <a:fillRef idx="0">
+            <a:schemeClr val="accent1"/>
+          </a:fillRef>
+          <a:effectRef idx="1">
+            <a:schemeClr val="accent1"/>
+          </a:effectRef>
+          <a:fontRef idx="minor">
+            <a:schemeClr val="tx1"/>
+          </a:fontRef>
+        </p:style>
+      </p:cxnSp>
+      <p:sp>
+        <p:nvSpPr>
+          <p:cNvPr id="22" name="Rectangle 21">
+            <a:extLst>
+              <a:ext uri="{FF2B5EF4-FFF2-40B4-BE49-F238E27FC236}">
+                <a16:creationId xmlns:a16="http://schemas.microsoft.com/office/drawing/2014/main" id="{0DA0A7B3-6C4D-06DD-BC8D-2526A9B85521}"/>
+              </a:ext>
+            </a:extLst>
+          </p:cNvPr>
+          <p:cNvSpPr/>
+          <p:nvPr/>
+        </p:nvSpPr>
+        <p:spPr>
+          <a:xfrm rot="18176702">
+            <a:off x="8308848" y="2577223"/>
+            <a:ext cx="914400" cy="914400"/>
+          </a:xfrm>
+          <a:prstGeom prst="rect">
+            <a:avLst/>
+          </a:prstGeom>
+          <a:noFill/>
+          <a:ln>
+            <a:solidFill>
+              <a:srgbClr val="92D050"/>
+            </a:solidFill>
+          </a:ln>
+        </p:spPr>
+        <p:style>
+          <a:lnRef idx="2">
+            <a:schemeClr val="accent1">
+              <a:shade val="15000"/>
+            </a:schemeClr>
+          </a:lnRef>
+          <a:fillRef idx="1">
+            <a:schemeClr val="accent1"/>
+          </a:fillRef>
+          <a:effectRef idx="0">
+            <a:schemeClr val="accent1"/>
+          </a:effectRef>
+          <a:fontRef idx="minor">
+            <a:schemeClr val="lt1"/>
+          </a:fontRef>
+        </p:style>
+        <p:txBody>
+          <a:bodyPr rtlCol="0" anchor="ctr"/>
+          <a:lstStyle/>
+          <a:p>
+            <a:pPr algn="ctr"/>
+            <a:endParaRPr lang="en-US"/>
+          </a:p>
+        </p:txBody>
+      </p:sp>
     </p:spTree>
     <p:extLst>
       <p:ext uri="{BB962C8B-B14F-4D97-AF65-F5344CB8AC3E}">
-        <p14:creationId xmlns:p14="http://schemas.microsoft.com/office/powerpoint/2010/main" val="906829314"/>
+        <p14:creationId xmlns:p14="http://schemas.microsoft.com/office/powerpoint/2010/main" val="1317859981"/>
+      </p:ext>
+    </p:extLst>
+  </p:cSld>
+  <p:clrMapOvr>
+    <a:masterClrMapping/>
+  </p:clrMapOvr>
+</p:sld>
+</file>
+
+<file path=ppt/slides/slide2.xml><?xml version="1.0" encoding="utf-8"?>
+<p:sld xmlns:a="http://schemas.openxmlformats.org/drawingml/2006/main" xmlns:r="http://schemas.openxmlformats.org/officeDocument/2006/relationships" xmlns:p="http://schemas.openxmlformats.org/presentationml/2006/main">
+  <p:cSld>
+    <p:spTree>
+      <p:nvGrpSpPr>
+        <p:cNvPr id="1" name=""/>
+        <p:cNvGrpSpPr/>
+        <p:nvPr/>
+      </p:nvGrpSpPr>
+      <p:grpSpPr>
+        <a:xfrm>
+          <a:off x="0" y="0"/>
+          <a:ext cx="0" cy="0"/>
+          <a:chOff x="0" y="0"/>
+          <a:chExt cx="0" cy="0"/>
+        </a:xfrm>
+      </p:grpSpPr>
+      <p:sp>
+        <p:nvSpPr>
+          <p:cNvPr id="4" name="Oval 3">
+            <a:extLst>
+              <a:ext uri="{FF2B5EF4-FFF2-40B4-BE49-F238E27FC236}">
+                <a16:creationId xmlns:a16="http://schemas.microsoft.com/office/drawing/2014/main" id="{3F5DAED5-09C4-CCF4-D598-BE4217F15FDB}"/>
+              </a:ext>
+            </a:extLst>
+          </p:cNvPr>
+          <p:cNvSpPr/>
+          <p:nvPr/>
+        </p:nvSpPr>
+        <p:spPr>
+          <a:xfrm>
+            <a:off x="7201869" y="189161"/>
+            <a:ext cx="3611418" cy="3528291"/>
+          </a:xfrm>
+          <a:prstGeom prst="ellipse">
+            <a:avLst/>
+          </a:prstGeom>
+        </p:spPr>
+        <p:style>
+          <a:lnRef idx="2">
+            <a:schemeClr val="accent1">
+              <a:shade val="15000"/>
+            </a:schemeClr>
+          </a:lnRef>
+          <a:fillRef idx="1">
+            <a:schemeClr val="accent1"/>
+          </a:fillRef>
+          <a:effectRef idx="0">
+            <a:schemeClr val="accent1"/>
+          </a:effectRef>
+          <a:fontRef idx="minor">
+            <a:schemeClr val="lt1"/>
+          </a:fontRef>
+        </p:style>
+        <p:txBody>
+          <a:bodyPr rtlCol="0" anchor="ctr"/>
+          <a:lstStyle/>
+          <a:p>
+            <a:pPr algn="ctr"/>
+            <a:endParaRPr lang="en-US" dirty="0"/>
+          </a:p>
+        </p:txBody>
+      </p:sp>
+      <p:cxnSp>
+        <p:nvCxnSpPr>
+          <p:cNvPr id="5" name="Straight Arrow Connector 4">
+            <a:extLst>
+              <a:ext uri="{FF2B5EF4-FFF2-40B4-BE49-F238E27FC236}">
+                <a16:creationId xmlns:a16="http://schemas.microsoft.com/office/drawing/2014/main" id="{E116C9E4-BF85-9B26-09C3-D821F16D8953}"/>
+              </a:ext>
+            </a:extLst>
+          </p:cNvPr>
+          <p:cNvCxnSpPr>
+            <a:cxnSpLocks/>
+          </p:cNvCxnSpPr>
+          <p:nvPr/>
+        </p:nvCxnSpPr>
+        <p:spPr>
+          <a:xfrm>
+            <a:off x="2039112" y="2535321"/>
+            <a:ext cx="6739128" cy="1182131"/>
+          </a:xfrm>
+          <a:prstGeom prst="straightConnector1">
+            <a:avLst/>
+          </a:prstGeom>
+          <a:ln>
+            <a:solidFill>
+              <a:schemeClr val="tx1"/>
+            </a:solidFill>
+            <a:tailEnd type="triangle"/>
+          </a:ln>
+        </p:spPr>
+        <p:style>
+          <a:lnRef idx="1">
+            <a:schemeClr val="accent6"/>
+          </a:lnRef>
+          <a:fillRef idx="0">
+            <a:schemeClr val="accent6"/>
+          </a:fillRef>
+          <a:effectRef idx="0">
+            <a:schemeClr val="accent6"/>
+          </a:effectRef>
+          <a:fontRef idx="minor">
+            <a:schemeClr val="tx1"/>
+          </a:fontRef>
+        </p:style>
+      </p:cxnSp>
+      <p:cxnSp>
+        <p:nvCxnSpPr>
+          <p:cNvPr id="13" name="Straight Connector 12">
+            <a:extLst>
+              <a:ext uri="{FF2B5EF4-FFF2-40B4-BE49-F238E27FC236}">
+                <a16:creationId xmlns:a16="http://schemas.microsoft.com/office/drawing/2014/main" id="{0129CBC1-5B45-9F1D-4FCB-CA83FB7EFE4B}"/>
+              </a:ext>
+            </a:extLst>
+          </p:cNvPr>
+          <p:cNvCxnSpPr>
+            <a:stCxn id="4" idx="0"/>
+          </p:cNvCxnSpPr>
+          <p:nvPr/>
+        </p:nvCxnSpPr>
+        <p:spPr>
+          <a:xfrm flipH="1">
+            <a:off x="8993724" y="189161"/>
+            <a:ext cx="13854" cy="1690254"/>
+          </a:xfrm>
+          <a:prstGeom prst="line">
+            <a:avLst/>
+          </a:prstGeom>
+          <a:ln>
+            <a:solidFill>
+              <a:schemeClr val="bg1"/>
+            </a:solidFill>
+          </a:ln>
+        </p:spPr>
+        <p:style>
+          <a:lnRef idx="2">
+            <a:schemeClr val="accent1"/>
+          </a:lnRef>
+          <a:fillRef idx="0">
+            <a:schemeClr val="accent1"/>
+          </a:fillRef>
+          <a:effectRef idx="1">
+            <a:schemeClr val="accent1"/>
+          </a:effectRef>
+          <a:fontRef idx="minor">
+            <a:schemeClr val="tx1"/>
+          </a:fontRef>
+        </p:style>
+      </p:cxnSp>
+      <p:sp>
+        <p:nvSpPr>
+          <p:cNvPr id="14" name="TextBox 13">
+            <a:extLst>
+              <a:ext uri="{FF2B5EF4-FFF2-40B4-BE49-F238E27FC236}">
+                <a16:creationId xmlns:a16="http://schemas.microsoft.com/office/drawing/2014/main" id="{A22C8E0E-4270-D172-8C35-A2EB84ABD348}"/>
+              </a:ext>
+            </a:extLst>
+          </p:cNvPr>
+          <p:cNvSpPr txBox="1"/>
+          <p:nvPr/>
+        </p:nvSpPr>
+        <p:spPr>
+          <a:xfrm>
+            <a:off x="9291780" y="2350655"/>
+            <a:ext cx="324128" cy="369332"/>
+          </a:xfrm>
+          <a:prstGeom prst="rect">
+            <a:avLst/>
+          </a:prstGeom>
+          <a:noFill/>
+        </p:spPr>
+        <p:txBody>
+          <a:bodyPr wrap="none" rtlCol="0">
+            <a:spAutoFit/>
+          </a:bodyPr>
+          <a:lstStyle/>
+          <a:p>
+            <a:r>
+              <a:rPr lang="en-US" dirty="0"/>
+              <a:t>R</a:t>
+            </a:r>
+          </a:p>
+        </p:txBody>
+      </p:sp>
+      <p:sp>
+        <p:nvSpPr>
+          <p:cNvPr id="15" name="TextBox 14">
+            <a:extLst>
+              <a:ext uri="{FF2B5EF4-FFF2-40B4-BE49-F238E27FC236}">
+                <a16:creationId xmlns:a16="http://schemas.microsoft.com/office/drawing/2014/main" id="{82C7EBAC-75C5-02F6-ECD1-5F925E3EB664}"/>
+              </a:ext>
+            </a:extLst>
+          </p:cNvPr>
+          <p:cNvSpPr txBox="1"/>
+          <p:nvPr/>
+        </p:nvSpPr>
+        <p:spPr>
+          <a:xfrm>
+            <a:off x="1528617" y="2535321"/>
+            <a:ext cx="317716" cy="369332"/>
+          </a:xfrm>
+          <a:prstGeom prst="rect">
+            <a:avLst/>
+          </a:prstGeom>
+          <a:noFill/>
+        </p:spPr>
+        <p:txBody>
+          <a:bodyPr wrap="none" rtlCol="0">
+            <a:spAutoFit/>
+          </a:bodyPr>
+          <a:lstStyle/>
+          <a:p>
+            <a:r>
+              <a:rPr lang="en-US" dirty="0"/>
+              <a:t>P</a:t>
+            </a:r>
+          </a:p>
+        </p:txBody>
+      </p:sp>
+      <p:cxnSp>
+        <p:nvCxnSpPr>
+          <p:cNvPr id="6" name="Straight Arrow Connector 5">
+            <a:extLst>
+              <a:ext uri="{FF2B5EF4-FFF2-40B4-BE49-F238E27FC236}">
+                <a16:creationId xmlns:a16="http://schemas.microsoft.com/office/drawing/2014/main" id="{CE8C9FBF-5689-4DA2-0D19-0264039F270A}"/>
+              </a:ext>
+            </a:extLst>
+          </p:cNvPr>
+          <p:cNvCxnSpPr>
+            <a:cxnSpLocks/>
+          </p:cNvCxnSpPr>
+          <p:nvPr/>
+        </p:nvCxnSpPr>
+        <p:spPr>
+          <a:xfrm flipV="1">
+            <a:off x="2039112" y="374904"/>
+            <a:ext cx="6181344" cy="2160417"/>
+          </a:xfrm>
+          <a:prstGeom prst="straightConnector1">
+            <a:avLst/>
+          </a:prstGeom>
+          <a:ln>
+            <a:solidFill>
+              <a:schemeClr val="tx1"/>
+            </a:solidFill>
+            <a:tailEnd type="triangle"/>
+          </a:ln>
+        </p:spPr>
+        <p:style>
+          <a:lnRef idx="1">
+            <a:schemeClr val="accent6"/>
+          </a:lnRef>
+          <a:fillRef idx="0">
+            <a:schemeClr val="accent6"/>
+          </a:fillRef>
+          <a:effectRef idx="0">
+            <a:schemeClr val="accent6"/>
+          </a:effectRef>
+          <a:fontRef idx="minor">
+            <a:schemeClr val="tx1"/>
+          </a:fontRef>
+        </p:style>
+      </p:cxnSp>
+    </p:spTree>
+    <p:extLst>
+      <p:ext uri="{BB962C8B-B14F-4D97-AF65-F5344CB8AC3E}">
+        <p14:creationId xmlns:p14="http://schemas.microsoft.com/office/powerpoint/2010/main" val="1379234439"/>
+      </p:ext>
+    </p:extLst>
+  </p:cSld>
+  <p:clrMapOvr>
+    <a:masterClrMapping/>
+  </p:clrMapOvr>
+</p:sld>
+</file>
+
+<file path=ppt/slides/slide3.xml><?xml version="1.0" encoding="utf-8"?>
+<p:sld xmlns:a="http://schemas.openxmlformats.org/drawingml/2006/main" xmlns:r="http://schemas.openxmlformats.org/officeDocument/2006/relationships" xmlns:p="http://schemas.openxmlformats.org/presentationml/2006/main">
+  <p:cSld>
+    <p:spTree>
+      <p:nvGrpSpPr>
+        <p:cNvPr id="1" name=""/>
+        <p:cNvGrpSpPr/>
+        <p:nvPr/>
+      </p:nvGrpSpPr>
+      <p:grpSpPr>
+        <a:xfrm>
+          <a:off x="0" y="0"/>
+          <a:ext cx="0" cy="0"/>
+          <a:chOff x="0" y="0"/>
+          <a:chExt cx="0" cy="0"/>
+        </a:xfrm>
+      </p:grpSpPr>
+      <p:sp>
+        <p:nvSpPr>
+          <p:cNvPr id="2" name="TextBox 1">
+            <a:extLst>
+              <a:ext uri="{FF2B5EF4-FFF2-40B4-BE49-F238E27FC236}">
+                <a16:creationId xmlns:a16="http://schemas.microsoft.com/office/drawing/2014/main" id="{D4FEDD0F-722A-FCFA-4D51-EEAFB7D11D6D}"/>
+              </a:ext>
+            </a:extLst>
+          </p:cNvPr>
+          <p:cNvSpPr txBox="1"/>
+          <p:nvPr/>
+        </p:nvSpPr>
+        <p:spPr>
+          <a:xfrm>
+            <a:off x="89916" y="149947"/>
+            <a:ext cx="6345174" cy="4801314"/>
+          </a:xfrm>
+          <a:prstGeom prst="rect">
+            <a:avLst/>
+          </a:prstGeom>
+          <a:noFill/>
+        </p:spPr>
+        <p:txBody>
+          <a:bodyPr wrap="square" rtlCol="0">
+            <a:spAutoFit/>
+          </a:bodyPr>
+          <a:lstStyle/>
+          <a:p>
+            <a:r>
+              <a:rPr lang="en-US" dirty="0"/>
+              <a:t>Check if a brush is </a:t>
+            </a:r>
+            <a:r>
+              <a:rPr lang="en-US" dirty="0" err="1"/>
+              <a:t>iteratable</a:t>
+            </a:r>
+            <a:r>
+              <a:rPr lang="en-US" dirty="0"/>
+              <a:t>.</a:t>
+            </a:r>
+          </a:p>
+          <a:p>
+            <a:r>
+              <a:rPr lang="en-US" dirty="0"/>
+              <a:t>When operator* isn’t implemented, use </a:t>
+            </a:r>
+            <a:r>
+              <a:rPr lang="en-US" dirty="0" err="1"/>
+              <a:t>getValue</a:t>
+            </a:r>
+            <a:r>
+              <a:rPr lang="en-US" dirty="0"/>
+              <a:t>(position).</a:t>
+            </a:r>
+            <a:br>
+              <a:rPr lang="en-US" dirty="0"/>
+            </a:br>
+            <a:r>
+              <a:rPr lang="en-US" dirty="0" err="1"/>
+              <a:t>Iteratable</a:t>
+            </a:r>
+            <a:r>
+              <a:rPr lang="en-US" dirty="0"/>
+              <a:t> brushes have a </a:t>
+            </a:r>
+            <a:r>
+              <a:rPr lang="en-US" dirty="0" err="1"/>
+              <a:t>setPosition</a:t>
+            </a:r>
+            <a:r>
+              <a:rPr lang="en-US" dirty="0"/>
+              <a:t>(pos) function, an operator++ and an operator*.</a:t>
+            </a:r>
+            <a:br>
+              <a:rPr lang="en-US" dirty="0"/>
+            </a:br>
+            <a:r>
+              <a:rPr lang="en-US" dirty="0"/>
+              <a:t>When they don’t need a position, </a:t>
+            </a:r>
+            <a:r>
+              <a:rPr lang="en-US" dirty="0" err="1"/>
+              <a:t>setPosition</a:t>
+            </a:r>
+            <a:r>
+              <a:rPr lang="en-US" dirty="0"/>
+              <a:t> is not called.</a:t>
+            </a:r>
+          </a:p>
+          <a:p>
+            <a:r>
+              <a:rPr lang="en-US" dirty="0"/>
+              <a:t>We have one universal function for filling a row.</a:t>
+            </a:r>
+          </a:p>
+          <a:p>
+            <a:r>
+              <a:rPr lang="en-US" dirty="0"/>
+              <a:t>A brush doesn’t modify itself. Brushes are not virtual. Brushes are as efficient as possible.</a:t>
+            </a:r>
+            <a:br>
+              <a:rPr lang="en-US" dirty="0"/>
+            </a:br>
+            <a:r>
+              <a:rPr lang="en-US" dirty="0"/>
+              <a:t>we define an operator++, operator*, </a:t>
+            </a:r>
+            <a:r>
+              <a:rPr lang="en-US" dirty="0" err="1"/>
+              <a:t>setPosition</a:t>
+            </a:r>
+            <a:r>
+              <a:rPr lang="en-US" dirty="0"/>
+              <a:t> and </a:t>
+            </a:r>
+            <a:r>
+              <a:rPr lang="en-US" dirty="0" err="1"/>
+              <a:t>getValue</a:t>
+            </a:r>
+            <a:r>
+              <a:rPr lang="en-US" dirty="0"/>
+              <a:t> function</a:t>
+            </a:r>
+          </a:p>
+          <a:p>
+            <a:r>
+              <a:rPr lang="en-US" dirty="0"/>
+              <a:t>for each class that doesn’t define it themselves.</a:t>
+            </a:r>
+          </a:p>
+          <a:p>
+            <a:r>
+              <a:rPr lang="en-US" dirty="0" err="1"/>
+              <a:t>setPosition</a:t>
+            </a:r>
+            <a:r>
+              <a:rPr lang="en-US" dirty="0"/>
+              <a:t> and operator++ will be defined in the </a:t>
+            </a:r>
+            <a:r>
+              <a:rPr lang="en-US" dirty="0" err="1"/>
+              <a:t>baseclass</a:t>
+            </a:r>
+            <a:r>
+              <a:rPr lang="en-US" dirty="0"/>
+              <a:t>, as it doesn’t require knowledge of the derived type.</a:t>
+            </a:r>
+          </a:p>
+          <a:p>
+            <a:r>
+              <a:rPr lang="en-US" dirty="0" err="1"/>
+              <a:t>getValue</a:t>
+            </a:r>
+            <a:r>
+              <a:rPr lang="en-US" dirty="0"/>
+              <a:t> however, should return the most derived operator *.</a:t>
+            </a:r>
+          </a:p>
+          <a:p>
+            <a:r>
+              <a:rPr lang="en-US" dirty="0"/>
+              <a:t>Therefore, it is a templated function and accepts a this argument.</a:t>
+            </a:r>
+          </a:p>
+          <a:p>
+            <a:r>
+              <a:rPr lang="en-US" dirty="0"/>
+              <a:t>Same with operator*.</a:t>
+            </a:r>
+          </a:p>
+        </p:txBody>
+      </p:sp>
+      <p:sp>
+        <p:nvSpPr>
+          <p:cNvPr id="3" name="Rectangle 2">
+            <a:extLst>
+              <a:ext uri="{FF2B5EF4-FFF2-40B4-BE49-F238E27FC236}">
+                <a16:creationId xmlns:a16="http://schemas.microsoft.com/office/drawing/2014/main" id="{113E697F-878C-2807-6C4B-BB837D04A8B8}"/>
+              </a:ext>
+            </a:extLst>
+          </p:cNvPr>
+          <p:cNvSpPr/>
+          <p:nvPr/>
+        </p:nvSpPr>
+        <p:spPr>
+          <a:xfrm>
+            <a:off x="6912864" y="539496"/>
+            <a:ext cx="1143000" cy="438912"/>
+          </a:xfrm>
+          <a:prstGeom prst="rect">
+            <a:avLst/>
+          </a:prstGeom>
+        </p:spPr>
+        <p:style>
+          <a:lnRef idx="2">
+            <a:schemeClr val="accent1">
+              <a:shade val="15000"/>
+            </a:schemeClr>
+          </a:lnRef>
+          <a:fillRef idx="1">
+            <a:schemeClr val="accent1"/>
+          </a:fillRef>
+          <a:effectRef idx="0">
+            <a:schemeClr val="accent1"/>
+          </a:effectRef>
+          <a:fontRef idx="minor">
+            <a:schemeClr val="lt1"/>
+          </a:fontRef>
+        </p:style>
+        <p:txBody>
+          <a:bodyPr rtlCol="0" anchor="ctr"/>
+          <a:lstStyle/>
+          <a:p>
+            <a:pPr algn="ctr"/>
+            <a:r>
+              <a:rPr lang="en-US" dirty="0"/>
+              <a:t>brush</a:t>
+            </a:r>
+          </a:p>
+        </p:txBody>
+      </p:sp>
+      <p:sp>
+        <p:nvSpPr>
+          <p:cNvPr id="4" name="Rectangle 3">
+            <a:extLst>
+              <a:ext uri="{FF2B5EF4-FFF2-40B4-BE49-F238E27FC236}">
+                <a16:creationId xmlns:a16="http://schemas.microsoft.com/office/drawing/2014/main" id="{655365B7-3F93-6F47-BF0F-1DCDF1984AB6}"/>
+              </a:ext>
+            </a:extLst>
+          </p:cNvPr>
+          <p:cNvSpPr/>
+          <p:nvPr/>
+        </p:nvSpPr>
+        <p:spPr>
+          <a:xfrm>
+            <a:off x="7484364" y="1060704"/>
+            <a:ext cx="1143000" cy="438912"/>
+          </a:xfrm>
+          <a:prstGeom prst="rect">
+            <a:avLst/>
+          </a:prstGeom>
+        </p:spPr>
+        <p:style>
+          <a:lnRef idx="2">
+            <a:schemeClr val="accent1">
+              <a:shade val="15000"/>
+            </a:schemeClr>
+          </a:lnRef>
+          <a:fillRef idx="1">
+            <a:schemeClr val="accent1"/>
+          </a:fillRef>
+          <a:effectRef idx="0">
+            <a:schemeClr val="accent1"/>
+          </a:effectRef>
+          <a:fontRef idx="minor">
+            <a:schemeClr val="lt1"/>
+          </a:fontRef>
+        </p:style>
+        <p:txBody>
+          <a:bodyPr rtlCol="0" anchor="ctr"/>
+          <a:lstStyle/>
+          <a:p>
+            <a:pPr algn="ctr"/>
+            <a:r>
+              <a:rPr lang="en-US" dirty="0"/>
+              <a:t>position</a:t>
+            </a:r>
+          </a:p>
+        </p:txBody>
+      </p:sp>
+      <p:sp>
+        <p:nvSpPr>
+          <p:cNvPr id="5" name="Rectangle 4">
+            <a:extLst>
+              <a:ext uri="{FF2B5EF4-FFF2-40B4-BE49-F238E27FC236}">
+                <a16:creationId xmlns:a16="http://schemas.microsoft.com/office/drawing/2014/main" id="{1D7DD5EC-5046-6A4C-3114-5581CEFB32F4}"/>
+              </a:ext>
+            </a:extLst>
+          </p:cNvPr>
+          <p:cNvSpPr/>
+          <p:nvPr/>
+        </p:nvSpPr>
+        <p:spPr>
+          <a:xfrm>
+            <a:off x="7484364" y="2591752"/>
+            <a:ext cx="1143000" cy="438912"/>
+          </a:xfrm>
+          <a:prstGeom prst="rect">
+            <a:avLst/>
+          </a:prstGeom>
+          <a:solidFill>
+            <a:schemeClr val="accent2"/>
+          </a:solidFill>
+          <a:ln>
+            <a:noFill/>
+          </a:ln>
+        </p:spPr>
+        <p:style>
+          <a:lnRef idx="2">
+            <a:schemeClr val="accent1">
+              <a:shade val="15000"/>
+            </a:schemeClr>
+          </a:lnRef>
+          <a:fillRef idx="1">
+            <a:schemeClr val="accent1"/>
+          </a:fillRef>
+          <a:effectRef idx="0">
+            <a:schemeClr val="accent1"/>
+          </a:effectRef>
+          <a:fontRef idx="minor">
+            <a:schemeClr val="lt1"/>
+          </a:fontRef>
+        </p:style>
+        <p:txBody>
+          <a:bodyPr rtlCol="0" anchor="ctr"/>
+          <a:lstStyle/>
+          <a:p>
+            <a:pPr algn="ctr"/>
+            <a:r>
+              <a:rPr lang="en-US" dirty="0"/>
+              <a:t>++</a:t>
+            </a:r>
+          </a:p>
+        </p:txBody>
+      </p:sp>
+      <p:sp>
+        <p:nvSpPr>
+          <p:cNvPr id="6" name="Rectangle 5">
+            <a:extLst>
+              <a:ext uri="{FF2B5EF4-FFF2-40B4-BE49-F238E27FC236}">
+                <a16:creationId xmlns:a16="http://schemas.microsoft.com/office/drawing/2014/main" id="{BCB245EA-49A7-8D1B-77FD-4D241AB81509}"/>
+              </a:ext>
+            </a:extLst>
+          </p:cNvPr>
+          <p:cNvSpPr/>
+          <p:nvPr/>
+        </p:nvSpPr>
+        <p:spPr>
+          <a:xfrm>
+            <a:off x="7484364" y="3162680"/>
+            <a:ext cx="1143000" cy="438912"/>
+          </a:xfrm>
+          <a:prstGeom prst="rect">
+            <a:avLst/>
+          </a:prstGeom>
+          <a:solidFill>
+            <a:schemeClr val="accent2"/>
+          </a:solidFill>
+          <a:ln>
+            <a:noFill/>
+          </a:ln>
+        </p:spPr>
+        <p:style>
+          <a:lnRef idx="2">
+            <a:schemeClr val="accent1">
+              <a:shade val="15000"/>
+            </a:schemeClr>
+          </a:lnRef>
+          <a:fillRef idx="1">
+            <a:schemeClr val="accent1"/>
+          </a:fillRef>
+          <a:effectRef idx="0">
+            <a:schemeClr val="accent1"/>
+          </a:effectRef>
+          <a:fontRef idx="minor">
+            <a:schemeClr val="lt1"/>
+          </a:fontRef>
+        </p:style>
+        <p:txBody>
+          <a:bodyPr rtlCol="0" anchor="ctr"/>
+          <a:lstStyle/>
+          <a:p>
+            <a:pPr algn="ctr"/>
+            <a:r>
+              <a:rPr lang="en-US" dirty="0"/>
+              <a:t>*</a:t>
+            </a:r>
+          </a:p>
+        </p:txBody>
+      </p:sp>
+      <p:sp>
+        <p:nvSpPr>
+          <p:cNvPr id="7" name="Rectangle 6">
+            <a:extLst>
+              <a:ext uri="{FF2B5EF4-FFF2-40B4-BE49-F238E27FC236}">
+                <a16:creationId xmlns:a16="http://schemas.microsoft.com/office/drawing/2014/main" id="{4827B904-1108-7BCA-5D47-69796B8B2DD4}"/>
+              </a:ext>
+            </a:extLst>
+          </p:cNvPr>
+          <p:cNvSpPr/>
+          <p:nvPr/>
+        </p:nvSpPr>
+        <p:spPr>
+          <a:xfrm>
+            <a:off x="7484364" y="1631632"/>
+            <a:ext cx="1568196" cy="438912"/>
+          </a:xfrm>
+          <a:prstGeom prst="rect">
+            <a:avLst/>
+          </a:prstGeom>
+          <a:solidFill>
+            <a:schemeClr val="accent2"/>
+          </a:solidFill>
+          <a:ln>
+            <a:noFill/>
+          </a:ln>
+        </p:spPr>
+        <p:style>
+          <a:lnRef idx="2">
+            <a:schemeClr val="accent1">
+              <a:shade val="15000"/>
+            </a:schemeClr>
+          </a:lnRef>
+          <a:fillRef idx="1">
+            <a:schemeClr val="accent1"/>
+          </a:fillRef>
+          <a:effectRef idx="0">
+            <a:schemeClr val="accent1"/>
+          </a:effectRef>
+          <a:fontRef idx="minor">
+            <a:schemeClr val="lt1"/>
+          </a:fontRef>
+        </p:style>
+        <p:txBody>
+          <a:bodyPr rtlCol="0" anchor="ctr"/>
+          <a:lstStyle/>
+          <a:p>
+            <a:pPr algn="ctr"/>
+            <a:r>
+              <a:rPr lang="en-US" dirty="0" err="1"/>
+              <a:t>getValue</a:t>
+            </a:r>
+            <a:r>
+              <a:rPr lang="en-US" dirty="0"/>
+              <a:t>(pos)</a:t>
+            </a:r>
+          </a:p>
+        </p:txBody>
+      </p:sp>
+      <p:sp>
+        <p:nvSpPr>
+          <p:cNvPr id="8" name="Rectangle 7">
+            <a:extLst>
+              <a:ext uri="{FF2B5EF4-FFF2-40B4-BE49-F238E27FC236}">
+                <a16:creationId xmlns:a16="http://schemas.microsoft.com/office/drawing/2014/main" id="{CFB41942-7CB9-A42D-8A27-B18DB20B93B1}"/>
+              </a:ext>
+            </a:extLst>
+          </p:cNvPr>
+          <p:cNvSpPr/>
+          <p:nvPr/>
+        </p:nvSpPr>
+        <p:spPr>
+          <a:xfrm>
+            <a:off x="7484364" y="2111692"/>
+            <a:ext cx="1979676" cy="438912"/>
+          </a:xfrm>
+          <a:prstGeom prst="rect">
+            <a:avLst/>
+          </a:prstGeom>
+          <a:solidFill>
+            <a:schemeClr val="accent2"/>
+          </a:solidFill>
+          <a:ln>
+            <a:noFill/>
+          </a:ln>
+        </p:spPr>
+        <p:style>
+          <a:lnRef idx="2">
+            <a:schemeClr val="accent1">
+              <a:shade val="15000"/>
+            </a:schemeClr>
+          </a:lnRef>
+          <a:fillRef idx="1">
+            <a:schemeClr val="accent1"/>
+          </a:fillRef>
+          <a:effectRef idx="0">
+            <a:schemeClr val="accent1"/>
+          </a:effectRef>
+          <a:fontRef idx="minor">
+            <a:schemeClr val="lt1"/>
+          </a:fontRef>
+        </p:style>
+        <p:txBody>
+          <a:bodyPr rtlCol="0" anchor="ctr"/>
+          <a:lstStyle/>
+          <a:p>
+            <a:pPr algn="ctr"/>
+            <a:r>
+              <a:rPr lang="en-US" dirty="0" err="1"/>
+              <a:t>setPosition</a:t>
+            </a:r>
+            <a:r>
+              <a:rPr lang="en-US" dirty="0"/>
+              <a:t>(pos)</a:t>
+            </a:r>
+          </a:p>
+        </p:txBody>
+      </p:sp>
+      <p:sp>
+        <p:nvSpPr>
+          <p:cNvPr id="9" name="TextBox 8">
+            <a:extLst>
+              <a:ext uri="{FF2B5EF4-FFF2-40B4-BE49-F238E27FC236}">
+                <a16:creationId xmlns:a16="http://schemas.microsoft.com/office/drawing/2014/main" id="{147C0B89-ECB8-747B-8C15-81048B439BCF}"/>
+              </a:ext>
+            </a:extLst>
+          </p:cNvPr>
+          <p:cNvSpPr txBox="1"/>
+          <p:nvPr/>
+        </p:nvSpPr>
+        <p:spPr>
+          <a:xfrm>
+            <a:off x="9614916" y="2181272"/>
+            <a:ext cx="1911101" cy="369332"/>
+          </a:xfrm>
+          <a:prstGeom prst="rect">
+            <a:avLst/>
+          </a:prstGeom>
+          <a:noFill/>
+        </p:spPr>
+        <p:txBody>
+          <a:bodyPr wrap="none" rtlCol="0">
+            <a:spAutoFit/>
+          </a:bodyPr>
+          <a:lstStyle/>
+          <a:p>
+            <a:r>
+              <a:rPr lang="en-US" dirty="0"/>
+              <a:t>-&gt;this-&gt;pos = pos</a:t>
+            </a:r>
+          </a:p>
+        </p:txBody>
+      </p:sp>
+      <p:sp>
+        <p:nvSpPr>
+          <p:cNvPr id="10" name="TextBox 9">
+            <a:extLst>
+              <a:ext uri="{FF2B5EF4-FFF2-40B4-BE49-F238E27FC236}">
+                <a16:creationId xmlns:a16="http://schemas.microsoft.com/office/drawing/2014/main" id="{538E9FEE-A68E-1775-34F3-985CB1F5CA4B}"/>
+              </a:ext>
+            </a:extLst>
+          </p:cNvPr>
+          <p:cNvSpPr txBox="1"/>
+          <p:nvPr/>
+        </p:nvSpPr>
+        <p:spPr>
+          <a:xfrm>
+            <a:off x="9614915" y="2759558"/>
+            <a:ext cx="1784527" cy="369332"/>
+          </a:xfrm>
+          <a:prstGeom prst="rect">
+            <a:avLst/>
+          </a:prstGeom>
+          <a:noFill/>
+        </p:spPr>
+        <p:txBody>
+          <a:bodyPr wrap="none" rtlCol="0">
+            <a:spAutoFit/>
+          </a:bodyPr>
+          <a:lstStyle/>
+          <a:p>
+            <a:r>
+              <a:rPr lang="en-US" dirty="0"/>
+              <a:t>-&gt;this-&gt;</a:t>
+            </a:r>
+            <a:r>
+              <a:rPr lang="en-US" dirty="0" err="1"/>
+              <a:t>pos.x</a:t>
+            </a:r>
+            <a:r>
+              <a:rPr lang="en-US" dirty="0"/>
+              <a:t>++</a:t>
+            </a:r>
+          </a:p>
+        </p:txBody>
+      </p:sp>
+      <p:sp>
+        <p:nvSpPr>
+          <p:cNvPr id="11" name="TextBox 10">
+            <a:extLst>
+              <a:ext uri="{FF2B5EF4-FFF2-40B4-BE49-F238E27FC236}">
+                <a16:creationId xmlns:a16="http://schemas.microsoft.com/office/drawing/2014/main" id="{8ADE3E02-D408-36D3-EB11-016C0DCC5692}"/>
+              </a:ext>
+            </a:extLst>
+          </p:cNvPr>
+          <p:cNvSpPr txBox="1"/>
+          <p:nvPr/>
+        </p:nvSpPr>
+        <p:spPr>
+          <a:xfrm>
+            <a:off x="9614915" y="3290980"/>
+            <a:ext cx="2323970" cy="369332"/>
+          </a:xfrm>
+          <a:prstGeom prst="rect">
+            <a:avLst/>
+          </a:prstGeom>
+          <a:noFill/>
+        </p:spPr>
+        <p:txBody>
+          <a:bodyPr wrap="none" rtlCol="0">
+            <a:spAutoFit/>
+          </a:bodyPr>
+          <a:lstStyle/>
+          <a:p>
+            <a:r>
+              <a:rPr lang="en-US" dirty="0"/>
+              <a:t>-&gt;</a:t>
+            </a:r>
+            <a:r>
+              <a:rPr lang="en-US" dirty="0" err="1"/>
+              <a:t>getValue</a:t>
+            </a:r>
+            <a:r>
+              <a:rPr lang="en-US" dirty="0"/>
+              <a:t>(this-&gt;pos)</a:t>
+            </a:r>
+          </a:p>
+        </p:txBody>
+      </p:sp>
+      <p:cxnSp>
+        <p:nvCxnSpPr>
+          <p:cNvPr id="13" name="Straight Arrow Connector 12">
+            <a:extLst>
+              <a:ext uri="{FF2B5EF4-FFF2-40B4-BE49-F238E27FC236}">
+                <a16:creationId xmlns:a16="http://schemas.microsoft.com/office/drawing/2014/main" id="{F61DAB35-4F8A-B0B0-6B13-940EDD7ACD81}"/>
+              </a:ext>
+            </a:extLst>
+          </p:cNvPr>
+          <p:cNvCxnSpPr>
+            <a:cxnSpLocks/>
+            <a:endCxn id="6" idx="1"/>
+          </p:cNvCxnSpPr>
+          <p:nvPr/>
+        </p:nvCxnSpPr>
+        <p:spPr>
+          <a:xfrm>
+            <a:off x="7004304" y="2481024"/>
+            <a:ext cx="480060" cy="901112"/>
+          </a:xfrm>
+          <a:prstGeom prst="straightConnector1">
+            <a:avLst/>
+          </a:prstGeom>
+          <a:ln>
+            <a:tailEnd type="triangle"/>
+          </a:ln>
+        </p:spPr>
+        <p:style>
+          <a:lnRef idx="2">
+            <a:schemeClr val="accent1"/>
+          </a:lnRef>
+          <a:fillRef idx="0">
+            <a:schemeClr val="accent1"/>
+          </a:fillRef>
+          <a:effectRef idx="1">
+            <a:schemeClr val="accent1"/>
+          </a:effectRef>
+          <a:fontRef idx="minor">
+            <a:schemeClr val="tx1"/>
+          </a:fontRef>
+        </p:style>
+      </p:cxnSp>
+      <p:cxnSp>
+        <p:nvCxnSpPr>
+          <p:cNvPr id="15" name="Straight Arrow Connector 14">
+            <a:extLst>
+              <a:ext uri="{FF2B5EF4-FFF2-40B4-BE49-F238E27FC236}">
+                <a16:creationId xmlns:a16="http://schemas.microsoft.com/office/drawing/2014/main" id="{0E9FF257-CF18-2781-636E-5A550F0C971A}"/>
+              </a:ext>
+            </a:extLst>
+          </p:cNvPr>
+          <p:cNvCxnSpPr>
+            <a:cxnSpLocks/>
+            <a:endCxn id="7" idx="1"/>
+          </p:cNvCxnSpPr>
+          <p:nvPr/>
+        </p:nvCxnSpPr>
+        <p:spPr>
+          <a:xfrm flipV="1">
+            <a:off x="7004304" y="1851088"/>
+            <a:ext cx="480060" cy="629936"/>
+          </a:xfrm>
+          <a:prstGeom prst="straightConnector1">
+            <a:avLst/>
+          </a:prstGeom>
+          <a:ln>
+            <a:tailEnd type="triangle"/>
+          </a:ln>
+        </p:spPr>
+        <p:style>
+          <a:lnRef idx="2">
+            <a:schemeClr val="accent1"/>
+          </a:lnRef>
+          <a:fillRef idx="0">
+            <a:schemeClr val="accent1"/>
+          </a:fillRef>
+          <a:effectRef idx="1">
+            <a:schemeClr val="accent1"/>
+          </a:effectRef>
+          <a:fontRef idx="minor">
+            <a:schemeClr val="tx1"/>
+          </a:fontRef>
+        </p:style>
+      </p:cxnSp>
+      <p:sp>
+        <p:nvSpPr>
+          <p:cNvPr id="18" name="TextBox 17">
+            <a:extLst>
+              <a:ext uri="{FF2B5EF4-FFF2-40B4-BE49-F238E27FC236}">
+                <a16:creationId xmlns:a16="http://schemas.microsoft.com/office/drawing/2014/main" id="{8F9F99D9-523D-C3CC-49F2-CAFD9F901AC6}"/>
+              </a:ext>
+            </a:extLst>
+          </p:cNvPr>
+          <p:cNvSpPr txBox="1"/>
+          <p:nvPr/>
+        </p:nvSpPr>
+        <p:spPr>
+          <a:xfrm>
+            <a:off x="5975604" y="1904273"/>
+            <a:ext cx="1357884" cy="646331"/>
+          </a:xfrm>
+          <a:prstGeom prst="rect">
+            <a:avLst/>
+          </a:prstGeom>
+          <a:noFill/>
+        </p:spPr>
+        <p:txBody>
+          <a:bodyPr wrap="square" rtlCol="0">
+            <a:spAutoFit/>
+          </a:bodyPr>
+          <a:lstStyle/>
+          <a:p>
+            <a:r>
+              <a:rPr lang="en-US" dirty="0"/>
+              <a:t>1 of those = REQUIRED</a:t>
+            </a:r>
+          </a:p>
+        </p:txBody>
+      </p:sp>
+      <p:sp>
+        <p:nvSpPr>
+          <p:cNvPr id="19" name="Rectangle 18">
+            <a:extLst>
+              <a:ext uri="{FF2B5EF4-FFF2-40B4-BE49-F238E27FC236}">
+                <a16:creationId xmlns:a16="http://schemas.microsoft.com/office/drawing/2014/main" id="{B6DD332F-4DC8-81EA-1DA9-C5C5ABC25786}"/>
+              </a:ext>
+            </a:extLst>
+          </p:cNvPr>
+          <p:cNvSpPr/>
+          <p:nvPr/>
+        </p:nvSpPr>
+        <p:spPr>
+          <a:xfrm>
+            <a:off x="9464040" y="539496"/>
+            <a:ext cx="1476754" cy="438912"/>
+          </a:xfrm>
+          <a:prstGeom prst="rect">
+            <a:avLst/>
+          </a:prstGeom>
+        </p:spPr>
+        <p:style>
+          <a:lnRef idx="2">
+            <a:schemeClr val="accent1">
+              <a:shade val="15000"/>
+            </a:schemeClr>
+          </a:lnRef>
+          <a:fillRef idx="1">
+            <a:schemeClr val="accent1"/>
+          </a:fillRef>
+          <a:effectRef idx="0">
+            <a:schemeClr val="accent1"/>
+          </a:effectRef>
+          <a:fontRef idx="minor">
+            <a:schemeClr val="lt1"/>
+          </a:fontRef>
+        </p:style>
+        <p:txBody>
+          <a:bodyPr rtlCol="0" anchor="ctr"/>
+          <a:lstStyle/>
+          <a:p>
+            <a:pPr algn="ctr"/>
+            <a:r>
+              <a:rPr lang="en-US" dirty="0" err="1"/>
+              <a:t>solidBrush</a:t>
+            </a:r>
+            <a:endParaRPr lang="en-US" dirty="0"/>
+          </a:p>
+        </p:txBody>
+      </p:sp>
+      <p:sp>
+        <p:nvSpPr>
+          <p:cNvPr id="20" name="Rectangle 19">
+            <a:extLst>
+              <a:ext uri="{FF2B5EF4-FFF2-40B4-BE49-F238E27FC236}">
+                <a16:creationId xmlns:a16="http://schemas.microsoft.com/office/drawing/2014/main" id="{E4D87F87-BFEC-2EF8-A592-BDE64883464F}"/>
+              </a:ext>
+            </a:extLst>
+          </p:cNvPr>
+          <p:cNvSpPr/>
+          <p:nvPr/>
+        </p:nvSpPr>
+        <p:spPr>
+          <a:xfrm>
+            <a:off x="9765790" y="1591735"/>
+            <a:ext cx="3063242" cy="438912"/>
+          </a:xfrm>
+          <a:prstGeom prst="rect">
+            <a:avLst/>
+          </a:prstGeom>
+          <a:solidFill>
+            <a:schemeClr val="accent2"/>
+          </a:solidFill>
+          <a:ln>
+            <a:noFill/>
+          </a:ln>
+        </p:spPr>
+        <p:style>
+          <a:lnRef idx="2">
+            <a:schemeClr val="accent1">
+              <a:shade val="15000"/>
+            </a:schemeClr>
+          </a:lnRef>
+          <a:fillRef idx="1">
+            <a:schemeClr val="accent1"/>
+          </a:fillRef>
+          <a:effectRef idx="0">
+            <a:schemeClr val="accent1"/>
+          </a:effectRef>
+          <a:fontRef idx="minor">
+            <a:schemeClr val="lt1"/>
+          </a:fontRef>
+        </p:style>
+        <p:txBody>
+          <a:bodyPr rtlCol="0" anchor="ctr"/>
+          <a:lstStyle/>
+          <a:p>
+            <a:pPr algn="ctr"/>
+            <a:r>
+              <a:rPr lang="en-US" dirty="0" err="1"/>
+              <a:t>getValue</a:t>
+            </a:r>
+            <a:r>
+              <a:rPr lang="en-US" dirty="0"/>
+              <a:t>(useless argument)</a:t>
+            </a:r>
+          </a:p>
+        </p:txBody>
+      </p:sp>
+      <p:sp>
+        <p:nvSpPr>
+          <p:cNvPr id="21" name="Rectangle 20">
+            <a:extLst>
+              <a:ext uri="{FF2B5EF4-FFF2-40B4-BE49-F238E27FC236}">
+                <a16:creationId xmlns:a16="http://schemas.microsoft.com/office/drawing/2014/main" id="{C26EF176-49A7-84FD-CCF1-7AD3571C0A92}"/>
+              </a:ext>
+            </a:extLst>
+          </p:cNvPr>
+          <p:cNvSpPr/>
+          <p:nvPr/>
+        </p:nvSpPr>
+        <p:spPr>
+          <a:xfrm>
+            <a:off x="8055864" y="-73831"/>
+            <a:ext cx="1677924" cy="914400"/>
+          </a:xfrm>
+          <a:prstGeom prst="rect">
+            <a:avLst/>
+          </a:prstGeom>
+          <a:solidFill>
+            <a:srgbClr val="FF0000"/>
+          </a:solidFill>
+        </p:spPr>
+        <p:style>
+          <a:lnRef idx="2">
+            <a:schemeClr val="accent1">
+              <a:shade val="15000"/>
+            </a:schemeClr>
+          </a:lnRef>
+          <a:fillRef idx="1">
+            <a:schemeClr val="accent1"/>
+          </a:fillRef>
+          <a:effectRef idx="0">
+            <a:schemeClr val="accent1"/>
+          </a:effectRef>
+          <a:fontRef idx="minor">
+            <a:schemeClr val="lt1"/>
+          </a:fontRef>
+        </p:style>
+        <p:txBody>
+          <a:bodyPr rtlCol="0" anchor="ctr"/>
+          <a:lstStyle/>
+          <a:p>
+            <a:pPr algn="ctr"/>
+            <a:r>
+              <a:rPr lang="en-US" dirty="0"/>
+              <a:t>Makes it non-const!</a:t>
+            </a:r>
+          </a:p>
+        </p:txBody>
+      </p:sp>
+      <p:cxnSp>
+        <p:nvCxnSpPr>
+          <p:cNvPr id="22" name="Straight Arrow Connector 21">
+            <a:extLst>
+              <a:ext uri="{FF2B5EF4-FFF2-40B4-BE49-F238E27FC236}">
+                <a16:creationId xmlns:a16="http://schemas.microsoft.com/office/drawing/2014/main" id="{4ADA1C74-82A4-145D-A71C-F1E5E111EEB6}"/>
+              </a:ext>
+            </a:extLst>
+          </p:cNvPr>
+          <p:cNvCxnSpPr>
+            <a:cxnSpLocks/>
+            <a:stCxn id="21" idx="2"/>
+            <a:endCxn id="4" idx="0"/>
+          </p:cNvCxnSpPr>
+          <p:nvPr/>
+        </p:nvCxnSpPr>
+        <p:spPr>
+          <a:xfrm flipH="1">
+            <a:off x="8055864" y="840569"/>
+            <a:ext cx="838962" cy="220135"/>
+          </a:xfrm>
+          <a:prstGeom prst="straightConnector1">
+            <a:avLst/>
+          </a:prstGeom>
+          <a:ln>
+            <a:tailEnd type="triangle"/>
+          </a:ln>
+        </p:spPr>
+        <p:style>
+          <a:lnRef idx="2">
+            <a:schemeClr val="accent1"/>
+          </a:lnRef>
+          <a:fillRef idx="0">
+            <a:schemeClr val="accent1"/>
+          </a:fillRef>
+          <a:effectRef idx="1">
+            <a:schemeClr val="accent1"/>
+          </a:effectRef>
+          <a:fontRef idx="minor">
+            <a:schemeClr val="tx1"/>
+          </a:fontRef>
+        </p:style>
+      </p:cxnSp>
+      <p:sp>
+        <p:nvSpPr>
+          <p:cNvPr id="25" name="TextBox 24">
+            <a:extLst>
+              <a:ext uri="{FF2B5EF4-FFF2-40B4-BE49-F238E27FC236}">
+                <a16:creationId xmlns:a16="http://schemas.microsoft.com/office/drawing/2014/main" id="{688BBDF3-7876-9EC8-DD24-D952F69824CE}"/>
+              </a:ext>
+            </a:extLst>
+          </p:cNvPr>
+          <p:cNvSpPr txBox="1"/>
+          <p:nvPr/>
+        </p:nvSpPr>
+        <p:spPr>
+          <a:xfrm>
+            <a:off x="6654546" y="3821727"/>
+            <a:ext cx="4949190" cy="2585323"/>
+          </a:xfrm>
+          <a:prstGeom prst="rect">
+            <a:avLst/>
+          </a:prstGeom>
+          <a:noFill/>
+        </p:spPr>
+        <p:txBody>
+          <a:bodyPr wrap="square" rtlCol="0">
+            <a:spAutoFit/>
+          </a:bodyPr>
+          <a:lstStyle/>
+          <a:p>
+            <a:pPr marL="285750" indent="-285750">
+              <a:buFontTx/>
+              <a:buChar char="-"/>
+            </a:pPr>
+            <a:r>
+              <a:rPr lang="en-US" dirty="0"/>
+              <a:t>Brush should not be modified</a:t>
+            </a:r>
+          </a:p>
+          <a:p>
+            <a:pPr marL="285750" indent="-285750">
+              <a:buFontTx/>
+              <a:buChar char="-"/>
+            </a:pPr>
+            <a:r>
+              <a:rPr lang="en-US" dirty="0"/>
+              <a:t>Brush should be able to not have a position</a:t>
+            </a:r>
+          </a:p>
+          <a:p>
+            <a:pPr marL="285750" indent="-285750">
+              <a:buFontTx/>
+              <a:buChar char="-"/>
+            </a:pPr>
+            <a:r>
+              <a:rPr lang="en-US" dirty="0"/>
+              <a:t>Anything which has </a:t>
+            </a:r>
+            <a:r>
+              <a:rPr lang="en-US" dirty="0" err="1"/>
+              <a:t>getValue</a:t>
+            </a:r>
+            <a:r>
+              <a:rPr lang="en-US" dirty="0"/>
+              <a:t>(pos) implemented is a brush</a:t>
+            </a:r>
+          </a:p>
+          <a:p>
+            <a:pPr marL="285750" indent="-285750">
+              <a:buFontTx/>
+              <a:buChar char="-"/>
+            </a:pPr>
+            <a:r>
+              <a:rPr lang="en-US" dirty="0"/>
+              <a:t>The logic of a brush should be in one place. So either the brush supports iterating, or the brush just supports </a:t>
+            </a:r>
+            <a:r>
+              <a:rPr lang="en-US" dirty="0" err="1"/>
+              <a:t>getValue</a:t>
+            </a:r>
+            <a:r>
+              <a:rPr lang="en-US" dirty="0"/>
+              <a:t>(pos).</a:t>
+            </a:r>
+          </a:p>
+          <a:p>
+            <a:pPr marL="285750" indent="-285750">
+              <a:buFontTx/>
+              <a:buChar char="-"/>
+            </a:pPr>
+            <a:r>
+              <a:rPr lang="en-US" dirty="0"/>
+              <a:t>On each brush, we should be able to do </a:t>
+            </a:r>
+            <a:r>
+              <a:rPr lang="en-US" dirty="0" err="1"/>
+              <a:t>getValue</a:t>
+            </a:r>
+            <a:r>
+              <a:rPr lang="en-US" dirty="0"/>
+              <a:t>(pos), </a:t>
+            </a:r>
+            <a:r>
+              <a:rPr lang="en-US" dirty="0" err="1"/>
+              <a:t>setPosition</a:t>
+            </a:r>
+            <a:r>
+              <a:rPr lang="en-US" dirty="0"/>
+              <a:t>, ++ and *.</a:t>
+            </a:r>
+          </a:p>
+        </p:txBody>
+      </p:sp>
+      <p:sp>
+        <p:nvSpPr>
+          <p:cNvPr id="26" name="TextBox 25">
+            <a:extLst>
+              <a:ext uri="{FF2B5EF4-FFF2-40B4-BE49-F238E27FC236}">
+                <a16:creationId xmlns:a16="http://schemas.microsoft.com/office/drawing/2014/main" id="{F751C197-8DAD-AFAD-0F1E-C26255A4D0D2}"/>
+              </a:ext>
+            </a:extLst>
+          </p:cNvPr>
+          <p:cNvSpPr txBox="1"/>
+          <p:nvPr/>
+        </p:nvSpPr>
+        <p:spPr>
+          <a:xfrm>
+            <a:off x="649224" y="5458968"/>
+            <a:ext cx="5557675" cy="369332"/>
+          </a:xfrm>
+          <a:prstGeom prst="rect">
+            <a:avLst/>
+          </a:prstGeom>
+          <a:solidFill>
+            <a:srgbClr val="FF0000"/>
+          </a:solidFill>
+        </p:spPr>
+        <p:txBody>
+          <a:bodyPr wrap="none" rtlCol="0">
+            <a:spAutoFit/>
+          </a:bodyPr>
+          <a:lstStyle/>
+          <a:p>
+            <a:r>
+              <a:rPr lang="en-US" dirty="0" err="1"/>
+              <a:t>getIterator</a:t>
+            </a:r>
+            <a:r>
+              <a:rPr lang="en-US" dirty="0"/>
+              <a:t>() -&gt; automatically called if lacking </a:t>
+            </a:r>
+            <a:r>
+              <a:rPr lang="en-US" dirty="0" err="1"/>
+              <a:t>getValue</a:t>
+            </a:r>
+            <a:r>
+              <a:rPr lang="en-US" dirty="0"/>
+              <a:t> </a:t>
+            </a:r>
+          </a:p>
+        </p:txBody>
+      </p:sp>
+    </p:spTree>
+    <p:extLst>
+      <p:ext uri="{BB962C8B-B14F-4D97-AF65-F5344CB8AC3E}">
+        <p14:creationId xmlns:p14="http://schemas.microsoft.com/office/powerpoint/2010/main" val="3649355078"/>
+      </p:ext>
+    </p:extLst>
+  </p:cSld>
+  <p:clrMapOvr>
+    <a:masterClrMapping/>
+  </p:clrMapOvr>
+</p:sld>
+</file>
+
+<file path=ppt/slides/slide4.xml><?xml version="1.0" encoding="utf-8"?>
+<p:sld xmlns:a="http://schemas.openxmlformats.org/drawingml/2006/main" xmlns:r="http://schemas.openxmlformats.org/officeDocument/2006/relationships" xmlns:p="http://schemas.openxmlformats.org/presentationml/2006/main">
+  <p:cSld>
+    <p:spTree>
+      <p:nvGrpSpPr>
+        <p:cNvPr id="1" name=""/>
+        <p:cNvGrpSpPr/>
+        <p:nvPr/>
+      </p:nvGrpSpPr>
+      <p:grpSpPr>
+        <a:xfrm>
+          <a:off x="0" y="0"/>
+          <a:ext cx="0" cy="0"/>
+          <a:chOff x="0" y="0"/>
+          <a:chExt cx="0" cy="0"/>
+        </a:xfrm>
+      </p:grpSpPr>
+      <p:sp>
+        <p:nvSpPr>
+          <p:cNvPr id="2" name="Title 1">
+            <a:extLst>
+              <a:ext uri="{FF2B5EF4-FFF2-40B4-BE49-F238E27FC236}">
+                <a16:creationId xmlns:a16="http://schemas.microsoft.com/office/drawing/2014/main" id="{7BE2F242-8A8F-638E-E819-1C03E10B44E4}"/>
+              </a:ext>
+            </a:extLst>
+          </p:cNvPr>
+          <p:cNvSpPr>
+            <a:spLocks noGrp="1"/>
+          </p:cNvSpPr>
+          <p:nvPr>
+            <p:ph type="title"/>
+          </p:nvPr>
+        </p:nvSpPr>
+        <p:spPr/>
+        <p:txBody>
+          <a:bodyPr/>
+          <a:lstStyle/>
+          <a:p>
+            <a:r>
+              <a:rPr lang="en-US" dirty="0"/>
+              <a:t>Order independent transparency</a:t>
+            </a:r>
+          </a:p>
+        </p:txBody>
+      </p:sp>
+      <p:sp>
+        <p:nvSpPr>
+          <p:cNvPr id="3" name="Content Placeholder 2">
+            <a:extLst>
+              <a:ext uri="{FF2B5EF4-FFF2-40B4-BE49-F238E27FC236}">
+                <a16:creationId xmlns:a16="http://schemas.microsoft.com/office/drawing/2014/main" id="{A517B739-0028-ACEC-EC70-B693F0A2AEEF}"/>
+              </a:ext>
+            </a:extLst>
+          </p:cNvPr>
+          <p:cNvSpPr>
+            <a:spLocks noGrp="1"/>
+          </p:cNvSpPr>
+          <p:nvPr>
+            <p:ph idx="1"/>
+          </p:nvPr>
+        </p:nvSpPr>
+        <p:spPr/>
+        <p:txBody>
+          <a:bodyPr>
+            <a:normAutofit fontScale="92500" lnSpcReduction="20000"/>
+          </a:bodyPr>
+          <a:lstStyle/>
+          <a:p>
+            <a:pPr marL="0" indent="0">
+              <a:buNone/>
+            </a:pPr>
+            <a:r>
+              <a:rPr lang="en-US" dirty="0"/>
+              <a:t>Alpha to coverage</a:t>
+            </a:r>
+          </a:p>
+          <a:p>
+            <a:pPr marL="0" indent="0">
+              <a:buNone/>
+            </a:pPr>
+            <a:r>
+              <a:rPr lang="en-US" dirty="0"/>
+              <a:t>Each pixel has a chance, depending on the hash of it’s color and the pixel position, to be solid.</a:t>
+            </a:r>
+          </a:p>
+          <a:p>
+            <a:pPr marL="0" indent="0">
+              <a:buNone/>
+            </a:pPr>
+            <a:r>
+              <a:rPr lang="en-US" dirty="0"/>
+              <a:t>Using lists is very slow. Since we have multiple threads writing to and reading from every pixel, we would need mutexes.</a:t>
+            </a:r>
+          </a:p>
+          <a:p>
+            <a:pPr marL="0" indent="0">
+              <a:buNone/>
+            </a:pPr>
+            <a:endParaRPr lang="en-US" dirty="0"/>
+          </a:p>
+          <a:p>
+            <a:pPr marL="0" indent="0">
+              <a:buNone/>
+            </a:pPr>
+            <a:r>
+              <a:rPr lang="en-US" dirty="0"/>
+              <a:t>Alpha to coverage is fast, but only if you don’t </a:t>
+            </a:r>
+            <a:r>
+              <a:rPr lang="en-US" dirty="0" err="1"/>
+              <a:t>upsample</a:t>
+            </a:r>
+            <a:r>
+              <a:rPr lang="en-US" dirty="0"/>
+              <a:t>, which is needed to produce a good result.</a:t>
+            </a:r>
+          </a:p>
+          <a:p>
+            <a:pPr marL="0" indent="0">
+              <a:buNone/>
+            </a:pPr>
+            <a:endParaRPr lang="en-US" dirty="0"/>
+          </a:p>
+          <a:p>
+            <a:pPr marL="0" indent="0">
+              <a:buNone/>
+            </a:pPr>
+            <a:r>
+              <a:rPr lang="en-US" dirty="0"/>
+              <a:t>To achieve order independent transparency, multiply the alpha values by </a:t>
+            </a:r>
+            <a:r>
+              <a:rPr lang="en-US"/>
+              <a:t>the amount of coverage.</a:t>
+            </a:r>
+            <a:endParaRPr lang="en-US" dirty="0"/>
+          </a:p>
+        </p:txBody>
+      </p:sp>
+    </p:spTree>
+    <p:extLst>
+      <p:ext uri="{BB962C8B-B14F-4D97-AF65-F5344CB8AC3E}">
+        <p14:creationId xmlns:p14="http://schemas.microsoft.com/office/powerpoint/2010/main" val="962407012"/>
+      </p:ext>
+    </p:extLst>
+  </p:cSld>
+  <p:clrMapOvr>
+    <a:masterClrMapping/>
+  </p:clrMapOvr>
+</p:sld>
+</file>
+
+<file path=ppt/slides/slide5.xml><?xml version="1.0" encoding="utf-8"?>
+<p:sld xmlns:a="http://schemas.openxmlformats.org/drawingml/2006/main" xmlns:r="http://schemas.openxmlformats.org/officeDocument/2006/relationships" xmlns:p="http://schemas.openxmlformats.org/presentationml/2006/main">
+  <p:cSld>
+    <p:spTree>
+      <p:nvGrpSpPr>
+        <p:cNvPr id="1" name=""/>
+        <p:cNvGrpSpPr/>
+        <p:nvPr/>
+      </p:nvGrpSpPr>
+      <p:grpSpPr>
+        <a:xfrm>
+          <a:off x="0" y="0"/>
+          <a:ext cx="0" cy="0"/>
+          <a:chOff x="0" y="0"/>
+          <a:chExt cx="0" cy="0"/>
+        </a:xfrm>
+      </p:grpSpPr>
+      <p:sp>
+        <p:nvSpPr>
+          <p:cNvPr id="4" name="Oval 3">
+            <a:extLst>
+              <a:ext uri="{FF2B5EF4-FFF2-40B4-BE49-F238E27FC236}">
+                <a16:creationId xmlns:a16="http://schemas.microsoft.com/office/drawing/2014/main" id="{781B9901-6505-42DC-5098-0A9F6D44C4F9}"/>
+              </a:ext>
+            </a:extLst>
+          </p:cNvPr>
+          <p:cNvSpPr/>
+          <p:nvPr/>
+        </p:nvSpPr>
+        <p:spPr>
+          <a:xfrm>
+            <a:off x="590550" y="2847975"/>
+            <a:ext cx="1685925" cy="1685925"/>
+          </a:xfrm>
+          <a:prstGeom prst="ellipse">
+            <a:avLst/>
+          </a:prstGeom>
+        </p:spPr>
+        <p:style>
+          <a:lnRef idx="2">
+            <a:schemeClr val="accent1">
+              <a:shade val="15000"/>
+            </a:schemeClr>
+          </a:lnRef>
+          <a:fillRef idx="1">
+            <a:schemeClr val="accent1"/>
+          </a:fillRef>
+          <a:effectRef idx="0">
+            <a:schemeClr val="accent1"/>
+          </a:effectRef>
+          <a:fontRef idx="minor">
+            <a:schemeClr val="lt1"/>
+          </a:fontRef>
+        </p:style>
+        <p:txBody>
+          <a:bodyPr rtlCol="0" anchor="ctr"/>
+          <a:lstStyle/>
+          <a:p>
+            <a:pPr algn="ctr"/>
+            <a:endParaRPr lang="en-US"/>
+          </a:p>
+        </p:txBody>
+      </p:sp>
+      <p:sp>
+        <p:nvSpPr>
+          <p:cNvPr id="5" name="Oval 4">
+            <a:extLst>
+              <a:ext uri="{FF2B5EF4-FFF2-40B4-BE49-F238E27FC236}">
+                <a16:creationId xmlns:a16="http://schemas.microsoft.com/office/drawing/2014/main" id="{36441832-56A1-B3CA-C3CB-1CF820579F56}"/>
+              </a:ext>
+            </a:extLst>
+          </p:cNvPr>
+          <p:cNvSpPr/>
+          <p:nvPr/>
+        </p:nvSpPr>
+        <p:spPr>
+          <a:xfrm>
+            <a:off x="2276475" y="2847975"/>
+            <a:ext cx="1685925" cy="1685925"/>
+          </a:xfrm>
+          <a:prstGeom prst="ellipse">
+            <a:avLst/>
+          </a:prstGeom>
+        </p:spPr>
+        <p:style>
+          <a:lnRef idx="2">
+            <a:schemeClr val="accent1">
+              <a:shade val="15000"/>
+            </a:schemeClr>
+          </a:lnRef>
+          <a:fillRef idx="1">
+            <a:schemeClr val="accent1"/>
+          </a:fillRef>
+          <a:effectRef idx="0">
+            <a:schemeClr val="accent1"/>
+          </a:effectRef>
+          <a:fontRef idx="minor">
+            <a:schemeClr val="lt1"/>
+          </a:fontRef>
+        </p:style>
+        <p:txBody>
+          <a:bodyPr rtlCol="0" anchor="ctr"/>
+          <a:lstStyle/>
+          <a:p>
+            <a:pPr algn="ctr"/>
+            <a:endParaRPr lang="en-US"/>
+          </a:p>
+        </p:txBody>
+      </p:sp>
+      <p:cxnSp>
+        <p:nvCxnSpPr>
+          <p:cNvPr id="7" name="Straight Connector 6">
+            <a:extLst>
+              <a:ext uri="{FF2B5EF4-FFF2-40B4-BE49-F238E27FC236}">
+                <a16:creationId xmlns:a16="http://schemas.microsoft.com/office/drawing/2014/main" id="{F9707E39-ABAB-5E18-B0AB-B49CEFB79085}"/>
+              </a:ext>
+            </a:extLst>
+          </p:cNvPr>
+          <p:cNvCxnSpPr/>
+          <p:nvPr/>
+        </p:nvCxnSpPr>
+        <p:spPr>
+          <a:xfrm>
+            <a:off x="1433512" y="3690937"/>
+            <a:ext cx="2147888" cy="0"/>
+          </a:xfrm>
+          <a:prstGeom prst="line">
+            <a:avLst/>
+          </a:prstGeom>
+          <a:ln>
+            <a:solidFill>
+              <a:schemeClr val="bg1"/>
+            </a:solidFill>
+          </a:ln>
+        </p:spPr>
+        <p:style>
+          <a:lnRef idx="2">
+            <a:schemeClr val="accent1"/>
+          </a:lnRef>
+          <a:fillRef idx="0">
+            <a:schemeClr val="accent1"/>
+          </a:fillRef>
+          <a:effectRef idx="1">
+            <a:schemeClr val="accent1"/>
+          </a:effectRef>
+          <a:fontRef idx="minor">
+            <a:schemeClr val="tx1"/>
+          </a:fontRef>
+        </p:style>
+      </p:cxnSp>
+      <p:sp>
+        <p:nvSpPr>
+          <p:cNvPr id="8" name="TextBox 7">
+            <a:extLst>
+              <a:ext uri="{FF2B5EF4-FFF2-40B4-BE49-F238E27FC236}">
+                <a16:creationId xmlns:a16="http://schemas.microsoft.com/office/drawing/2014/main" id="{828D36C6-8A8E-FB4E-60D0-62D3947586AD}"/>
+              </a:ext>
+            </a:extLst>
+          </p:cNvPr>
+          <p:cNvSpPr txBox="1"/>
+          <p:nvPr/>
+        </p:nvSpPr>
+        <p:spPr>
+          <a:xfrm>
+            <a:off x="2276475" y="3743086"/>
+            <a:ext cx="209550" cy="369332"/>
+          </a:xfrm>
+          <a:prstGeom prst="rect">
+            <a:avLst/>
+          </a:prstGeom>
+          <a:solidFill>
+            <a:schemeClr val="bg1"/>
+          </a:solidFill>
+          <a:ln>
+            <a:solidFill>
+              <a:schemeClr val="tx1"/>
+            </a:solidFill>
+          </a:ln>
+        </p:spPr>
+        <p:txBody>
+          <a:bodyPr wrap="square" rtlCol="0">
+            <a:spAutoFit/>
+          </a:bodyPr>
+          <a:lstStyle/>
+          <a:p>
+            <a:r>
+              <a:rPr lang="en-US" dirty="0"/>
+              <a:t>1</a:t>
+            </a:r>
+          </a:p>
+        </p:txBody>
+      </p:sp>
+      <p:sp>
+        <p:nvSpPr>
+          <p:cNvPr id="9" name="Oval 8">
+            <a:extLst>
+              <a:ext uri="{FF2B5EF4-FFF2-40B4-BE49-F238E27FC236}">
+                <a16:creationId xmlns:a16="http://schemas.microsoft.com/office/drawing/2014/main" id="{6C4F8CE2-D0DC-A8F7-A38D-7F7C0A03CA18}"/>
+              </a:ext>
+            </a:extLst>
+          </p:cNvPr>
+          <p:cNvSpPr/>
+          <p:nvPr/>
+        </p:nvSpPr>
+        <p:spPr>
+          <a:xfrm>
+            <a:off x="1476375" y="1398865"/>
+            <a:ext cx="1685925" cy="1685925"/>
+          </a:xfrm>
+          <a:prstGeom prst="ellipse">
+            <a:avLst/>
+          </a:prstGeom>
+        </p:spPr>
+        <p:style>
+          <a:lnRef idx="2">
+            <a:schemeClr val="accent1">
+              <a:shade val="15000"/>
+            </a:schemeClr>
+          </a:lnRef>
+          <a:fillRef idx="1">
+            <a:schemeClr val="accent1"/>
+          </a:fillRef>
+          <a:effectRef idx="0">
+            <a:schemeClr val="accent1"/>
+          </a:effectRef>
+          <a:fontRef idx="minor">
+            <a:schemeClr val="lt1"/>
+          </a:fontRef>
+        </p:style>
+        <p:txBody>
+          <a:bodyPr rtlCol="0" anchor="ctr"/>
+          <a:lstStyle/>
+          <a:p>
+            <a:pPr algn="ctr"/>
+            <a:endParaRPr lang="en-US"/>
+          </a:p>
+        </p:txBody>
+      </p:sp>
+      <p:cxnSp>
+        <p:nvCxnSpPr>
+          <p:cNvPr id="10" name="Straight Connector 9">
+            <a:extLst>
+              <a:ext uri="{FF2B5EF4-FFF2-40B4-BE49-F238E27FC236}">
+                <a16:creationId xmlns:a16="http://schemas.microsoft.com/office/drawing/2014/main" id="{079EFA1B-F52F-AC80-7F99-42D38D6599BF}"/>
+              </a:ext>
+            </a:extLst>
+          </p:cNvPr>
+          <p:cNvCxnSpPr>
+            <a:cxnSpLocks/>
+          </p:cNvCxnSpPr>
+          <p:nvPr/>
+        </p:nvCxnSpPr>
+        <p:spPr>
+          <a:xfrm>
+            <a:off x="2276475" y="2241827"/>
+            <a:ext cx="1304925" cy="1449110"/>
+          </a:xfrm>
+          <a:prstGeom prst="line">
+            <a:avLst/>
+          </a:prstGeom>
+          <a:ln>
+            <a:solidFill>
+              <a:schemeClr val="bg1"/>
+            </a:solidFill>
+          </a:ln>
+        </p:spPr>
+        <p:style>
+          <a:lnRef idx="2">
+            <a:schemeClr val="accent1"/>
+          </a:lnRef>
+          <a:fillRef idx="0">
+            <a:schemeClr val="accent1"/>
+          </a:fillRef>
+          <a:effectRef idx="1">
+            <a:schemeClr val="accent1"/>
+          </a:effectRef>
+          <a:fontRef idx="minor">
+            <a:schemeClr val="tx1"/>
+          </a:fontRef>
+        </p:style>
+      </p:cxnSp>
+      <p:cxnSp>
+        <p:nvCxnSpPr>
+          <p:cNvPr id="13" name="Straight Connector 12">
+            <a:extLst>
+              <a:ext uri="{FF2B5EF4-FFF2-40B4-BE49-F238E27FC236}">
+                <a16:creationId xmlns:a16="http://schemas.microsoft.com/office/drawing/2014/main" id="{8D2F2A09-2831-31C0-B539-1D4EEAD25DD4}"/>
+              </a:ext>
+            </a:extLst>
+          </p:cNvPr>
+          <p:cNvCxnSpPr>
+            <a:cxnSpLocks/>
+            <a:endCxn id="4" idx="6"/>
+          </p:cNvCxnSpPr>
+          <p:nvPr/>
+        </p:nvCxnSpPr>
+        <p:spPr>
+          <a:xfrm flipH="1">
+            <a:off x="2276475" y="2241826"/>
+            <a:ext cx="42862" cy="1449112"/>
+          </a:xfrm>
+          <a:prstGeom prst="line">
+            <a:avLst/>
+          </a:prstGeom>
+          <a:ln>
+            <a:solidFill>
+              <a:schemeClr val="bg1"/>
+            </a:solidFill>
+          </a:ln>
+        </p:spPr>
+        <p:style>
+          <a:lnRef idx="2">
+            <a:schemeClr val="accent1"/>
+          </a:lnRef>
+          <a:fillRef idx="0">
+            <a:schemeClr val="accent1"/>
+          </a:fillRef>
+          <a:effectRef idx="1">
+            <a:schemeClr val="accent1"/>
+          </a:effectRef>
+          <a:fontRef idx="minor">
+            <a:schemeClr val="tx1"/>
+          </a:fontRef>
+        </p:style>
+      </p:cxnSp>
+      <p:sp>
+        <p:nvSpPr>
+          <p:cNvPr id="16" name="TextBox 15">
+            <a:extLst>
+              <a:ext uri="{FF2B5EF4-FFF2-40B4-BE49-F238E27FC236}">
+                <a16:creationId xmlns:a16="http://schemas.microsoft.com/office/drawing/2014/main" id="{91B8AABB-ACCC-59AC-4028-00F14F67E099}"/>
+              </a:ext>
+            </a:extLst>
+          </p:cNvPr>
+          <p:cNvSpPr txBox="1"/>
+          <p:nvPr/>
+        </p:nvSpPr>
+        <p:spPr>
+          <a:xfrm>
+            <a:off x="2450305" y="3217306"/>
+            <a:ext cx="547689" cy="369332"/>
+          </a:xfrm>
+          <a:prstGeom prst="rect">
+            <a:avLst/>
+          </a:prstGeom>
+          <a:solidFill>
+            <a:schemeClr val="bg1"/>
+          </a:solidFill>
+          <a:ln>
+            <a:solidFill>
+              <a:schemeClr val="tx1"/>
+            </a:solidFill>
+          </a:ln>
+        </p:spPr>
+        <p:txBody>
+          <a:bodyPr wrap="square" rtlCol="0">
+            <a:spAutoFit/>
+          </a:bodyPr>
+          <a:lstStyle/>
+          <a:p>
+            <a:r>
+              <a:rPr lang="en-US" dirty="0"/>
+              <a:t>0.5</a:t>
+            </a:r>
+          </a:p>
+        </p:txBody>
+      </p:sp>
+      <p:sp>
+        <p:nvSpPr>
+          <p:cNvPr id="17" name="TextBox 16">
+            <a:extLst>
+              <a:ext uri="{FF2B5EF4-FFF2-40B4-BE49-F238E27FC236}">
+                <a16:creationId xmlns:a16="http://schemas.microsoft.com/office/drawing/2014/main" id="{7E9ECE4A-BBBA-F642-0285-BF8224314ECB}"/>
+              </a:ext>
+            </a:extLst>
+          </p:cNvPr>
+          <p:cNvSpPr txBox="1"/>
+          <p:nvPr/>
+        </p:nvSpPr>
+        <p:spPr>
+          <a:xfrm>
+            <a:off x="617935" y="2478643"/>
+            <a:ext cx="1554956" cy="369332"/>
+          </a:xfrm>
+          <a:prstGeom prst="rect">
+            <a:avLst/>
+          </a:prstGeom>
+          <a:solidFill>
+            <a:schemeClr val="bg1"/>
+          </a:solidFill>
+          <a:ln>
+            <a:solidFill>
+              <a:schemeClr val="tx1"/>
+            </a:solidFill>
+          </a:ln>
+        </p:spPr>
+        <p:txBody>
+          <a:bodyPr wrap="square" rtlCol="0">
+            <a:spAutoFit/>
+          </a:bodyPr>
+          <a:lstStyle/>
+          <a:p>
+            <a:r>
+              <a:rPr lang="en-US" dirty="0"/>
+              <a:t>Sqrt(0.75)</a:t>
+            </a:r>
+          </a:p>
+        </p:txBody>
+      </p:sp>
+      <p:sp>
+        <p:nvSpPr>
+          <p:cNvPr id="18" name="TextBox 17">
+            <a:extLst>
+              <a:ext uri="{FF2B5EF4-FFF2-40B4-BE49-F238E27FC236}">
+                <a16:creationId xmlns:a16="http://schemas.microsoft.com/office/drawing/2014/main" id="{8E66E845-26A9-B2BF-32A8-602A876D44F6}"/>
+              </a:ext>
+            </a:extLst>
+          </p:cNvPr>
+          <p:cNvSpPr txBox="1"/>
+          <p:nvPr/>
+        </p:nvSpPr>
+        <p:spPr>
+          <a:xfrm>
+            <a:off x="1066800" y="676275"/>
+            <a:ext cx="437940" cy="369332"/>
+          </a:xfrm>
+          <a:prstGeom prst="rect">
+            <a:avLst/>
+          </a:prstGeom>
+          <a:noFill/>
+        </p:spPr>
+        <p:txBody>
+          <a:bodyPr wrap="none" rtlCol="0">
+            <a:spAutoFit/>
+          </a:bodyPr>
+          <a:lstStyle/>
+          <a:p>
+            <a:r>
+              <a:rPr lang="en-US" dirty="0"/>
+              <a:t>2d</a:t>
+            </a:r>
+          </a:p>
+        </p:txBody>
+      </p:sp>
+      <p:sp>
+        <p:nvSpPr>
+          <p:cNvPr id="19" name="TextBox 18">
+            <a:extLst>
+              <a:ext uri="{FF2B5EF4-FFF2-40B4-BE49-F238E27FC236}">
+                <a16:creationId xmlns:a16="http://schemas.microsoft.com/office/drawing/2014/main" id="{B0086FFA-5B17-859B-1461-91D8878B0CB2}"/>
+              </a:ext>
+            </a:extLst>
+          </p:cNvPr>
+          <p:cNvSpPr txBox="1"/>
+          <p:nvPr/>
+        </p:nvSpPr>
+        <p:spPr>
+          <a:xfrm>
+            <a:off x="3995641" y="8034"/>
+            <a:ext cx="3572068" cy="1200329"/>
+          </a:xfrm>
+          <a:prstGeom prst="rect">
+            <a:avLst/>
+          </a:prstGeom>
+          <a:noFill/>
+        </p:spPr>
+        <p:txBody>
+          <a:bodyPr wrap="none" rtlCol="0">
+            <a:spAutoFit/>
+          </a:bodyPr>
+          <a:lstStyle/>
+          <a:p>
+            <a:r>
+              <a:rPr lang="en-US" dirty="0"/>
+              <a:t>3d (top view)</a:t>
+            </a:r>
+          </a:p>
+          <a:p>
+            <a:r>
+              <a:rPr lang="en-US" dirty="0"/>
+              <a:t>Average position</a:t>
+            </a:r>
+          </a:p>
+          <a:p>
+            <a:r>
+              <a:rPr lang="en-US" dirty="0"/>
+              <a:t>X: 0 + 0.5 + 1 = 1.5 / 3 = 0.5</a:t>
+            </a:r>
+          </a:p>
+          <a:p>
+            <a:r>
+              <a:rPr lang="en-US" dirty="0"/>
+              <a:t>Y: 0 + 0 + sqrt(0.75) = sqrt(0.75) / 3</a:t>
+            </a:r>
+          </a:p>
+        </p:txBody>
+      </p:sp>
+      <p:sp>
+        <p:nvSpPr>
+          <p:cNvPr id="21" name="Oval 20">
+            <a:extLst>
+              <a:ext uri="{FF2B5EF4-FFF2-40B4-BE49-F238E27FC236}">
+                <a16:creationId xmlns:a16="http://schemas.microsoft.com/office/drawing/2014/main" id="{BA067AD0-7A5D-ECD0-9597-E44FD384DC7F}"/>
+              </a:ext>
+            </a:extLst>
+          </p:cNvPr>
+          <p:cNvSpPr/>
+          <p:nvPr/>
+        </p:nvSpPr>
+        <p:spPr>
+          <a:xfrm>
+            <a:off x="4033837" y="2657474"/>
+            <a:ext cx="1685925" cy="1685925"/>
+          </a:xfrm>
+          <a:prstGeom prst="ellipse">
+            <a:avLst/>
+          </a:prstGeom>
+        </p:spPr>
+        <p:style>
+          <a:lnRef idx="2">
+            <a:schemeClr val="accent1">
+              <a:shade val="15000"/>
+            </a:schemeClr>
+          </a:lnRef>
+          <a:fillRef idx="1">
+            <a:schemeClr val="accent1"/>
+          </a:fillRef>
+          <a:effectRef idx="0">
+            <a:schemeClr val="accent1"/>
+          </a:effectRef>
+          <a:fontRef idx="minor">
+            <a:schemeClr val="lt1"/>
+          </a:fontRef>
+        </p:style>
+        <p:txBody>
+          <a:bodyPr rtlCol="0" anchor="ctr"/>
+          <a:lstStyle/>
+          <a:p>
+            <a:pPr algn="ctr"/>
+            <a:endParaRPr lang="en-US"/>
+          </a:p>
+        </p:txBody>
+      </p:sp>
+      <p:sp>
+        <p:nvSpPr>
+          <p:cNvPr id="22" name="Oval 21">
+            <a:extLst>
+              <a:ext uri="{FF2B5EF4-FFF2-40B4-BE49-F238E27FC236}">
+                <a16:creationId xmlns:a16="http://schemas.microsoft.com/office/drawing/2014/main" id="{3251084C-FB33-B642-FA01-086176739963}"/>
+              </a:ext>
+            </a:extLst>
+          </p:cNvPr>
+          <p:cNvSpPr/>
+          <p:nvPr/>
+        </p:nvSpPr>
+        <p:spPr>
+          <a:xfrm>
+            <a:off x="5824537" y="2679383"/>
+            <a:ext cx="1685925" cy="1685925"/>
+          </a:xfrm>
+          <a:prstGeom prst="ellipse">
+            <a:avLst/>
+          </a:prstGeom>
+        </p:spPr>
+        <p:style>
+          <a:lnRef idx="2">
+            <a:schemeClr val="accent1">
+              <a:shade val="15000"/>
+            </a:schemeClr>
+          </a:lnRef>
+          <a:fillRef idx="1">
+            <a:schemeClr val="accent1"/>
+          </a:fillRef>
+          <a:effectRef idx="0">
+            <a:schemeClr val="accent1"/>
+          </a:effectRef>
+          <a:fontRef idx="minor">
+            <a:schemeClr val="lt1"/>
+          </a:fontRef>
+        </p:style>
+        <p:txBody>
+          <a:bodyPr rtlCol="0" anchor="ctr"/>
+          <a:lstStyle/>
+          <a:p>
+            <a:pPr algn="ctr"/>
+            <a:endParaRPr lang="en-US"/>
+          </a:p>
+        </p:txBody>
+      </p:sp>
+      <p:sp>
+        <p:nvSpPr>
+          <p:cNvPr id="25" name="Oval 24">
+            <a:extLst>
+              <a:ext uri="{FF2B5EF4-FFF2-40B4-BE49-F238E27FC236}">
+                <a16:creationId xmlns:a16="http://schemas.microsoft.com/office/drawing/2014/main" id="{20711D69-DADC-E850-F533-991CC5AF259A}"/>
+              </a:ext>
+            </a:extLst>
+          </p:cNvPr>
+          <p:cNvSpPr/>
+          <p:nvPr/>
+        </p:nvSpPr>
+        <p:spPr>
+          <a:xfrm>
+            <a:off x="4848225" y="1280457"/>
+            <a:ext cx="1685925" cy="1685925"/>
+          </a:xfrm>
+          <a:prstGeom prst="ellipse">
+            <a:avLst/>
+          </a:prstGeom>
+        </p:spPr>
+        <p:style>
+          <a:lnRef idx="2">
+            <a:schemeClr val="accent1">
+              <a:shade val="15000"/>
+            </a:schemeClr>
+          </a:lnRef>
+          <a:fillRef idx="1">
+            <a:schemeClr val="accent1"/>
+          </a:fillRef>
+          <a:effectRef idx="0">
+            <a:schemeClr val="accent1"/>
+          </a:effectRef>
+          <a:fontRef idx="minor">
+            <a:schemeClr val="lt1"/>
+          </a:fontRef>
+        </p:style>
+        <p:txBody>
+          <a:bodyPr rtlCol="0" anchor="ctr"/>
+          <a:lstStyle/>
+          <a:p>
+            <a:pPr algn="ctr"/>
+            <a:endParaRPr lang="en-US"/>
+          </a:p>
+        </p:txBody>
+      </p:sp>
+      <p:sp>
+        <p:nvSpPr>
+          <p:cNvPr id="28" name="TextBox 27">
+            <a:extLst>
+              <a:ext uri="{FF2B5EF4-FFF2-40B4-BE49-F238E27FC236}">
+                <a16:creationId xmlns:a16="http://schemas.microsoft.com/office/drawing/2014/main" id="{AAF22F88-D5F3-FC36-E1F4-68E86F5578D6}"/>
+              </a:ext>
+            </a:extLst>
+          </p:cNvPr>
+          <p:cNvSpPr txBox="1"/>
+          <p:nvPr/>
+        </p:nvSpPr>
+        <p:spPr>
+          <a:xfrm>
+            <a:off x="5498305" y="3635927"/>
+            <a:ext cx="547689" cy="369332"/>
+          </a:xfrm>
+          <a:prstGeom prst="rect">
+            <a:avLst/>
+          </a:prstGeom>
+          <a:solidFill>
+            <a:schemeClr val="bg1"/>
+          </a:solidFill>
+          <a:ln>
+            <a:solidFill>
+              <a:schemeClr val="tx1"/>
+            </a:solidFill>
+          </a:ln>
+        </p:spPr>
+        <p:txBody>
+          <a:bodyPr wrap="square" rtlCol="0">
+            <a:spAutoFit/>
+          </a:bodyPr>
+          <a:lstStyle/>
+          <a:p>
+            <a:r>
+              <a:rPr lang="en-US" dirty="0"/>
+              <a:t>0.5</a:t>
+            </a:r>
+          </a:p>
+        </p:txBody>
+      </p:sp>
+      <p:sp>
+        <p:nvSpPr>
+          <p:cNvPr id="35" name="Oval 34">
+            <a:extLst>
+              <a:ext uri="{FF2B5EF4-FFF2-40B4-BE49-F238E27FC236}">
+                <a16:creationId xmlns:a16="http://schemas.microsoft.com/office/drawing/2014/main" id="{02DF2E0F-031D-B60F-52EC-E82217611FF4}"/>
+              </a:ext>
+            </a:extLst>
+          </p:cNvPr>
+          <p:cNvSpPr/>
+          <p:nvPr/>
+        </p:nvSpPr>
+        <p:spPr>
+          <a:xfrm>
+            <a:off x="4895850" y="2104456"/>
+            <a:ext cx="1685925" cy="1685925"/>
+          </a:xfrm>
+          <a:prstGeom prst="ellipse">
+            <a:avLst/>
+          </a:prstGeom>
+        </p:spPr>
+        <p:style>
+          <a:lnRef idx="2">
+            <a:schemeClr val="accent1">
+              <a:shade val="15000"/>
+            </a:schemeClr>
+          </a:lnRef>
+          <a:fillRef idx="1">
+            <a:schemeClr val="accent1"/>
+          </a:fillRef>
+          <a:effectRef idx="0">
+            <a:schemeClr val="accent1"/>
+          </a:effectRef>
+          <a:fontRef idx="minor">
+            <a:schemeClr val="lt1"/>
+          </a:fontRef>
+        </p:style>
+        <p:txBody>
+          <a:bodyPr rtlCol="0" anchor="ctr"/>
+          <a:lstStyle/>
+          <a:p>
+            <a:pPr algn="ctr"/>
+            <a:endParaRPr lang="en-US"/>
+          </a:p>
+        </p:txBody>
+      </p:sp>
+      <p:cxnSp>
+        <p:nvCxnSpPr>
+          <p:cNvPr id="27" name="Straight Connector 26">
+            <a:extLst>
+              <a:ext uri="{FF2B5EF4-FFF2-40B4-BE49-F238E27FC236}">
+                <a16:creationId xmlns:a16="http://schemas.microsoft.com/office/drawing/2014/main" id="{DEBD2D63-7FEE-02ED-F14A-3DE0B7F8ECAD}"/>
+              </a:ext>
+            </a:extLst>
+          </p:cNvPr>
+          <p:cNvCxnSpPr>
+            <a:cxnSpLocks/>
+          </p:cNvCxnSpPr>
+          <p:nvPr/>
+        </p:nvCxnSpPr>
+        <p:spPr>
+          <a:xfrm>
+            <a:off x="5776912" y="2930243"/>
+            <a:ext cx="0" cy="555964"/>
+          </a:xfrm>
+          <a:prstGeom prst="line">
+            <a:avLst/>
+          </a:prstGeom>
+          <a:ln>
+            <a:solidFill>
+              <a:schemeClr val="bg1"/>
+            </a:solidFill>
+          </a:ln>
+        </p:spPr>
+        <p:style>
+          <a:lnRef idx="2">
+            <a:schemeClr val="accent1"/>
+          </a:lnRef>
+          <a:fillRef idx="0">
+            <a:schemeClr val="accent1"/>
+          </a:fillRef>
+          <a:effectRef idx="1">
+            <a:schemeClr val="accent1"/>
+          </a:effectRef>
+          <a:fontRef idx="minor">
+            <a:schemeClr val="tx1"/>
+          </a:fontRef>
+        </p:style>
+      </p:cxnSp>
+      <p:cxnSp>
+        <p:nvCxnSpPr>
+          <p:cNvPr id="23" name="Straight Connector 22">
+            <a:extLst>
+              <a:ext uri="{FF2B5EF4-FFF2-40B4-BE49-F238E27FC236}">
+                <a16:creationId xmlns:a16="http://schemas.microsoft.com/office/drawing/2014/main" id="{BC67F21D-E19A-A867-15B6-DF0E4899FCD5}"/>
+              </a:ext>
+            </a:extLst>
+          </p:cNvPr>
+          <p:cNvCxnSpPr/>
+          <p:nvPr/>
+        </p:nvCxnSpPr>
+        <p:spPr>
+          <a:xfrm>
+            <a:off x="4938712" y="3522345"/>
+            <a:ext cx="2147888" cy="0"/>
+          </a:xfrm>
+          <a:prstGeom prst="line">
+            <a:avLst/>
+          </a:prstGeom>
+          <a:ln>
+            <a:solidFill>
+              <a:schemeClr val="bg1"/>
+            </a:solidFill>
+          </a:ln>
+        </p:spPr>
+        <p:style>
+          <a:lnRef idx="2">
+            <a:schemeClr val="accent1"/>
+          </a:lnRef>
+          <a:fillRef idx="0">
+            <a:schemeClr val="accent1"/>
+          </a:fillRef>
+          <a:effectRef idx="1">
+            <a:schemeClr val="accent1"/>
+          </a:effectRef>
+          <a:fontRef idx="minor">
+            <a:schemeClr val="tx1"/>
+          </a:fontRef>
+        </p:style>
+      </p:cxnSp>
+      <p:cxnSp>
+        <p:nvCxnSpPr>
+          <p:cNvPr id="26" name="Straight Connector 25">
+            <a:extLst>
+              <a:ext uri="{FF2B5EF4-FFF2-40B4-BE49-F238E27FC236}">
+                <a16:creationId xmlns:a16="http://schemas.microsoft.com/office/drawing/2014/main" id="{9E506160-3541-352E-4923-0E4E2FEC97C4}"/>
+              </a:ext>
+            </a:extLst>
+          </p:cNvPr>
+          <p:cNvCxnSpPr>
+            <a:cxnSpLocks/>
+          </p:cNvCxnSpPr>
+          <p:nvPr/>
+        </p:nvCxnSpPr>
+        <p:spPr>
+          <a:xfrm>
+            <a:off x="5781675" y="2073235"/>
+            <a:ext cx="1304925" cy="1449110"/>
+          </a:xfrm>
+          <a:prstGeom prst="line">
+            <a:avLst/>
+          </a:prstGeom>
+          <a:ln>
+            <a:solidFill>
+              <a:schemeClr val="bg1"/>
+            </a:solidFill>
+          </a:ln>
+        </p:spPr>
+        <p:style>
+          <a:lnRef idx="2">
+            <a:schemeClr val="accent1"/>
+          </a:lnRef>
+          <a:fillRef idx="0">
+            <a:schemeClr val="accent1"/>
+          </a:fillRef>
+          <a:effectRef idx="1">
+            <a:schemeClr val="accent1"/>
+          </a:effectRef>
+          <a:fontRef idx="minor">
+            <a:schemeClr val="tx1"/>
+          </a:fontRef>
+        </p:style>
+      </p:cxnSp>
+      <p:sp>
+        <p:nvSpPr>
+          <p:cNvPr id="24" name="TextBox 23">
+            <a:extLst>
+              <a:ext uri="{FF2B5EF4-FFF2-40B4-BE49-F238E27FC236}">
+                <a16:creationId xmlns:a16="http://schemas.microsoft.com/office/drawing/2014/main" id="{6DDA59AD-2652-39AB-CF75-EC6A1ED1CCA1}"/>
+              </a:ext>
+            </a:extLst>
+          </p:cNvPr>
+          <p:cNvSpPr txBox="1"/>
+          <p:nvPr/>
+        </p:nvSpPr>
+        <p:spPr>
+          <a:xfrm>
+            <a:off x="4150518" y="2676164"/>
+            <a:ext cx="1466850" cy="369332"/>
+          </a:xfrm>
+          <a:prstGeom prst="rect">
+            <a:avLst/>
+          </a:prstGeom>
+          <a:solidFill>
+            <a:schemeClr val="bg1"/>
+          </a:solidFill>
+          <a:ln>
+            <a:solidFill>
+              <a:schemeClr val="tx1"/>
+            </a:solidFill>
+          </a:ln>
+        </p:spPr>
+        <p:txBody>
+          <a:bodyPr wrap="square" rtlCol="0">
+            <a:spAutoFit/>
+          </a:bodyPr>
+          <a:lstStyle/>
+          <a:p>
+            <a:r>
+              <a:rPr lang="en-US" dirty="0"/>
+              <a:t>Sqrt(0.75) /3</a:t>
+            </a:r>
+          </a:p>
+        </p:txBody>
+      </p:sp>
+      <p:sp>
+        <p:nvSpPr>
+          <p:cNvPr id="37" name="Oval 36">
+            <a:extLst>
+              <a:ext uri="{FF2B5EF4-FFF2-40B4-BE49-F238E27FC236}">
+                <a16:creationId xmlns:a16="http://schemas.microsoft.com/office/drawing/2014/main" id="{CC6AA6BB-BEF4-312A-5144-8DCFFC659FB9}"/>
+              </a:ext>
+            </a:extLst>
+          </p:cNvPr>
+          <p:cNvSpPr/>
+          <p:nvPr/>
+        </p:nvSpPr>
+        <p:spPr>
+          <a:xfrm>
+            <a:off x="7908131" y="2657474"/>
+            <a:ext cx="1685925" cy="1685925"/>
+          </a:xfrm>
+          <a:prstGeom prst="ellipse">
+            <a:avLst/>
+          </a:prstGeom>
+        </p:spPr>
+        <p:style>
+          <a:lnRef idx="2">
+            <a:schemeClr val="accent1">
+              <a:shade val="15000"/>
+            </a:schemeClr>
+          </a:lnRef>
+          <a:fillRef idx="1">
+            <a:schemeClr val="accent1"/>
+          </a:fillRef>
+          <a:effectRef idx="0">
+            <a:schemeClr val="accent1"/>
+          </a:effectRef>
+          <a:fontRef idx="minor">
+            <a:schemeClr val="lt1"/>
+          </a:fontRef>
+        </p:style>
+        <p:txBody>
+          <a:bodyPr rtlCol="0" anchor="ctr"/>
+          <a:lstStyle/>
+          <a:p>
+            <a:pPr algn="ctr"/>
+            <a:endParaRPr lang="en-US"/>
+          </a:p>
+        </p:txBody>
+      </p:sp>
+      <p:sp>
+        <p:nvSpPr>
+          <p:cNvPr id="38" name="Oval 37">
+            <a:extLst>
+              <a:ext uri="{FF2B5EF4-FFF2-40B4-BE49-F238E27FC236}">
+                <a16:creationId xmlns:a16="http://schemas.microsoft.com/office/drawing/2014/main" id="{502AB1B2-711B-1D84-1C2F-E4280B02AFA5}"/>
+              </a:ext>
+            </a:extLst>
+          </p:cNvPr>
+          <p:cNvSpPr/>
+          <p:nvPr/>
+        </p:nvSpPr>
+        <p:spPr>
+          <a:xfrm>
+            <a:off x="9698831" y="2679383"/>
+            <a:ext cx="1685925" cy="1685925"/>
+          </a:xfrm>
+          <a:prstGeom prst="ellipse">
+            <a:avLst/>
+          </a:prstGeom>
+        </p:spPr>
+        <p:style>
+          <a:lnRef idx="2">
+            <a:schemeClr val="accent1">
+              <a:shade val="15000"/>
+            </a:schemeClr>
+          </a:lnRef>
+          <a:fillRef idx="1">
+            <a:schemeClr val="accent1"/>
+          </a:fillRef>
+          <a:effectRef idx="0">
+            <a:schemeClr val="accent1"/>
+          </a:effectRef>
+          <a:fontRef idx="minor">
+            <a:schemeClr val="lt1"/>
+          </a:fontRef>
+        </p:style>
+        <p:txBody>
+          <a:bodyPr rtlCol="0" anchor="ctr"/>
+          <a:lstStyle/>
+          <a:p>
+            <a:pPr algn="ctr"/>
+            <a:endParaRPr lang="en-US"/>
+          </a:p>
+        </p:txBody>
+      </p:sp>
+      <p:sp>
+        <p:nvSpPr>
+          <p:cNvPr id="39" name="Oval 38">
+            <a:extLst>
+              <a:ext uri="{FF2B5EF4-FFF2-40B4-BE49-F238E27FC236}">
+                <a16:creationId xmlns:a16="http://schemas.microsoft.com/office/drawing/2014/main" id="{ED38FE49-7077-7126-1097-E0584EE12A48}"/>
+              </a:ext>
+            </a:extLst>
+          </p:cNvPr>
+          <p:cNvSpPr/>
+          <p:nvPr/>
+        </p:nvSpPr>
+        <p:spPr>
+          <a:xfrm>
+            <a:off x="8722519" y="1280457"/>
+            <a:ext cx="1685925" cy="1685925"/>
+          </a:xfrm>
+          <a:prstGeom prst="ellipse">
+            <a:avLst/>
+          </a:prstGeom>
+        </p:spPr>
+        <p:style>
+          <a:lnRef idx="2">
+            <a:schemeClr val="accent1">
+              <a:shade val="15000"/>
+            </a:schemeClr>
+          </a:lnRef>
+          <a:fillRef idx="1">
+            <a:schemeClr val="accent1"/>
+          </a:fillRef>
+          <a:effectRef idx="0">
+            <a:schemeClr val="accent1"/>
+          </a:effectRef>
+          <a:fontRef idx="minor">
+            <a:schemeClr val="lt1"/>
+          </a:fontRef>
+        </p:style>
+        <p:txBody>
+          <a:bodyPr rtlCol="0" anchor="ctr"/>
+          <a:lstStyle/>
+          <a:p>
+            <a:pPr algn="ctr"/>
+            <a:endParaRPr lang="en-US"/>
+          </a:p>
+        </p:txBody>
+      </p:sp>
+      <p:sp>
+        <p:nvSpPr>
+          <p:cNvPr id="40" name="TextBox 39">
+            <a:extLst>
+              <a:ext uri="{FF2B5EF4-FFF2-40B4-BE49-F238E27FC236}">
+                <a16:creationId xmlns:a16="http://schemas.microsoft.com/office/drawing/2014/main" id="{CE188BDC-0D23-C454-77B1-0C17E3CCA57E}"/>
+              </a:ext>
+            </a:extLst>
+          </p:cNvPr>
+          <p:cNvSpPr txBox="1"/>
+          <p:nvPr/>
+        </p:nvSpPr>
+        <p:spPr>
+          <a:xfrm>
+            <a:off x="9372599" y="3635927"/>
+            <a:ext cx="547689" cy="369332"/>
+          </a:xfrm>
+          <a:prstGeom prst="rect">
+            <a:avLst/>
+          </a:prstGeom>
+          <a:solidFill>
+            <a:schemeClr val="bg1"/>
+          </a:solidFill>
+          <a:ln>
+            <a:solidFill>
+              <a:schemeClr val="tx1"/>
+            </a:solidFill>
+          </a:ln>
+        </p:spPr>
+        <p:txBody>
+          <a:bodyPr wrap="square" rtlCol="0">
+            <a:spAutoFit/>
+          </a:bodyPr>
+          <a:lstStyle/>
+          <a:p>
+            <a:r>
+              <a:rPr lang="en-US" dirty="0"/>
+              <a:t>0.5</a:t>
+            </a:r>
+          </a:p>
+        </p:txBody>
+      </p:sp>
+      <p:sp>
+        <p:nvSpPr>
+          <p:cNvPr id="41" name="Oval 40">
+            <a:extLst>
+              <a:ext uri="{FF2B5EF4-FFF2-40B4-BE49-F238E27FC236}">
+                <a16:creationId xmlns:a16="http://schemas.microsoft.com/office/drawing/2014/main" id="{BAFB0C36-9C9D-F599-EDD2-5E13C104A402}"/>
+              </a:ext>
+            </a:extLst>
+          </p:cNvPr>
+          <p:cNvSpPr/>
+          <p:nvPr/>
+        </p:nvSpPr>
+        <p:spPr>
+          <a:xfrm>
+            <a:off x="8770144" y="2104456"/>
+            <a:ext cx="1685925" cy="1685925"/>
+          </a:xfrm>
+          <a:prstGeom prst="ellipse">
+            <a:avLst/>
+          </a:prstGeom>
+        </p:spPr>
+        <p:style>
+          <a:lnRef idx="2">
+            <a:schemeClr val="accent1">
+              <a:shade val="15000"/>
+            </a:schemeClr>
+          </a:lnRef>
+          <a:fillRef idx="1">
+            <a:schemeClr val="accent1"/>
+          </a:fillRef>
+          <a:effectRef idx="0">
+            <a:schemeClr val="accent1"/>
+          </a:effectRef>
+          <a:fontRef idx="minor">
+            <a:schemeClr val="lt1"/>
+          </a:fontRef>
+        </p:style>
+        <p:txBody>
+          <a:bodyPr rtlCol="0" anchor="ctr"/>
+          <a:lstStyle/>
+          <a:p>
+            <a:pPr algn="ctr"/>
+            <a:endParaRPr lang="en-US"/>
+          </a:p>
+        </p:txBody>
+      </p:sp>
+      <p:cxnSp>
+        <p:nvCxnSpPr>
+          <p:cNvPr id="42" name="Straight Connector 41">
+            <a:extLst>
+              <a:ext uri="{FF2B5EF4-FFF2-40B4-BE49-F238E27FC236}">
+                <a16:creationId xmlns:a16="http://schemas.microsoft.com/office/drawing/2014/main" id="{3606B5A2-ABE9-539D-EEBC-BD5B364B6AB6}"/>
+              </a:ext>
+            </a:extLst>
+          </p:cNvPr>
+          <p:cNvCxnSpPr>
+            <a:cxnSpLocks/>
+          </p:cNvCxnSpPr>
+          <p:nvPr/>
+        </p:nvCxnSpPr>
+        <p:spPr>
+          <a:xfrm>
+            <a:off x="9651206" y="2930243"/>
+            <a:ext cx="0" cy="555964"/>
+          </a:xfrm>
+          <a:prstGeom prst="line">
+            <a:avLst/>
+          </a:prstGeom>
+          <a:ln>
+            <a:solidFill>
+              <a:schemeClr val="bg1"/>
+            </a:solidFill>
+          </a:ln>
+        </p:spPr>
+        <p:style>
+          <a:lnRef idx="2">
+            <a:schemeClr val="accent1"/>
+          </a:lnRef>
+          <a:fillRef idx="0">
+            <a:schemeClr val="accent1"/>
+          </a:fillRef>
+          <a:effectRef idx="1">
+            <a:schemeClr val="accent1"/>
+          </a:effectRef>
+          <a:fontRef idx="minor">
+            <a:schemeClr val="tx1"/>
+          </a:fontRef>
+        </p:style>
+      </p:cxnSp>
+      <p:cxnSp>
+        <p:nvCxnSpPr>
+          <p:cNvPr id="43" name="Straight Connector 42">
+            <a:extLst>
+              <a:ext uri="{FF2B5EF4-FFF2-40B4-BE49-F238E27FC236}">
+                <a16:creationId xmlns:a16="http://schemas.microsoft.com/office/drawing/2014/main" id="{8A3D15A6-3310-AA51-EC96-80E9EAFEF627}"/>
+              </a:ext>
+            </a:extLst>
+          </p:cNvPr>
+          <p:cNvCxnSpPr/>
+          <p:nvPr/>
+        </p:nvCxnSpPr>
+        <p:spPr>
+          <a:xfrm>
+            <a:off x="8813006" y="3522345"/>
+            <a:ext cx="2147888" cy="0"/>
+          </a:xfrm>
+          <a:prstGeom prst="line">
+            <a:avLst/>
+          </a:prstGeom>
+          <a:ln>
+            <a:solidFill>
+              <a:schemeClr val="bg1"/>
+            </a:solidFill>
+          </a:ln>
+        </p:spPr>
+        <p:style>
+          <a:lnRef idx="2">
+            <a:schemeClr val="accent1"/>
+          </a:lnRef>
+          <a:fillRef idx="0">
+            <a:schemeClr val="accent1"/>
+          </a:fillRef>
+          <a:effectRef idx="1">
+            <a:schemeClr val="accent1"/>
+          </a:effectRef>
+          <a:fontRef idx="minor">
+            <a:schemeClr val="tx1"/>
+          </a:fontRef>
+        </p:style>
+      </p:cxnSp>
+      <p:cxnSp>
+        <p:nvCxnSpPr>
+          <p:cNvPr id="44" name="Straight Connector 43">
+            <a:extLst>
+              <a:ext uri="{FF2B5EF4-FFF2-40B4-BE49-F238E27FC236}">
+                <a16:creationId xmlns:a16="http://schemas.microsoft.com/office/drawing/2014/main" id="{C3A70C07-4394-E75E-B6B5-79F5C7973BC3}"/>
+              </a:ext>
+            </a:extLst>
+          </p:cNvPr>
+          <p:cNvCxnSpPr>
+            <a:cxnSpLocks/>
+          </p:cNvCxnSpPr>
+          <p:nvPr/>
+        </p:nvCxnSpPr>
+        <p:spPr>
+          <a:xfrm>
+            <a:off x="9655969" y="2073235"/>
+            <a:ext cx="1304925" cy="1449110"/>
+          </a:xfrm>
+          <a:prstGeom prst="line">
+            <a:avLst/>
+          </a:prstGeom>
+          <a:ln>
+            <a:solidFill>
+              <a:schemeClr val="bg1"/>
+            </a:solidFill>
+          </a:ln>
+        </p:spPr>
+        <p:style>
+          <a:lnRef idx="2">
+            <a:schemeClr val="accent1"/>
+          </a:lnRef>
+          <a:fillRef idx="0">
+            <a:schemeClr val="accent1"/>
+          </a:fillRef>
+          <a:effectRef idx="1">
+            <a:schemeClr val="accent1"/>
+          </a:effectRef>
+          <a:fontRef idx="minor">
+            <a:schemeClr val="tx1"/>
+          </a:fontRef>
+        </p:style>
+      </p:cxnSp>
+      <p:sp>
+        <p:nvSpPr>
+          <p:cNvPr id="45" name="TextBox 44">
+            <a:extLst>
+              <a:ext uri="{FF2B5EF4-FFF2-40B4-BE49-F238E27FC236}">
+                <a16:creationId xmlns:a16="http://schemas.microsoft.com/office/drawing/2014/main" id="{8B1AFCA7-461B-30DB-3C0F-E420B656A368}"/>
+              </a:ext>
+            </a:extLst>
+          </p:cNvPr>
+          <p:cNvSpPr txBox="1"/>
+          <p:nvPr/>
+        </p:nvSpPr>
+        <p:spPr>
+          <a:xfrm>
+            <a:off x="8024812" y="2676164"/>
+            <a:ext cx="1466850" cy="369332"/>
+          </a:xfrm>
+          <a:prstGeom prst="rect">
+            <a:avLst/>
+          </a:prstGeom>
+          <a:solidFill>
+            <a:schemeClr val="bg1"/>
+          </a:solidFill>
+          <a:ln>
+            <a:solidFill>
+              <a:schemeClr val="tx1"/>
+            </a:solidFill>
+          </a:ln>
+        </p:spPr>
+        <p:txBody>
+          <a:bodyPr wrap="square" rtlCol="0">
+            <a:spAutoFit/>
+          </a:bodyPr>
+          <a:lstStyle/>
+          <a:p>
+            <a:r>
+              <a:rPr lang="en-US" dirty="0"/>
+              <a:t>Sqrt(0.75) /3</a:t>
+            </a:r>
+          </a:p>
+        </p:txBody>
+      </p:sp>
+      <p:sp>
+        <p:nvSpPr>
+          <p:cNvPr id="46" name="TextBox 45">
+            <a:extLst>
+              <a:ext uri="{FF2B5EF4-FFF2-40B4-BE49-F238E27FC236}">
+                <a16:creationId xmlns:a16="http://schemas.microsoft.com/office/drawing/2014/main" id="{40505BBC-2976-739C-EF99-6ACF2D480C67}"/>
+              </a:ext>
+            </a:extLst>
+          </p:cNvPr>
+          <p:cNvSpPr txBox="1"/>
+          <p:nvPr/>
+        </p:nvSpPr>
+        <p:spPr>
+          <a:xfrm>
+            <a:off x="8100916" y="16499"/>
+            <a:ext cx="1530932" cy="646331"/>
+          </a:xfrm>
+          <a:prstGeom prst="rect">
+            <a:avLst/>
+          </a:prstGeom>
+          <a:noFill/>
+        </p:spPr>
+        <p:txBody>
+          <a:bodyPr wrap="none" rtlCol="0">
+            <a:spAutoFit/>
+          </a:bodyPr>
+          <a:lstStyle/>
+          <a:p>
+            <a:r>
+              <a:rPr lang="en-US" dirty="0"/>
+              <a:t>3d (side view)</a:t>
+            </a:r>
+          </a:p>
+          <a:p>
+            <a:endParaRPr lang="en-US" dirty="0"/>
+          </a:p>
+        </p:txBody>
+      </p:sp>
+      <p:sp>
+        <p:nvSpPr>
+          <p:cNvPr id="47" name="TextBox 46">
+            <a:extLst>
+              <a:ext uri="{FF2B5EF4-FFF2-40B4-BE49-F238E27FC236}">
+                <a16:creationId xmlns:a16="http://schemas.microsoft.com/office/drawing/2014/main" id="{011DCB63-1767-A541-DCC2-6F2E6AFF2DF7}"/>
+              </a:ext>
+            </a:extLst>
+          </p:cNvPr>
+          <p:cNvSpPr txBox="1"/>
+          <p:nvPr/>
+        </p:nvSpPr>
+        <p:spPr>
+          <a:xfrm>
+            <a:off x="7681912" y="4329169"/>
+            <a:ext cx="4467225" cy="2862322"/>
+          </a:xfrm>
+          <a:prstGeom prst="rect">
+            <a:avLst/>
+          </a:prstGeom>
+          <a:noFill/>
+        </p:spPr>
+        <p:txBody>
+          <a:bodyPr wrap="square" rtlCol="0">
+            <a:spAutoFit/>
+          </a:bodyPr>
+          <a:lstStyle/>
+          <a:p>
+            <a:r>
+              <a:rPr lang="en-US" dirty="0"/>
+              <a:t>Calculate z</a:t>
+            </a:r>
+          </a:p>
+          <a:p>
+            <a:r>
+              <a:rPr lang="en-US" dirty="0"/>
+              <a:t>1 ^2 = 0.5 ^2 + (sqrt(0.75) / 3) ^2 + z ^2</a:t>
+            </a:r>
+          </a:p>
+          <a:p>
+            <a:r>
+              <a:rPr lang="en-US" dirty="0"/>
+              <a:t>1 = 0.25 + (sqrt(0.75) / 3) ^2 + z ^2</a:t>
+            </a:r>
+          </a:p>
+          <a:p>
+            <a:r>
+              <a:rPr lang="en-US" dirty="0"/>
+              <a:t>Z ^2 = 1 – 0.25 – (sqrt(0.75)/3) ^ 2</a:t>
+            </a:r>
+          </a:p>
+          <a:p>
+            <a:r>
+              <a:rPr lang="en-US" dirty="0"/>
+              <a:t>Z= sqrt(0.75 – (sqrt(0.75)/3) ^2)</a:t>
+            </a:r>
+          </a:p>
+          <a:p>
+            <a:r>
+              <a:rPr lang="en-US" dirty="0"/>
+              <a:t>=sqrt(0.75-0.75/9)</a:t>
+            </a:r>
+          </a:p>
+          <a:p>
+            <a:r>
+              <a:rPr lang="en-US" dirty="0"/>
+              <a:t>=sqrt(0.75*8/9)</a:t>
+            </a:r>
+          </a:p>
+          <a:p>
+            <a:r>
+              <a:rPr lang="en-US" dirty="0"/>
+              <a:t>=sqrt(6/9)</a:t>
+            </a:r>
+          </a:p>
+          <a:p>
+            <a:r>
+              <a:rPr lang="en-US" dirty="0"/>
+              <a:t>=sqrt(2/3)</a:t>
+            </a:r>
+          </a:p>
+          <a:p>
+            <a:endParaRPr lang="en-US" dirty="0"/>
+          </a:p>
+        </p:txBody>
+      </p:sp>
+    </p:spTree>
+    <p:extLst>
+      <p:ext uri="{BB962C8B-B14F-4D97-AF65-F5344CB8AC3E}">
+        <p14:creationId xmlns:p14="http://schemas.microsoft.com/office/powerpoint/2010/main" val="2498770614"/>
+      </p:ext>
+    </p:extLst>
+  </p:cSld>
+  <p:clrMapOvr>
+    <a:masterClrMapping/>
+  </p:clrMapOvr>
+</p:sld>
+</file>
+
+<file path=ppt/slides/slide6.xml><?xml version="1.0" encoding="utf-8"?>
+<p:sld xmlns:a="http://schemas.openxmlformats.org/drawingml/2006/main" xmlns:r="http://schemas.openxmlformats.org/officeDocument/2006/relationships" xmlns:p="http://schemas.openxmlformats.org/presentationml/2006/main">
+  <p:cSld>
+    <p:spTree>
+      <p:nvGrpSpPr>
+        <p:cNvPr id="1" name=""/>
+        <p:cNvGrpSpPr/>
+        <p:nvPr/>
+      </p:nvGrpSpPr>
+      <p:grpSpPr>
+        <a:xfrm>
+          <a:off x="0" y="0"/>
+          <a:ext cx="0" cy="0"/>
+          <a:chOff x="0" y="0"/>
+          <a:chExt cx="0" cy="0"/>
+        </a:xfrm>
+      </p:grpSpPr>
+      <p:sp>
+        <p:nvSpPr>
+          <p:cNvPr id="2" name="Title 1">
+            <a:extLst>
+              <a:ext uri="{FF2B5EF4-FFF2-40B4-BE49-F238E27FC236}">
+                <a16:creationId xmlns:a16="http://schemas.microsoft.com/office/drawing/2014/main" id="{E120C979-4488-7007-BC8B-C19363611F3D}"/>
+              </a:ext>
+            </a:extLst>
+          </p:cNvPr>
+          <p:cNvSpPr>
+            <a:spLocks noGrp="1"/>
+          </p:cNvSpPr>
+          <p:nvPr>
+            <p:ph type="title"/>
+          </p:nvPr>
+        </p:nvSpPr>
+        <p:spPr/>
+        <p:txBody>
+          <a:bodyPr/>
+          <a:lstStyle/>
+          <a:p>
+            <a:r>
+              <a:rPr lang="en-US" dirty="0"/>
+              <a:t>Sweep &amp; prune collision detection</a:t>
+            </a:r>
+          </a:p>
+        </p:txBody>
+      </p:sp>
+      <p:sp>
+        <p:nvSpPr>
+          <p:cNvPr id="3" name="Content Placeholder 2">
+            <a:extLst>
+              <a:ext uri="{FF2B5EF4-FFF2-40B4-BE49-F238E27FC236}">
+                <a16:creationId xmlns:a16="http://schemas.microsoft.com/office/drawing/2014/main" id="{07C0F52F-3FB3-7BFC-0D9A-90BF2C1B90D0}"/>
+              </a:ext>
+            </a:extLst>
+          </p:cNvPr>
+          <p:cNvSpPr>
+            <a:spLocks noGrp="1"/>
+          </p:cNvSpPr>
+          <p:nvPr>
+            <p:ph idx="1"/>
+          </p:nvPr>
+        </p:nvSpPr>
+        <p:spPr/>
+        <p:txBody>
+          <a:bodyPr/>
+          <a:lstStyle/>
+          <a:p>
+            <a:pPr marL="0" indent="0">
+              <a:buNone/>
+            </a:pPr>
+            <a:r>
+              <a:rPr lang="en-US" dirty="0">
+                <a:hlinkClick r:id="rId2"/>
+              </a:rPr>
+              <a:t>https://leanrada.com/notes/sweep-and-prune-2/</a:t>
+            </a:r>
+            <a:endParaRPr lang="en-US" dirty="0"/>
+          </a:p>
+          <a:p>
+            <a:pPr>
+              <a:buFontTx/>
+              <a:buChar char="-"/>
+            </a:pPr>
+            <a:r>
+              <a:rPr lang="en-US" dirty="0"/>
+              <a:t>Sort based on left edge.</a:t>
+            </a:r>
+          </a:p>
+          <a:p>
+            <a:pPr>
+              <a:buFontTx/>
+              <a:buChar char="-"/>
+            </a:pPr>
+            <a:r>
+              <a:rPr lang="en-US" dirty="0"/>
+              <a:t>Loop over left edges and add left edges to list. When meeting a right edge, remove the object from the list. For all items in the list, perform collision detection with the new object.</a:t>
+            </a:r>
+          </a:p>
+          <a:p>
+            <a:pPr>
+              <a:buFontTx/>
+              <a:buChar char="-"/>
+            </a:pPr>
+            <a:endParaRPr lang="en-US" dirty="0"/>
+          </a:p>
+          <a:p>
+            <a:pPr>
+              <a:buFontTx/>
+              <a:buChar char="-"/>
+            </a:pPr>
+            <a:r>
+              <a:rPr lang="en-US" dirty="0"/>
+              <a:t>3d:</a:t>
+            </a:r>
+          </a:p>
+          <a:p>
+            <a:pPr>
+              <a:buFontTx/>
+              <a:buChar char="-"/>
+            </a:pPr>
+            <a:r>
+              <a:rPr lang="en-US" dirty="0"/>
+              <a:t>Sort all axes. While sorting, when swapping edges, remove from and add to colliding list.</a:t>
+            </a:r>
+          </a:p>
+        </p:txBody>
+      </p:sp>
+    </p:spTree>
+    <p:extLst>
+      <p:ext uri="{BB962C8B-B14F-4D97-AF65-F5344CB8AC3E}">
+        <p14:creationId xmlns:p14="http://schemas.microsoft.com/office/powerpoint/2010/main" val="1267354768"/>
+      </p:ext>
+    </p:extLst>
+  </p:cSld>
+  <p:clrMapOvr>
+    <a:masterClrMapping/>
+  </p:clrMapOvr>
+</p:sld>
+</file>
+
+<file path=ppt/slides/slide7.xml><?xml version="1.0" encoding="utf-8"?>
+<p:sld xmlns:a="http://schemas.openxmlformats.org/drawingml/2006/main" xmlns:r="http://schemas.openxmlformats.org/officeDocument/2006/relationships" xmlns:p="http://schemas.openxmlformats.org/presentationml/2006/main">
+  <p:cSld>
+    <p:spTree>
+      <p:nvGrpSpPr>
+        <p:cNvPr id="1" name=""/>
+        <p:cNvGrpSpPr/>
+        <p:nvPr/>
+      </p:nvGrpSpPr>
+      <p:grpSpPr>
+        <a:xfrm>
+          <a:off x="0" y="0"/>
+          <a:ext cx="0" cy="0"/>
+          <a:chOff x="0" y="0"/>
+          <a:chExt cx="0" cy="0"/>
+        </a:xfrm>
+      </p:grpSpPr>
+      <p:sp>
+        <p:nvSpPr>
+          <p:cNvPr id="2" name="Title 1">
+            <a:extLst>
+              <a:ext uri="{FF2B5EF4-FFF2-40B4-BE49-F238E27FC236}">
+                <a16:creationId xmlns:a16="http://schemas.microsoft.com/office/drawing/2014/main" id="{72C0342A-A541-61D8-076A-D2A1E2353CE7}"/>
+              </a:ext>
+            </a:extLst>
+          </p:cNvPr>
+          <p:cNvSpPr>
+            <a:spLocks noGrp="1"/>
+          </p:cNvSpPr>
+          <p:nvPr>
+            <p:ph type="title"/>
+          </p:nvPr>
+        </p:nvSpPr>
+        <p:spPr/>
+        <p:txBody>
+          <a:bodyPr/>
+          <a:lstStyle/>
+          <a:p>
+            <a:r>
+              <a:rPr lang="en-US" dirty="0"/>
+              <a:t>Barnes hut tree collision detection</a:t>
+            </a:r>
+          </a:p>
+        </p:txBody>
+      </p:sp>
+      <p:sp>
+        <p:nvSpPr>
+          <p:cNvPr id="3" name="Content Placeholder 2">
+            <a:extLst>
+              <a:ext uri="{FF2B5EF4-FFF2-40B4-BE49-F238E27FC236}">
+                <a16:creationId xmlns:a16="http://schemas.microsoft.com/office/drawing/2014/main" id="{17BCC2D2-FCF6-8C86-926C-8F2A13799AFC}"/>
+              </a:ext>
+            </a:extLst>
+          </p:cNvPr>
+          <p:cNvSpPr>
+            <a:spLocks noGrp="1"/>
+          </p:cNvSpPr>
+          <p:nvPr>
+            <p:ph idx="1"/>
+          </p:nvPr>
+        </p:nvSpPr>
+        <p:spPr/>
+        <p:txBody>
+          <a:bodyPr/>
+          <a:lstStyle/>
+          <a:p>
+            <a:pPr marL="0" indent="0">
+              <a:buNone/>
+            </a:pPr>
+            <a:r>
+              <a:rPr lang="en-US" dirty="0"/>
+              <a:t>Iterate over all tiles recursively. For each tile, first go upwards and then recurse downwards over all </a:t>
+            </a:r>
+            <a:r>
+              <a:rPr lang="en-US"/>
+              <a:t>colliding tiles.</a:t>
+            </a:r>
+          </a:p>
+        </p:txBody>
+      </p:sp>
+    </p:spTree>
+    <p:extLst>
+      <p:ext uri="{BB962C8B-B14F-4D97-AF65-F5344CB8AC3E}">
+        <p14:creationId xmlns:p14="http://schemas.microsoft.com/office/powerpoint/2010/main" val="3789558858"/>
+      </p:ext>
+    </p:extLst>
+  </p:cSld>
+  <p:clrMapOvr>
+    <a:masterClrMapping/>
+  </p:clrMapOvr>
+</p:sld>
+</file>
+
+<file path=ppt/slides/slide8.xml><?xml version="1.0" encoding="utf-8"?>
+<p:sld xmlns:a="http://schemas.openxmlformats.org/drawingml/2006/main" xmlns:r="http://schemas.openxmlformats.org/officeDocument/2006/relationships" xmlns:p="http://schemas.openxmlformats.org/presentationml/2006/main">
+  <p:cSld>
+    <p:spTree>
+      <p:nvGrpSpPr>
+        <p:cNvPr id="1" name=""/>
+        <p:cNvGrpSpPr/>
+        <p:nvPr/>
+      </p:nvGrpSpPr>
+      <p:grpSpPr>
+        <a:xfrm>
+          <a:off x="0" y="0"/>
+          <a:ext cx="0" cy="0"/>
+          <a:chOff x="0" y="0"/>
+          <a:chExt cx="0" cy="0"/>
+        </a:xfrm>
+      </p:grpSpPr>
+      <p:sp>
+        <p:nvSpPr>
+          <p:cNvPr id="2" name="Title 1">
+            <a:extLst>
+              <a:ext uri="{FF2B5EF4-FFF2-40B4-BE49-F238E27FC236}">
+                <a16:creationId xmlns:a16="http://schemas.microsoft.com/office/drawing/2014/main" id="{7F18FE90-C4DB-B595-404F-C35258F6B4EB}"/>
+              </a:ext>
+            </a:extLst>
+          </p:cNvPr>
+          <p:cNvSpPr>
+            <a:spLocks noGrp="1"/>
+          </p:cNvSpPr>
+          <p:nvPr>
+            <p:ph type="title"/>
+          </p:nvPr>
+        </p:nvSpPr>
+        <p:spPr/>
+        <p:txBody>
+          <a:bodyPr/>
+          <a:lstStyle/>
+          <a:p>
+            <a:r>
+              <a:rPr lang="en-US" dirty="0"/>
+              <a:t>Planet spawning</a:t>
+            </a:r>
+          </a:p>
+        </p:txBody>
+      </p:sp>
+      <p:sp>
+        <p:nvSpPr>
+          <p:cNvPr id="3" name="Content Placeholder 2">
+            <a:extLst>
+              <a:ext uri="{FF2B5EF4-FFF2-40B4-BE49-F238E27FC236}">
+                <a16:creationId xmlns:a16="http://schemas.microsoft.com/office/drawing/2014/main" id="{78284C4D-09AE-AE36-85DE-BE034589CB4C}"/>
+              </a:ext>
+            </a:extLst>
+          </p:cNvPr>
+          <p:cNvSpPr>
+            <a:spLocks noGrp="1"/>
+          </p:cNvSpPr>
+          <p:nvPr>
+            <p:ph idx="1"/>
+          </p:nvPr>
+        </p:nvSpPr>
+        <p:spPr/>
+        <p:txBody>
+          <a:bodyPr/>
+          <a:lstStyle/>
+          <a:p>
+            <a:pPr marL="0" indent="0">
+              <a:buNone/>
+            </a:pPr>
+            <a:r>
+              <a:rPr lang="en-US" dirty="0"/>
+              <a:t>First, spawn a planet using the normal spawn mechanic, let it run for a few mins, apply color and save it.</a:t>
+            </a:r>
+          </a:p>
+          <a:p>
+            <a:pPr marL="0" indent="0">
+              <a:buNone/>
+            </a:pPr>
+            <a:r>
+              <a:rPr lang="en-US" dirty="0"/>
+              <a:t>Load those planets and add position and speed to molecules If desired.</a:t>
+            </a:r>
+          </a:p>
+          <a:p>
+            <a:pPr marL="0" indent="0">
+              <a:buNone/>
+            </a:pPr>
+            <a:r>
+              <a:rPr lang="en-US" dirty="0"/>
+              <a:t>Then they can collide.</a:t>
+            </a:r>
+          </a:p>
+        </p:txBody>
+      </p:sp>
+    </p:spTree>
+    <p:extLst>
+      <p:ext uri="{BB962C8B-B14F-4D97-AF65-F5344CB8AC3E}">
+        <p14:creationId xmlns:p14="http://schemas.microsoft.com/office/powerpoint/2010/main" val="1021426328"/>
       </p:ext>
     </p:extLst>
   </p:cSld>
@@ -3764,4 +7854,319 @@
     </a:ext>
   </a:extLst>
 </a:theme>
+</file>
+
+<file path=ppt/theme/theme2.xml><?xml version="1.0" encoding="utf-8"?>
+<a:theme xmlns:a="http://schemas.openxmlformats.org/drawingml/2006/main" name="Office Theme">
+  <a:themeElements>
+    <a:clrScheme name="Office">
+      <a:dk1>
+        <a:sysClr val="windowText" lastClr="000000"/>
+      </a:dk1>
+      <a:lt1>
+        <a:sysClr val="window" lastClr="FFFFFF"/>
+      </a:lt1>
+      <a:dk2>
+        <a:srgbClr val="0E2841"/>
+      </a:dk2>
+      <a:lt2>
+        <a:srgbClr val="E8E8E8"/>
+      </a:lt2>
+      <a:accent1>
+        <a:srgbClr val="156082"/>
+      </a:accent1>
+      <a:accent2>
+        <a:srgbClr val="E97132"/>
+      </a:accent2>
+      <a:accent3>
+        <a:srgbClr val="196B24"/>
+      </a:accent3>
+      <a:accent4>
+        <a:srgbClr val="0F9ED5"/>
+      </a:accent4>
+      <a:accent5>
+        <a:srgbClr val="A02B93"/>
+      </a:accent5>
+      <a:accent6>
+        <a:srgbClr val="4EA72E"/>
+      </a:accent6>
+      <a:hlink>
+        <a:srgbClr val="467886"/>
+      </a:hlink>
+      <a:folHlink>
+        <a:srgbClr val="96607D"/>
+      </a:folHlink>
+    </a:clrScheme>
+    <a:fontScheme name="Office">
+      <a:majorFont>
+        <a:latin typeface="Aptos Display" panose="02110004020202020204"/>
+        <a:ea typeface=""/>
+        <a:cs typeface=""/>
+        <a:font script="Jpan" typeface="游ゴシック Light"/>
+        <a:font script="Hang" typeface="맑은 고딕"/>
+        <a:font script="Hans" typeface="等线 Light"/>
+        <a:font script="Hant" typeface="新細明體"/>
+        <a:font script="Arab" typeface="Times New Roman"/>
+        <a:font script="Hebr" typeface="Times New Roman"/>
+        <a:font script="Thai" typeface="Angsana New"/>
+        <a:font script="Ethi" typeface="Nyala"/>
+        <a:font script="Beng" typeface="Vrinda"/>
+        <a:font script="Gujr" typeface="Shruti"/>
+        <a:font script="Khmr" typeface="MoolBoran"/>
+        <a:font script="Knda" typeface="Tunga"/>
+        <a:font script="Guru" typeface="Raavi"/>
+        <a:font script="Cans" typeface="Euphemia"/>
+        <a:font script="Cher" typeface="Plantagenet Cherokee"/>
+        <a:font script="Yiii" typeface="Microsoft Yi Baiti"/>
+        <a:font script="Tibt" typeface="Microsoft Himalaya"/>
+        <a:font script="Thaa" typeface="MV Boli"/>
+        <a:font script="Deva" typeface="Mangal"/>
+        <a:font script="Telu" typeface="Gautami"/>
+        <a:font script="Taml" typeface="Latha"/>
+        <a:font script="Syrc" typeface="Estrangelo Edessa"/>
+        <a:font script="Orya" typeface="Kalinga"/>
+        <a:font script="Mlym" typeface="Kartika"/>
+        <a:font script="Laoo" typeface="DokChampa"/>
+        <a:font script="Sinh" typeface="Iskoola Pota"/>
+        <a:font script="Mong" typeface="Mongolian Baiti"/>
+        <a:font script="Viet" typeface="Times New Roman"/>
+        <a:font script="Uigh" typeface="Microsoft Uighur"/>
+        <a:font script="Geor" typeface="Sylfaen"/>
+        <a:font script="Armn" typeface="Arial"/>
+        <a:font script="Bugi" typeface="Leelawadee UI"/>
+        <a:font script="Bopo" typeface="Microsoft JhengHei"/>
+        <a:font script="Java" typeface="Javanese Text"/>
+        <a:font script="Lisu" typeface="Segoe UI"/>
+        <a:font script="Mymr" typeface="Myanmar Text"/>
+        <a:font script="Nkoo" typeface="Ebrima"/>
+        <a:font script="Olck" typeface="Nirmala UI"/>
+        <a:font script="Osma" typeface="Ebrima"/>
+        <a:font script="Phag" typeface="Phagspa"/>
+        <a:font script="Syrn" typeface="Estrangelo Edessa"/>
+        <a:font script="Syrj" typeface="Estrangelo Edessa"/>
+        <a:font script="Syre" typeface="Estrangelo Edessa"/>
+        <a:font script="Sora" typeface="Nirmala UI"/>
+        <a:font script="Tale" typeface="Microsoft Tai Le"/>
+        <a:font script="Talu" typeface="Microsoft New Tai Lue"/>
+        <a:font script="Tfng" typeface="Ebrima"/>
+      </a:majorFont>
+      <a:minorFont>
+        <a:latin typeface="Aptos" panose="02110004020202020204"/>
+        <a:ea typeface=""/>
+        <a:cs typeface=""/>
+        <a:font script="Jpan" typeface="游ゴシック"/>
+        <a:font script="Hang" typeface="맑은 고딕"/>
+        <a:font script="Hans" typeface="等线"/>
+        <a:font script="Hant" typeface="新細明體"/>
+        <a:font script="Arab" typeface="Arial"/>
+        <a:font script="Hebr" typeface="Arial"/>
+        <a:font script="Thai" typeface="Cordia New"/>
+        <a:font script="Ethi" typeface="Nyala"/>
+        <a:font script="Beng" typeface="Vrinda"/>
+        <a:font script="Gujr" typeface="Shruti"/>
+        <a:font script="Khmr" typeface="DaunPenh"/>
+        <a:font script="Knda" typeface="Tunga"/>
+        <a:font script="Guru" typeface="Raavi"/>
+        <a:font script="Cans" typeface="Euphemia"/>
+        <a:font script="Cher" typeface="Plantagenet Cherokee"/>
+        <a:font script="Yiii" typeface="Microsoft Yi Baiti"/>
+        <a:font script="Tibt" typeface="Microsoft Himalaya"/>
+        <a:font script="Thaa" typeface="MV Boli"/>
+        <a:font script="Deva" typeface="Mangal"/>
+        <a:font script="Telu" typeface="Gautami"/>
+        <a:font script="Taml" typeface="Latha"/>
+        <a:font script="Syrc" typeface="Estrangelo Edessa"/>
+        <a:font script="Orya" typeface="Kalinga"/>
+        <a:font script="Mlym" typeface="Kartika"/>
+        <a:font script="Laoo" typeface="DokChampa"/>
+        <a:font script="Sinh" typeface="Iskoola Pota"/>
+        <a:font script="Mong" typeface="Mongolian Baiti"/>
+        <a:font script="Viet" typeface="Arial"/>
+        <a:font script="Uigh" typeface="Microsoft Uighur"/>
+        <a:font script="Geor" typeface="Sylfaen"/>
+        <a:font script="Armn" typeface="Arial"/>
+        <a:font script="Bugi" typeface="Leelawadee UI"/>
+        <a:font script="Bopo" typeface="Microsoft JhengHei"/>
+        <a:font script="Java" typeface="Javanese Text"/>
+        <a:font script="Lisu" typeface="Segoe UI"/>
+        <a:font script="Mymr" typeface="Myanmar Text"/>
+        <a:font script="Nkoo" typeface="Ebrima"/>
+        <a:font script="Olck" typeface="Nirmala UI"/>
+        <a:font script="Osma" typeface="Ebrima"/>
+        <a:font script="Phag" typeface="Phagspa"/>
+        <a:font script="Syrn" typeface="Estrangelo Edessa"/>
+        <a:font script="Syrj" typeface="Estrangelo Edessa"/>
+        <a:font script="Syre" typeface="Estrangelo Edessa"/>
+        <a:font script="Sora" typeface="Nirmala UI"/>
+        <a:font script="Tale" typeface="Microsoft Tai Le"/>
+        <a:font script="Talu" typeface="Microsoft New Tai Lue"/>
+        <a:font script="Tfng" typeface="Ebrima"/>
+      </a:minorFont>
+    </a:fontScheme>
+    <a:fmtScheme name="Office">
+      <a:fillStyleLst>
+        <a:solidFill>
+          <a:schemeClr val="phClr"/>
+        </a:solidFill>
+        <a:gradFill rotWithShape="1">
+          <a:gsLst>
+            <a:gs pos="0">
+              <a:schemeClr val="phClr">
+                <a:lumMod val="110000"/>
+                <a:satMod val="105000"/>
+                <a:tint val="67000"/>
+              </a:schemeClr>
+            </a:gs>
+            <a:gs pos="50000">
+              <a:schemeClr val="phClr">
+                <a:lumMod val="105000"/>
+                <a:satMod val="103000"/>
+                <a:tint val="73000"/>
+              </a:schemeClr>
+            </a:gs>
+            <a:gs pos="100000">
+              <a:schemeClr val="phClr">
+                <a:lumMod val="105000"/>
+                <a:satMod val="109000"/>
+                <a:tint val="81000"/>
+              </a:schemeClr>
+            </a:gs>
+          </a:gsLst>
+          <a:lin ang="5400000" scaled="0"/>
+        </a:gradFill>
+        <a:gradFill rotWithShape="1">
+          <a:gsLst>
+            <a:gs pos="0">
+              <a:schemeClr val="phClr">
+                <a:satMod val="103000"/>
+                <a:lumMod val="102000"/>
+                <a:tint val="94000"/>
+              </a:schemeClr>
+            </a:gs>
+            <a:gs pos="50000">
+              <a:schemeClr val="phClr">
+                <a:satMod val="110000"/>
+                <a:lumMod val="100000"/>
+                <a:shade val="100000"/>
+              </a:schemeClr>
+            </a:gs>
+            <a:gs pos="100000">
+              <a:schemeClr val="phClr">
+                <a:lumMod val="99000"/>
+                <a:satMod val="120000"/>
+                <a:shade val="78000"/>
+              </a:schemeClr>
+            </a:gs>
+          </a:gsLst>
+          <a:lin ang="5400000" scaled="0"/>
+        </a:gradFill>
+      </a:fillStyleLst>
+      <a:lnStyleLst>
+        <a:ln w="12700" cap="flat" cmpd="sng" algn="ctr">
+          <a:solidFill>
+            <a:schemeClr val="phClr"/>
+          </a:solidFill>
+          <a:prstDash val="solid"/>
+          <a:miter lim="800000"/>
+        </a:ln>
+        <a:ln w="19050" cap="flat" cmpd="sng" algn="ctr">
+          <a:solidFill>
+            <a:schemeClr val="phClr"/>
+          </a:solidFill>
+          <a:prstDash val="solid"/>
+          <a:miter lim="800000"/>
+        </a:ln>
+        <a:ln w="25400" cap="flat" cmpd="sng" algn="ctr">
+          <a:solidFill>
+            <a:schemeClr val="phClr"/>
+          </a:solidFill>
+          <a:prstDash val="solid"/>
+          <a:miter lim="800000"/>
+        </a:ln>
+      </a:lnStyleLst>
+      <a:effectStyleLst>
+        <a:effectStyle>
+          <a:effectLst/>
+        </a:effectStyle>
+        <a:effectStyle>
+          <a:effectLst/>
+        </a:effectStyle>
+        <a:effectStyle>
+          <a:effectLst>
+            <a:outerShdw blurRad="57150" dist="19050" dir="5400000" algn="ctr" rotWithShape="0">
+              <a:srgbClr val="000000">
+                <a:alpha val="63000"/>
+              </a:srgbClr>
+            </a:outerShdw>
+          </a:effectLst>
+        </a:effectStyle>
+      </a:effectStyleLst>
+      <a:bgFillStyleLst>
+        <a:solidFill>
+          <a:schemeClr val="phClr"/>
+        </a:solidFill>
+        <a:solidFill>
+          <a:schemeClr val="phClr">
+            <a:tint val="95000"/>
+            <a:satMod val="170000"/>
+          </a:schemeClr>
+        </a:solidFill>
+        <a:gradFill rotWithShape="1">
+          <a:gsLst>
+            <a:gs pos="0">
+              <a:schemeClr val="phClr">
+                <a:tint val="93000"/>
+                <a:satMod val="150000"/>
+                <a:shade val="98000"/>
+                <a:lumMod val="102000"/>
+              </a:schemeClr>
+            </a:gs>
+            <a:gs pos="50000">
+              <a:schemeClr val="phClr">
+                <a:tint val="98000"/>
+                <a:satMod val="130000"/>
+                <a:shade val="90000"/>
+                <a:lumMod val="103000"/>
+              </a:schemeClr>
+            </a:gs>
+            <a:gs pos="100000">
+              <a:schemeClr val="phClr">
+                <a:shade val="63000"/>
+                <a:satMod val="120000"/>
+              </a:schemeClr>
+            </a:gs>
+          </a:gsLst>
+          <a:lin ang="5400000" scaled="0"/>
+        </a:gradFill>
+      </a:bgFillStyleLst>
+    </a:fmtScheme>
+  </a:themeElements>
+  <a:objectDefaults>
+    <a:lnDef>
+      <a:spPr/>
+      <a:bodyPr/>
+      <a:lstStyle/>
+      <a:style>
+        <a:lnRef idx="2">
+          <a:schemeClr val="accent1"/>
+        </a:lnRef>
+        <a:fillRef idx="0">
+          <a:schemeClr val="accent1"/>
+        </a:fillRef>
+        <a:effectRef idx="1">
+          <a:schemeClr val="accent1"/>
+        </a:effectRef>
+        <a:fontRef idx="minor">
+          <a:schemeClr val="tx1"/>
+        </a:fontRef>
+      </a:style>
+    </a:lnDef>
+  </a:objectDefaults>
+  <a:extraClrSchemeLst/>
+  <a:extLst>
+    <a:ext uri="{05A4C25C-085E-4340-85A3-A5531E510DB2}">
+      <thm15:themeFamily xmlns:thm15="http://schemas.microsoft.com/office/thememl/2012/main" name="Office Theme" id="{2E142A2C-CD16-42D6-873A-C26D2A0506FA}" vid="{1BDDFF52-6CD6-40A5-AB3C-68EB2F1E4D0A}"/>
+    </a:ext>
+  </a:extLst>
+</a:theme>
 </file>